--- a/G2/软件工程系列课程教学辅助网站/非受控文档/楼静靓/PRD2017-G2-需求变更管理ppt.pptx
+++ b/G2/软件工程系列课程教学辅助网站/非受控文档/楼静靓/PRD2017-G2-需求变更管理ppt.pptx
@@ -4,6 +4,9 @@
   <p:sldMasterIdLst>
     <p:sldMasterId id="2147483648" r:id="rId1"/>
   </p:sldMasterIdLst>
+  <p:notesMasterIdLst>
+    <p:notesMasterId r:id="rId20"/>
+  </p:notesMasterIdLst>
   <p:sldIdLst>
     <p:sldId id="257" r:id="rId3"/>
     <p:sldId id="258" r:id="rId4"/>
@@ -19,7 +22,9 @@
     <p:sldId id="298" r:id="rId14"/>
     <p:sldId id="264" r:id="rId15"/>
     <p:sldId id="270" r:id="rId16"/>
-    <p:sldId id="280" r:id="rId17"/>
+    <p:sldId id="305" r:id="rId17"/>
+    <p:sldId id="306" r:id="rId18"/>
+    <p:sldId id="280" r:id="rId19"/>
   </p:sldIdLst>
   <p:sldSz cx="12192000" cy="6858000"/>
   <p:notesSz cx="6858000" cy="9144000"/>
@@ -119,6 +124,353 @@
     </a:lvl9pPr>
   </p:defaultTextStyle>
 </p:presentation>
+</file>
+
+<file path=ppt/notesMasters/notesMaster1.xml><?xml version="1.0" encoding="utf-8"?>
+<p:notesMaster xmlns:a="http://schemas.openxmlformats.org/drawingml/2006/main" xmlns:r="http://schemas.openxmlformats.org/officeDocument/2006/relationships" xmlns:p="http://schemas.openxmlformats.org/presentationml/2006/main">
+  <p:cSld>
+    <p:bg>
+      <p:bgRef idx="1001">
+        <a:schemeClr val="bg1"/>
+      </p:bgRef>
+    </p:bg>
+    <p:spTree>
+      <p:nvGrpSpPr>
+        <p:cNvPr id="1" name=""/>
+        <p:cNvGrpSpPr/>
+        <p:nvPr/>
+      </p:nvGrpSpPr>
+      <p:grpSpPr>
+        <a:xfrm>
+          <a:off x="0" y="0"/>
+          <a:ext cx="0" cy="0"/>
+          <a:chOff x="0" y="0"/>
+          <a:chExt cx="0" cy="0"/>
+        </a:xfrm>
+      </p:grpSpPr>
+      <p:sp>
+        <p:nvSpPr>
+          <p:cNvPr id="2" name="页眉占位符 1"/>
+          <p:cNvSpPr>
+            <a:spLocks noGrp="1"/>
+          </p:cNvSpPr>
+          <p:nvPr>
+            <p:ph type="hdr" sz="quarter"/>
+          </p:nvPr>
+        </p:nvSpPr>
+        <p:spPr>
+          <a:xfrm>
+            <a:off x="0" y="0"/>
+            <a:ext cx="2971800" cy="458788"/>
+          </a:xfrm>
+          <a:prstGeom prst="rect">
+            <a:avLst/>
+          </a:prstGeom>
+        </p:spPr>
+        <p:txBody>
+          <a:bodyPr vert="horz" lIns="91440" tIns="45720" rIns="91440" bIns="45720" rtlCol="0"/>
+          <a:lstStyle>
+            <a:lvl1pPr algn="l">
+              <a:defRPr sz="1200"/>
+            </a:lvl1pPr>
+          </a:lstStyle>
+          <a:p>
+            <a:endParaRPr lang="zh-CN" altLang="en-US"/>
+          </a:p>
+        </p:txBody>
+      </p:sp>
+      <p:sp>
+        <p:nvSpPr>
+          <p:cNvPr id="3" name="日期占位符 2"/>
+          <p:cNvSpPr>
+            <a:spLocks noGrp="1"/>
+          </p:cNvSpPr>
+          <p:nvPr>
+            <p:ph type="dt" idx="1"/>
+          </p:nvPr>
+        </p:nvSpPr>
+        <p:spPr>
+          <a:xfrm>
+            <a:off x="3884613" y="0"/>
+            <a:ext cx="2971800" cy="458788"/>
+          </a:xfrm>
+          <a:prstGeom prst="rect">
+            <a:avLst/>
+          </a:prstGeom>
+        </p:spPr>
+        <p:txBody>
+          <a:bodyPr vert="horz" lIns="91440" tIns="45720" rIns="91440" bIns="45720" rtlCol="0"/>
+          <a:lstStyle>
+            <a:lvl1pPr algn="r">
+              <a:defRPr sz="1200"/>
+            </a:lvl1pPr>
+          </a:lstStyle>
+          <a:p>
+            <a:fld id="{D2A48B96-639E-45A3-A0BA-2464DFDB1FAA}" type="datetimeFigureOut">
+              <a:rPr lang="zh-CN" altLang="en-US" smtClean="0"/>
+            </a:fld>
+            <a:endParaRPr lang="zh-CN" altLang="en-US"/>
+          </a:p>
+        </p:txBody>
+      </p:sp>
+      <p:sp>
+        <p:nvSpPr>
+          <p:cNvPr id="4" name="幻灯片图像占位符 3"/>
+          <p:cNvSpPr>
+            <a:spLocks noGrp="1" noRot="1" noChangeAspect="1"/>
+          </p:cNvSpPr>
+          <p:nvPr>
+            <p:ph type="sldImg" idx="2"/>
+          </p:nvPr>
+        </p:nvSpPr>
+        <p:spPr>
+          <a:xfrm>
+            <a:off x="685800" y="1143000"/>
+            <a:ext cx="5486400" cy="3086100"/>
+          </a:xfrm>
+          <a:prstGeom prst="rect">
+            <a:avLst/>
+          </a:prstGeom>
+          <a:noFill/>
+          <a:ln w="12700">
+            <a:solidFill>
+              <a:prstClr val="black"/>
+            </a:solidFill>
+          </a:ln>
+        </p:spPr>
+        <p:txBody>
+          <a:bodyPr vert="horz" lIns="91440" tIns="45720" rIns="91440" bIns="45720" rtlCol="0" anchor="ctr"/>
+          <a:lstStyle/>
+          <a:p>
+            <a:endParaRPr lang="zh-CN" altLang="en-US"/>
+          </a:p>
+        </p:txBody>
+      </p:sp>
+      <p:sp>
+        <p:nvSpPr>
+          <p:cNvPr id="5" name="备注占位符 4"/>
+          <p:cNvSpPr>
+            <a:spLocks noGrp="1"/>
+          </p:cNvSpPr>
+          <p:nvPr>
+            <p:ph type="body" sz="quarter" idx="3"/>
+          </p:nvPr>
+        </p:nvSpPr>
+        <p:spPr>
+          <a:xfrm>
+            <a:off x="685800" y="4400550"/>
+            <a:ext cx="5486400" cy="3600450"/>
+          </a:xfrm>
+          <a:prstGeom prst="rect">
+            <a:avLst/>
+          </a:prstGeom>
+        </p:spPr>
+        <p:txBody>
+          <a:bodyPr vert="horz" lIns="91440" tIns="45720" rIns="91440" bIns="45720" rtlCol="0"/>
+          <a:lstStyle/>
+          <a:p>
+            <a:pPr lvl="0"/>
+            <a:r>
+              <a:rPr lang="zh-CN" altLang="en-US" smtClean="0"/>
+              <a:t>单击此处编辑母版文本样式</a:t>
+            </a:r>
+            <a:endParaRPr lang="zh-CN" altLang="en-US" smtClean="0"/>
+          </a:p>
+          <a:p>
+            <a:pPr lvl="1"/>
+            <a:r>
+              <a:rPr lang="zh-CN" altLang="en-US" smtClean="0"/>
+              <a:t>第二级</a:t>
+            </a:r>
+            <a:endParaRPr lang="zh-CN" altLang="en-US" smtClean="0"/>
+          </a:p>
+          <a:p>
+            <a:pPr lvl="2"/>
+            <a:r>
+              <a:rPr lang="zh-CN" altLang="en-US" smtClean="0"/>
+              <a:t>第三级</a:t>
+            </a:r>
+            <a:endParaRPr lang="zh-CN" altLang="en-US" smtClean="0"/>
+          </a:p>
+          <a:p>
+            <a:pPr lvl="3"/>
+            <a:r>
+              <a:rPr lang="zh-CN" altLang="en-US" smtClean="0"/>
+              <a:t>第四级</a:t>
+            </a:r>
+            <a:endParaRPr lang="zh-CN" altLang="en-US" smtClean="0"/>
+          </a:p>
+          <a:p>
+            <a:pPr lvl="4"/>
+            <a:r>
+              <a:rPr lang="zh-CN" altLang="en-US" smtClean="0"/>
+              <a:t>第五级</a:t>
+            </a:r>
+            <a:endParaRPr lang="zh-CN" altLang="en-US"/>
+          </a:p>
+        </p:txBody>
+      </p:sp>
+      <p:sp>
+        <p:nvSpPr>
+          <p:cNvPr id="6" name="页脚占位符 5"/>
+          <p:cNvSpPr>
+            <a:spLocks noGrp="1"/>
+          </p:cNvSpPr>
+          <p:nvPr>
+            <p:ph type="ftr" sz="quarter" idx="4"/>
+          </p:nvPr>
+        </p:nvSpPr>
+        <p:spPr>
+          <a:xfrm>
+            <a:off x="0" y="8685213"/>
+            <a:ext cx="2971800" cy="458787"/>
+          </a:xfrm>
+          <a:prstGeom prst="rect">
+            <a:avLst/>
+          </a:prstGeom>
+        </p:spPr>
+        <p:txBody>
+          <a:bodyPr vert="horz" lIns="91440" tIns="45720" rIns="91440" bIns="45720" rtlCol="0" anchor="b"/>
+          <a:lstStyle>
+            <a:lvl1pPr algn="l">
+              <a:defRPr sz="1200"/>
+            </a:lvl1pPr>
+          </a:lstStyle>
+          <a:p>
+            <a:endParaRPr lang="zh-CN" altLang="en-US"/>
+          </a:p>
+        </p:txBody>
+      </p:sp>
+      <p:sp>
+        <p:nvSpPr>
+          <p:cNvPr id="7" name="灯片编号占位符 6"/>
+          <p:cNvSpPr>
+            <a:spLocks noGrp="1"/>
+          </p:cNvSpPr>
+          <p:nvPr>
+            <p:ph type="sldNum" sz="quarter" idx="5"/>
+          </p:nvPr>
+        </p:nvSpPr>
+        <p:spPr>
+          <a:xfrm>
+            <a:off x="3884613" y="8685213"/>
+            <a:ext cx="2971800" cy="458787"/>
+          </a:xfrm>
+          <a:prstGeom prst="rect">
+            <a:avLst/>
+          </a:prstGeom>
+        </p:spPr>
+        <p:txBody>
+          <a:bodyPr vert="horz" lIns="91440" tIns="45720" rIns="91440" bIns="45720" rtlCol="0" anchor="b"/>
+          <a:lstStyle>
+            <a:lvl1pPr algn="r">
+              <a:defRPr sz="1200"/>
+            </a:lvl1pPr>
+          </a:lstStyle>
+          <a:p>
+            <a:fld id="{A6837353-30EB-4A48-80EB-173D804AEFBD}" type="slidenum">
+              <a:rPr lang="zh-CN" altLang="en-US" smtClean="0"/>
+            </a:fld>
+            <a:endParaRPr lang="zh-CN" altLang="en-US"/>
+          </a:p>
+        </p:txBody>
+      </p:sp>
+    </p:spTree>
+  </p:cSld>
+  <p:clrMap bg1="lt1" tx1="dk1" bg2="lt2" tx2="dk2" accent1="accent1" accent2="accent2" accent3="accent3" accent4="accent4" accent5="accent5" accent6="accent6" hlink="hlink" folHlink="folHlink"/>
+  <p:notesStyle>
+    <a:lvl1pPr marL="0" algn="l" defTabSz="914400" rtl="0" eaLnBrk="1" latinLnBrk="0" hangingPunct="1">
+      <a:defRPr sz="1200" kern="1200">
+        <a:solidFill>
+          <a:schemeClr val="tx1"/>
+        </a:solidFill>
+        <a:latin typeface="+mn-lt"/>
+        <a:ea typeface="+mn-ea"/>
+        <a:cs typeface="+mn-cs"/>
+      </a:defRPr>
+    </a:lvl1pPr>
+    <a:lvl2pPr marL="457200" algn="l" defTabSz="914400" rtl="0" eaLnBrk="1" latinLnBrk="0" hangingPunct="1">
+      <a:defRPr sz="1200" kern="1200">
+        <a:solidFill>
+          <a:schemeClr val="tx1"/>
+        </a:solidFill>
+        <a:latin typeface="+mn-lt"/>
+        <a:ea typeface="+mn-ea"/>
+        <a:cs typeface="+mn-cs"/>
+      </a:defRPr>
+    </a:lvl2pPr>
+    <a:lvl3pPr marL="914400" algn="l" defTabSz="914400" rtl="0" eaLnBrk="1" latinLnBrk="0" hangingPunct="1">
+      <a:defRPr sz="1200" kern="1200">
+        <a:solidFill>
+          <a:schemeClr val="tx1"/>
+        </a:solidFill>
+        <a:latin typeface="+mn-lt"/>
+        <a:ea typeface="+mn-ea"/>
+        <a:cs typeface="+mn-cs"/>
+      </a:defRPr>
+    </a:lvl3pPr>
+    <a:lvl4pPr marL="1371600" algn="l" defTabSz="914400" rtl="0" eaLnBrk="1" latinLnBrk="0" hangingPunct="1">
+      <a:defRPr sz="1200" kern="1200">
+        <a:solidFill>
+          <a:schemeClr val="tx1"/>
+        </a:solidFill>
+        <a:latin typeface="+mn-lt"/>
+        <a:ea typeface="+mn-ea"/>
+        <a:cs typeface="+mn-cs"/>
+      </a:defRPr>
+    </a:lvl4pPr>
+    <a:lvl5pPr marL="1828800" algn="l" defTabSz="914400" rtl="0" eaLnBrk="1" latinLnBrk="0" hangingPunct="1">
+      <a:defRPr sz="1200" kern="1200">
+        <a:solidFill>
+          <a:schemeClr val="tx1"/>
+        </a:solidFill>
+        <a:latin typeface="+mn-lt"/>
+        <a:ea typeface="+mn-ea"/>
+        <a:cs typeface="+mn-cs"/>
+      </a:defRPr>
+    </a:lvl5pPr>
+    <a:lvl6pPr marL="2286000" algn="l" defTabSz="914400" rtl="0" eaLnBrk="1" latinLnBrk="0" hangingPunct="1">
+      <a:defRPr sz="1200" kern="1200">
+        <a:solidFill>
+          <a:schemeClr val="tx1"/>
+        </a:solidFill>
+        <a:latin typeface="+mn-lt"/>
+        <a:ea typeface="+mn-ea"/>
+        <a:cs typeface="+mn-cs"/>
+      </a:defRPr>
+    </a:lvl6pPr>
+    <a:lvl7pPr marL="2743200" algn="l" defTabSz="914400" rtl="0" eaLnBrk="1" latinLnBrk="0" hangingPunct="1">
+      <a:defRPr sz="1200" kern="1200">
+        <a:solidFill>
+          <a:schemeClr val="tx1"/>
+        </a:solidFill>
+        <a:latin typeface="+mn-lt"/>
+        <a:ea typeface="+mn-ea"/>
+        <a:cs typeface="+mn-cs"/>
+      </a:defRPr>
+    </a:lvl7pPr>
+    <a:lvl8pPr marL="3200400" algn="l" defTabSz="914400" rtl="0" eaLnBrk="1" latinLnBrk="0" hangingPunct="1">
+      <a:defRPr sz="1200" kern="1200">
+        <a:solidFill>
+          <a:schemeClr val="tx1"/>
+        </a:solidFill>
+        <a:latin typeface="+mn-lt"/>
+        <a:ea typeface="+mn-ea"/>
+        <a:cs typeface="+mn-cs"/>
+      </a:defRPr>
+    </a:lvl8pPr>
+    <a:lvl9pPr marL="3657600" algn="l" defTabSz="914400" rtl="0" eaLnBrk="1" latinLnBrk="0" hangingPunct="1">
+      <a:defRPr sz="1200" kern="1200">
+        <a:solidFill>
+          <a:schemeClr val="tx1"/>
+        </a:solidFill>
+        <a:latin typeface="+mn-lt"/>
+        <a:ea typeface="+mn-ea"/>
+        <a:cs typeface="+mn-cs"/>
+      </a:defRPr>
+    </a:lvl9pPr>
+  </p:notesStyle>
+</p:notesMaster>
 </file>
 
 <file path=ppt/slideLayouts/slideLayout1.xml><?xml version="1.0" encoding="utf-8"?>
@@ -438,6 +790,204 @@
 </p:sldLayout>
 </file>
 
+<file path=ppt/slideLayouts/slideLayout5.xml><?xml version="1.0" encoding="utf-8"?>
+<p:sldLayout xmlns:a="http://schemas.openxmlformats.org/drawingml/2006/main" xmlns:r="http://schemas.openxmlformats.org/officeDocument/2006/relationships" xmlns:p="http://schemas.openxmlformats.org/presentationml/2006/main" userDrawn="1">
+  <p:cSld name="Iphone 6 floating">
+    <p:spTree>
+      <p:nvGrpSpPr>
+        <p:cNvPr id="1" name=""/>
+        <p:cNvGrpSpPr/>
+        <p:nvPr/>
+      </p:nvGrpSpPr>
+      <p:grpSpPr>
+        <a:xfrm>
+          <a:off x="0" y="0"/>
+          <a:ext cx="0" cy="0"/>
+          <a:chOff x="0" y="0"/>
+          <a:chExt cx="0" cy="0"/>
+        </a:xfrm>
+      </p:grpSpPr>
+      <p:pic>
+        <p:nvPicPr>
+          <p:cNvPr id="2" name="图片 1"/>
+          <p:cNvPicPr>
+            <a:picLocks noChangeAspect="1"/>
+          </p:cNvPicPr>
+          <p:nvPr userDrawn="1"/>
+        </p:nvPicPr>
+        <p:blipFill>
+          <a:blip r:embed="rId2" cstate="print">
+            <a:extLst>
+              <a:ext uri="{28A0092B-C50C-407E-A947-70E740481C1C}">
+                <a14:useLocalDpi xmlns:a14="http://schemas.microsoft.com/office/drawing/2010/main" val="0"/>
+              </a:ext>
+            </a:extLst>
+          </a:blip>
+          <a:stretch>
+            <a:fillRect/>
+          </a:stretch>
+        </p:blipFill>
+        <p:spPr>
+          <a:xfrm>
+            <a:off x="0" y="0"/>
+            <a:ext cx="12191331" cy="6858000"/>
+          </a:xfrm>
+          <a:prstGeom prst="rect">
+            <a:avLst/>
+          </a:prstGeom>
+        </p:spPr>
+      </p:pic>
+      <p:sp>
+        <p:nvSpPr>
+          <p:cNvPr id="3" name="矩形 2"/>
+          <p:cNvSpPr/>
+          <p:nvPr userDrawn="1"/>
+        </p:nvSpPr>
+        <p:spPr>
+          <a:xfrm>
+            <a:off x="0" y="0"/>
+            <a:ext cx="12192000" cy="6858000"/>
+          </a:xfrm>
+          <a:prstGeom prst="rect">
+            <a:avLst/>
+          </a:prstGeom>
+          <a:solidFill>
+            <a:srgbClr val="FFFFFF">
+              <a:alpha val="14902"/>
+            </a:srgbClr>
+          </a:solidFill>
+          <a:ln>
+            <a:noFill/>
+          </a:ln>
+        </p:spPr>
+        <p:style>
+          <a:lnRef idx="2">
+            <a:schemeClr val="accent1">
+              <a:shade val="50000"/>
+            </a:schemeClr>
+          </a:lnRef>
+          <a:fillRef idx="1">
+            <a:schemeClr val="accent1"/>
+          </a:fillRef>
+          <a:effectRef idx="0">
+            <a:schemeClr val="accent1"/>
+          </a:effectRef>
+          <a:fontRef idx="minor">
+            <a:schemeClr val="lt1"/>
+          </a:fontRef>
+        </p:style>
+        <p:txBody>
+          <a:bodyPr rtlCol="0" anchor="ctr"/>
+          <a:lstStyle/>
+          <a:p>
+            <a:pPr algn="ctr"/>
+            <a:endParaRPr lang="zh-CN" altLang="en-US" sz="1705"/>
+          </a:p>
+        </p:txBody>
+      </p:sp>
+    </p:spTree>
+  </p:cSld>
+  <p:clrMapOvr>
+    <a:masterClrMapping/>
+  </p:clrMapOvr>
+  <p:timing>
+    <p:tnLst>
+      <p:par>
+        <p:cTn id="1" dur="indefinite" restart="never" nodeType="tmRoot"/>
+      </p:par>
+    </p:tnLst>
+  </p:timing>
+</p:sldLayout>
+</file>
+
+<file path=ppt/slideLayouts/slideLayout6.xml><?xml version="1.0" encoding="utf-8"?>
+<p:sldLayout xmlns:a="http://schemas.openxmlformats.org/drawingml/2006/main" xmlns:r="http://schemas.openxmlformats.org/officeDocument/2006/relationships" xmlns:p="http://schemas.openxmlformats.org/presentationml/2006/main" type="blank" preserve="1">
+  <p:cSld name="空白">
+    <p:spTree>
+      <p:nvGrpSpPr>
+        <p:cNvPr id="1" name=""/>
+        <p:cNvGrpSpPr/>
+        <p:nvPr/>
+      </p:nvGrpSpPr>
+      <p:grpSpPr>
+        <a:xfrm>
+          <a:off x="0" y="0"/>
+          <a:ext cx="0" cy="0"/>
+          <a:chOff x="0" y="0"/>
+          <a:chExt cx="0" cy="0"/>
+        </a:xfrm>
+      </p:grpSpPr>
+      <p:sp>
+        <p:nvSpPr>
+          <p:cNvPr id="2" name="日期占位符 1"/>
+          <p:cNvSpPr>
+            <a:spLocks noGrp="1"/>
+          </p:cNvSpPr>
+          <p:nvPr>
+            <p:ph type="dt" sz="half" idx="10"/>
+          </p:nvPr>
+        </p:nvSpPr>
+        <p:spPr/>
+        <p:txBody>
+          <a:bodyPr/>
+          <a:lstStyle/>
+          <a:p>
+            <a:fld id="{3C82C926-329E-43DE-A990-3A07A2A534C7}" type="datetimeFigureOut">
+              <a:rPr lang="zh-CN" altLang="en-US" smtClean="0"/>
+            </a:fld>
+            <a:endParaRPr lang="zh-CN" altLang="en-US"/>
+          </a:p>
+        </p:txBody>
+      </p:sp>
+      <p:sp>
+        <p:nvSpPr>
+          <p:cNvPr id="3" name="页脚占位符 2"/>
+          <p:cNvSpPr>
+            <a:spLocks noGrp="1"/>
+          </p:cNvSpPr>
+          <p:nvPr>
+            <p:ph type="ftr" sz="quarter" idx="11"/>
+          </p:nvPr>
+        </p:nvSpPr>
+        <p:spPr/>
+        <p:txBody>
+          <a:bodyPr/>
+          <a:lstStyle/>
+          <a:p>
+            <a:endParaRPr lang="zh-CN" altLang="en-US"/>
+          </a:p>
+        </p:txBody>
+      </p:sp>
+      <p:sp>
+        <p:nvSpPr>
+          <p:cNvPr id="4" name="灯片编号占位符 3"/>
+          <p:cNvSpPr>
+            <a:spLocks noGrp="1"/>
+          </p:cNvSpPr>
+          <p:nvPr>
+            <p:ph type="sldNum" sz="quarter" idx="12"/>
+          </p:nvPr>
+        </p:nvSpPr>
+        <p:spPr/>
+        <p:txBody>
+          <a:bodyPr/>
+          <a:lstStyle/>
+          <a:p>
+            <a:fld id="{DB1C3CEF-B625-4558-9E75-934060632C1B}" type="slidenum">
+              <a:rPr lang="zh-CN" altLang="en-US" smtClean="0"/>
+            </a:fld>
+            <a:endParaRPr lang="zh-CN" altLang="en-US"/>
+          </a:p>
+        </p:txBody>
+      </p:sp>
+    </p:spTree>
+  </p:cSld>
+  <p:clrMapOvr>
+    <a:masterClrMapping/>
+  </p:clrMapOvr>
+</p:sldLayout>
+</file>
+
 <file path=ppt/slideMasters/slideMaster1.xml><?xml version="1.0" encoding="utf-8"?>
 <p:sldMaster xmlns:a="http://schemas.openxmlformats.org/drawingml/2006/main" xmlns:r="http://schemas.openxmlformats.org/officeDocument/2006/relationships" xmlns:p="http://schemas.openxmlformats.org/presentationml/2006/main">
   <p:cSld>
@@ -684,6 +1234,8 @@
     <p:sldLayoutId id="2147483650" r:id="rId2"/>
     <p:sldLayoutId id="2147483651" r:id="rId3"/>
     <p:sldLayoutId id="2147483652" r:id="rId4"/>
+    <p:sldLayoutId id="2147483653" r:id="rId5"/>
+    <p:sldLayoutId id="2147483654" r:id="rId6"/>
   </p:sldLayoutIdLst>
   <p:timing>
     <p:tnLst>
@@ -4945,6 +5497,2476 @@
 </file>
 
 <file path=ppt/slides/slide15.xml><?xml version="1.0" encoding="utf-8"?>
+<p:sld xmlns:a="http://schemas.openxmlformats.org/drawingml/2006/main" xmlns:r="http://schemas.openxmlformats.org/officeDocument/2006/relationships" xmlns:p="http://schemas.openxmlformats.org/presentationml/2006/main">
+  <p:cSld>
+    <p:spTree>
+      <p:nvGrpSpPr>
+        <p:cNvPr id="1" name=""/>
+        <p:cNvGrpSpPr/>
+        <p:nvPr/>
+      </p:nvGrpSpPr>
+      <p:grpSpPr/>
+      <p:sp>
+        <p:nvSpPr>
+          <p:cNvPr id="15" name="矩形 14"/>
+          <p:cNvSpPr/>
+          <p:nvPr/>
+        </p:nvSpPr>
+        <p:spPr>
+          <a:xfrm>
+            <a:off x="573088" y="161925"/>
+            <a:ext cx="1260475" cy="400050"/>
+          </a:xfrm>
+          <a:prstGeom prst="rect">
+            <a:avLst/>
+          </a:prstGeom>
+        </p:spPr>
+        <p:txBody>
+          <a:bodyPr wrap="square" anchor="ctr">
+            <a:spAutoFit/>
+          </a:bodyPr>
+          <a:lstStyle/>
+          <a:p>
+            <a:pPr lvl="0" fontAlgn="auto"/>
+            <a:r>
+              <a:rPr kumimoji="0" lang="zh-CN" altLang="en-US" sz="2000" b="1" i="0" u="none" strike="noStrike" kern="0" cap="none" spc="0" normalizeH="0" baseline="0" noProof="0" dirty="0" smtClean="0">
+                <a:ln>
+                  <a:noFill/>
+                </a:ln>
+                <a:effectLst/>
+                <a:uLnTx/>
+                <a:uFillTx/>
+                <a:latin typeface="微软雅黑" panose="020B0503020204020204" pitchFamily="34" charset="-122"/>
+                <a:ea typeface="微软雅黑" panose="020B0503020204020204" pitchFamily="34" charset="-122"/>
+                <a:cs typeface="微软雅黑" panose="020B0503020204020204" pitchFamily="34" charset="-122"/>
+              </a:rPr>
+              <a:t>参考文献</a:t>
+            </a:r>
+            <a:endParaRPr kumimoji="0" lang="zh-CN" altLang="en-US" sz="2000" b="1" i="0" u="none" strike="noStrike" kern="0" cap="none" spc="0" normalizeH="0" baseline="0" noProof="0" dirty="0" smtClean="0">
+              <a:ln>
+                <a:noFill/>
+              </a:ln>
+              <a:effectLst/>
+              <a:uLnTx/>
+              <a:uFillTx/>
+              <a:latin typeface="微软雅黑" panose="020B0503020204020204" pitchFamily="34" charset="-122"/>
+              <a:ea typeface="微软雅黑" panose="020B0503020204020204" pitchFamily="34" charset="-122"/>
+              <a:cs typeface="微软雅黑" panose="020B0503020204020204" pitchFamily="34" charset="-122"/>
+            </a:endParaRPr>
+          </a:p>
+        </p:txBody>
+      </p:sp>
+      <p:sp>
+        <p:nvSpPr>
+          <p:cNvPr id="22530" name="矩形 15"/>
+          <p:cNvSpPr/>
+          <p:nvPr/>
+        </p:nvSpPr>
+        <p:spPr>
+          <a:xfrm>
+            <a:off x="1735138" y="207963"/>
+            <a:ext cx="1177925" cy="307975"/>
+          </a:xfrm>
+          <a:prstGeom prst="rect">
+            <a:avLst/>
+          </a:prstGeom>
+          <a:noFill/>
+          <a:ln w="9525">
+            <a:noFill/>
+          </a:ln>
+        </p:spPr>
+        <p:txBody>
+          <a:bodyPr wrap="none" anchor="t">
+            <a:spAutoFit/>
+          </a:bodyPr>
+          <a:p>
+            <a:r>
+              <a:rPr lang="en-US" altLang="zh-CN" sz="1400" dirty="0">
+                <a:latin typeface="微软雅黑" panose="020B0503020204020204" pitchFamily="34" charset="-122"/>
+                <a:ea typeface="微软雅黑" panose="020B0503020204020204" pitchFamily="34" charset="-122"/>
+              </a:rPr>
+              <a:t>REFERENCE</a:t>
+            </a:r>
+            <a:endParaRPr lang="en-US" altLang="zh-CN" sz="1400" dirty="0">
+              <a:latin typeface="微软雅黑" panose="020B0503020204020204" pitchFamily="34" charset="-122"/>
+              <a:ea typeface="微软雅黑" panose="020B0503020204020204" pitchFamily="34" charset="-122"/>
+            </a:endParaRPr>
+          </a:p>
+        </p:txBody>
+      </p:sp>
+      <p:sp>
+        <p:nvSpPr>
+          <p:cNvPr id="13" name="矩形 12"/>
+          <p:cNvSpPr/>
+          <p:nvPr/>
+        </p:nvSpPr>
+        <p:spPr>
+          <a:xfrm>
+            <a:off x="169863" y="168275"/>
+            <a:ext cx="374650" cy="385763"/>
+          </a:xfrm>
+          <a:prstGeom prst="rect">
+            <a:avLst/>
+          </a:prstGeom>
+          <a:solidFill>
+            <a:schemeClr val="accent2"/>
+          </a:solidFill>
+          <a:ln>
+            <a:noFill/>
+          </a:ln>
+        </p:spPr>
+        <p:style>
+          <a:lnRef idx="2">
+            <a:schemeClr val="accent1">
+              <a:shade val="50000"/>
+            </a:schemeClr>
+          </a:lnRef>
+          <a:fillRef idx="1">
+            <a:schemeClr val="accent1"/>
+          </a:fillRef>
+          <a:effectRef idx="0">
+            <a:schemeClr val="accent1"/>
+          </a:effectRef>
+          <a:fontRef idx="minor">
+            <a:schemeClr val="lt1"/>
+          </a:fontRef>
+        </p:style>
+        <p:txBody>
+          <a:bodyPr rot="0" spcFirstLastPara="0" vertOverflow="overflow" horzOverflow="overflow" vert="horz" wrap="square" lIns="91440" tIns="45720" rIns="91440" bIns="45720" numCol="1" spcCol="0" rtlCol="0" fromWordArt="0" anchor="ctr" anchorCtr="0" forceAA="0" compatLnSpc="1">
+            <a:noAutofit/>
+          </a:bodyPr>
+          <a:lstStyle/>
+          <a:p>
+            <a:pPr algn="ctr" fontAlgn="auto"/>
+            <a:endParaRPr lang="zh-CN" altLang="en-US" strike="noStrike" noProof="1">
+              <a:solidFill>
+                <a:schemeClr val="tx1"/>
+              </a:solidFill>
+            </a:endParaRPr>
+          </a:p>
+        </p:txBody>
+      </p:sp>
+      <p:sp>
+        <p:nvSpPr>
+          <p:cNvPr id="14" name="矩形 13"/>
+          <p:cNvSpPr/>
+          <p:nvPr/>
+        </p:nvSpPr>
+        <p:spPr>
+          <a:xfrm>
+            <a:off x="-76200" y="161925"/>
+            <a:ext cx="866775" cy="400050"/>
+          </a:xfrm>
+          <a:prstGeom prst="rect">
+            <a:avLst/>
+          </a:prstGeom>
+        </p:spPr>
+        <p:txBody>
+          <a:bodyPr wrap="square" anchor="ctr">
+            <a:spAutoFit/>
+          </a:bodyPr>
+          <a:lstStyle/>
+          <a:p>
+            <a:pPr marL="0" marR="0" lvl="0" indent="0" algn="ctr" defTabSz="914400" eaLnBrk="1" fontAlgn="auto" latinLnBrk="0" hangingPunct="1">
+              <a:lnSpc>
+                <a:spcPct val="100000"/>
+              </a:lnSpc>
+              <a:spcBef>
+                <a:spcPts val="0"/>
+              </a:spcBef>
+              <a:spcAft>
+                <a:spcPts val="0"/>
+              </a:spcAft>
+              <a:buClrTx/>
+              <a:buSzTx/>
+              <a:buFontTx/>
+              <a:buNone/>
+              <a:defRPr/>
+            </a:pPr>
+            <a:r>
+              <a:rPr kumimoji="0" lang="en-US" altLang="zh-CN" sz="2000" b="0" i="0" u="none" strike="noStrike" kern="0" cap="none" spc="0" normalizeH="0" baseline="0" noProof="0" dirty="0" smtClean="0">
+                <a:ln>
+                  <a:noFill/>
+                </a:ln>
+                <a:solidFill>
+                  <a:schemeClr val="bg1"/>
+                </a:solidFill>
+                <a:effectLst/>
+                <a:uLnTx/>
+                <a:uFillTx/>
+                <a:latin typeface="微软雅黑" panose="020B0503020204020204" pitchFamily="34" charset="-122"/>
+                <a:ea typeface="微软雅黑" panose="020B0503020204020204" pitchFamily="34" charset="-122"/>
+                <a:cs typeface="微软雅黑" panose="020B0503020204020204" pitchFamily="34" charset="-122"/>
+              </a:rPr>
+              <a:t>04</a:t>
+            </a:r>
+            <a:endParaRPr kumimoji="0" lang="en-US" altLang="zh-CN" sz="2000" b="0" i="0" u="none" strike="noStrike" kern="0" cap="none" spc="0" normalizeH="0" baseline="0" noProof="0" dirty="0">
+              <a:ln>
+                <a:noFill/>
+              </a:ln>
+              <a:solidFill>
+                <a:schemeClr val="bg1"/>
+              </a:solidFill>
+              <a:effectLst/>
+              <a:uLnTx/>
+              <a:uFillTx/>
+              <a:latin typeface="微软雅黑" panose="020B0503020204020204" pitchFamily="34" charset="-122"/>
+              <a:ea typeface="微软雅黑" panose="020B0503020204020204" pitchFamily="34" charset="-122"/>
+              <a:cs typeface="微软雅黑" panose="020B0503020204020204" pitchFamily="34" charset="-122"/>
+            </a:endParaRPr>
+          </a:p>
+        </p:txBody>
+      </p:sp>
+      <p:cxnSp>
+        <p:nvCxnSpPr>
+          <p:cNvPr id="17" name="直接连接符 16"/>
+          <p:cNvCxnSpPr/>
+          <p:nvPr/>
+        </p:nvCxnSpPr>
+        <p:spPr>
+          <a:xfrm>
+            <a:off x="3060700" y="361950"/>
+            <a:ext cx="8953500" cy="0"/>
+          </a:xfrm>
+          <a:prstGeom prst="line">
+            <a:avLst/>
+          </a:prstGeom>
+          <a:ln>
+            <a:solidFill>
+              <a:schemeClr val="tx1"/>
+            </a:solidFill>
+          </a:ln>
+        </p:spPr>
+        <p:style>
+          <a:lnRef idx="1">
+            <a:schemeClr val="accent1"/>
+          </a:lnRef>
+          <a:fillRef idx="0">
+            <a:schemeClr val="accent1"/>
+          </a:fillRef>
+          <a:effectRef idx="0">
+            <a:schemeClr val="accent1"/>
+          </a:effectRef>
+          <a:fontRef idx="minor">
+            <a:schemeClr val="tx1"/>
+          </a:fontRef>
+        </p:style>
+      </p:cxnSp>
+      <p:cxnSp>
+        <p:nvCxnSpPr>
+          <p:cNvPr id="19" name="直接连接符 18"/>
+          <p:cNvCxnSpPr/>
+          <p:nvPr/>
+        </p:nvCxnSpPr>
+        <p:spPr>
+          <a:xfrm>
+            <a:off x="1774825" y="246063"/>
+            <a:ext cx="1588" cy="230188"/>
+          </a:xfrm>
+          <a:prstGeom prst="line">
+            <a:avLst/>
+          </a:prstGeom>
+          <a:ln w="12700" cap="rnd">
+            <a:solidFill>
+              <a:schemeClr val="tx1">
+                <a:alpha val="49000"/>
+              </a:schemeClr>
+            </a:solidFill>
+            <a:round/>
+            <a:tailEnd type="none" w="sm" len="sm"/>
+          </a:ln>
+        </p:spPr>
+        <p:style>
+          <a:lnRef idx="1">
+            <a:schemeClr val="accent1"/>
+          </a:lnRef>
+          <a:fillRef idx="0">
+            <a:schemeClr val="accent1"/>
+          </a:fillRef>
+          <a:effectRef idx="0">
+            <a:schemeClr val="accent1"/>
+          </a:effectRef>
+          <a:fontRef idx="minor">
+            <a:schemeClr val="tx1"/>
+          </a:fontRef>
+        </p:style>
+      </p:cxnSp>
+      <p:pic>
+        <p:nvPicPr>
+          <p:cNvPr id="22535" name="图片 2" descr="小组logo"/>
+          <p:cNvPicPr>
+            <a:picLocks noChangeAspect="1"/>
+          </p:cNvPicPr>
+          <p:nvPr/>
+        </p:nvPicPr>
+        <p:blipFill>
+          <a:blip r:embed="rId1"/>
+          <a:stretch>
+            <a:fillRect/>
+          </a:stretch>
+        </p:blipFill>
+        <p:spPr>
+          <a:xfrm>
+            <a:off x="10318750" y="-190500"/>
+            <a:ext cx="2105025" cy="2105025"/>
+          </a:xfrm>
+          <a:prstGeom prst="rect">
+            <a:avLst/>
+          </a:prstGeom>
+          <a:noFill/>
+          <a:ln w="9525">
+            <a:noFill/>
+          </a:ln>
+        </p:spPr>
+      </p:pic>
+      <p:pic>
+        <p:nvPicPr>
+          <p:cNvPr id="22536" name="Picture 2" descr="C:\Documents and Settings\Administrator\My Documents\Downloads\006.png"/>
+          <p:cNvPicPr>
+            <a:picLocks noChangeAspect="1"/>
+          </p:cNvPicPr>
+          <p:nvPr/>
+        </p:nvPicPr>
+        <p:blipFill>
+          <a:blip r:embed="rId2"/>
+          <a:stretch>
+            <a:fillRect/>
+          </a:stretch>
+        </p:blipFill>
+        <p:spPr>
+          <a:xfrm>
+            <a:off x="111125" y="933450"/>
+            <a:ext cx="492125" cy="492125"/>
+          </a:xfrm>
+          <a:prstGeom prst="rect">
+            <a:avLst/>
+          </a:prstGeom>
+          <a:noFill/>
+          <a:ln w="9525">
+            <a:noFill/>
+          </a:ln>
+        </p:spPr>
+      </p:pic>
+      <p:cxnSp>
+        <p:nvCxnSpPr>
+          <p:cNvPr id="4" name="直接连接符 3"/>
+          <p:cNvCxnSpPr/>
+          <p:nvPr/>
+        </p:nvCxnSpPr>
+        <p:spPr>
+          <a:xfrm>
+            <a:off x="1833563" y="996950"/>
+            <a:ext cx="0" cy="3633788"/>
+          </a:xfrm>
+          <a:prstGeom prst="line">
+            <a:avLst/>
+          </a:prstGeom>
+          <a:ln w="15875">
+            <a:solidFill>
+              <a:schemeClr val="tx1">
+                <a:lumMod val="85000"/>
+                <a:lumOff val="15000"/>
+              </a:schemeClr>
+            </a:solidFill>
+          </a:ln>
+        </p:spPr>
+        <p:style>
+          <a:lnRef idx="1">
+            <a:schemeClr val="accent1"/>
+          </a:lnRef>
+          <a:fillRef idx="0">
+            <a:schemeClr val="accent1"/>
+          </a:fillRef>
+          <a:effectRef idx="0">
+            <a:schemeClr val="accent1"/>
+          </a:effectRef>
+          <a:fontRef idx="minor">
+            <a:schemeClr val="tx1"/>
+          </a:fontRef>
+        </p:style>
+      </p:cxnSp>
+      <p:sp>
+        <p:nvSpPr>
+          <p:cNvPr id="22538" name="文本框 1"/>
+          <p:cNvSpPr txBox="1"/>
+          <p:nvPr/>
+        </p:nvSpPr>
+        <p:spPr>
+          <a:xfrm>
+            <a:off x="679450" y="996950"/>
+            <a:ext cx="1096963" cy="365125"/>
+          </a:xfrm>
+          <a:prstGeom prst="rect">
+            <a:avLst/>
+          </a:prstGeom>
+          <a:noFill/>
+          <a:ln w="9525">
+            <a:noFill/>
+          </a:ln>
+        </p:spPr>
+        <p:txBody>
+          <a:bodyPr wrap="none" anchor="t">
+            <a:spAutoFit/>
+          </a:bodyPr>
+          <a:p>
+            <a:r>
+              <a:rPr lang="zh-CN" altLang="en-US">
+                <a:latin typeface="Calibri" panose="020F0502020204030204" charset="0"/>
+                <a:ea typeface="宋体" panose="02010600030101010101" pitchFamily="2" charset="-122"/>
+              </a:rPr>
+              <a:t>绩效评定</a:t>
+            </a:r>
+            <a:endParaRPr lang="zh-CN" altLang="en-US">
+              <a:latin typeface="Calibri" panose="020F0502020204030204" charset="0"/>
+              <a:ea typeface="宋体" panose="02010600030101010101" pitchFamily="2" charset="-122"/>
+            </a:endParaRPr>
+          </a:p>
+        </p:txBody>
+      </p:sp>
+      <p:sp>
+        <p:nvSpPr>
+          <p:cNvPr id="22539" name="文本框 3"/>
+          <p:cNvSpPr txBox="1"/>
+          <p:nvPr/>
+        </p:nvSpPr>
+        <p:spPr>
+          <a:xfrm>
+            <a:off x="2870200" y="1622425"/>
+            <a:ext cx="1096963" cy="368300"/>
+          </a:xfrm>
+          <a:prstGeom prst="rect">
+            <a:avLst/>
+          </a:prstGeom>
+          <a:noFill/>
+          <a:ln w="9525">
+            <a:noFill/>
+          </a:ln>
+        </p:spPr>
+        <p:txBody>
+          <a:bodyPr wrap="none" anchor="t">
+            <a:spAutoFit/>
+          </a:bodyPr>
+          <a:p>
+            <a:r>
+              <a:rPr lang="zh-CN" altLang="en-US">
+                <a:latin typeface="Calibri" panose="020F0502020204030204" charset="0"/>
+                <a:ea typeface="宋体" panose="02010600030101010101" pitchFamily="2" charset="-122"/>
+              </a:rPr>
+              <a:t>温中磊：</a:t>
+            </a:r>
+            <a:endParaRPr lang="zh-CN" altLang="en-US">
+              <a:latin typeface="Calibri" panose="020F0502020204030204" charset="0"/>
+              <a:ea typeface="宋体" panose="02010600030101010101" pitchFamily="2" charset="-122"/>
+            </a:endParaRPr>
+          </a:p>
+        </p:txBody>
+      </p:sp>
+      <p:cxnSp>
+        <p:nvCxnSpPr>
+          <p:cNvPr id="5" name="直接连接符 4"/>
+          <p:cNvCxnSpPr/>
+          <p:nvPr/>
+        </p:nvCxnSpPr>
+        <p:spPr>
+          <a:xfrm>
+            <a:off x="1833563" y="2714625"/>
+            <a:ext cx="0" cy="3633788"/>
+          </a:xfrm>
+          <a:prstGeom prst="line">
+            <a:avLst/>
+          </a:prstGeom>
+          <a:ln w="15875">
+            <a:solidFill>
+              <a:schemeClr val="tx1">
+                <a:lumMod val="85000"/>
+                <a:lumOff val="15000"/>
+              </a:schemeClr>
+            </a:solidFill>
+          </a:ln>
+        </p:spPr>
+        <p:style>
+          <a:lnRef idx="1">
+            <a:schemeClr val="accent1"/>
+          </a:lnRef>
+          <a:fillRef idx="0">
+            <a:schemeClr val="accent1"/>
+          </a:fillRef>
+          <a:effectRef idx="0">
+            <a:schemeClr val="accent1"/>
+          </a:effectRef>
+          <a:fontRef idx="minor">
+            <a:schemeClr val="tx1"/>
+          </a:fontRef>
+        </p:style>
+      </p:cxnSp>
+      <p:sp>
+        <p:nvSpPr>
+          <p:cNvPr id="22541" name="文本框 5"/>
+          <p:cNvSpPr txBox="1"/>
+          <p:nvPr/>
+        </p:nvSpPr>
+        <p:spPr>
+          <a:xfrm>
+            <a:off x="1957388" y="2284413"/>
+            <a:ext cx="2922587" cy="3414712"/>
+          </a:xfrm>
+          <a:prstGeom prst="rect">
+            <a:avLst/>
+          </a:prstGeom>
+          <a:noFill/>
+          <a:ln w="9525">
+            <a:noFill/>
+          </a:ln>
+        </p:spPr>
+        <p:txBody>
+          <a:bodyPr wrap="square" anchor="t">
+            <a:spAutoFit/>
+          </a:bodyPr>
+          <a:p>
+            <a:r>
+              <a:rPr lang="zh-CN" altLang="en-US">
+                <a:latin typeface="Calibri" panose="020F0502020204030204" charset="0"/>
+                <a:ea typeface="宋体" panose="02010600030101010101" pitchFamily="2" charset="-122"/>
+              </a:rPr>
+              <a:t>职责要求                   10</a:t>
+            </a:r>
+            <a:endParaRPr lang="zh-CN" altLang="en-US">
+              <a:latin typeface="Calibri" panose="020F0502020204030204" charset="0"/>
+              <a:ea typeface="宋体" panose="02010600030101010101" pitchFamily="2" charset="-122"/>
+            </a:endParaRPr>
+          </a:p>
+          <a:p>
+            <a:r>
+              <a:rPr lang="zh-CN" altLang="en-US">
+                <a:latin typeface="Calibri" panose="020F0502020204030204" charset="0"/>
+                <a:ea typeface="宋体" panose="02010600030101010101" pitchFamily="2" charset="-122"/>
+              </a:rPr>
+              <a:t>技术难度	 </a:t>
+            </a:r>
+            <a:r>
+              <a:rPr lang="en-US" altLang="zh-CN">
+                <a:latin typeface="Calibri" panose="020F0502020204030204" charset="0"/>
+                <a:ea typeface="宋体" panose="02010600030101010101" pitchFamily="2" charset="-122"/>
+              </a:rPr>
+              <a:t>8</a:t>
+            </a:r>
+            <a:r>
+              <a:rPr lang="zh-CN" altLang="en-US">
+                <a:latin typeface="Calibri" panose="020F0502020204030204" charset="0"/>
+                <a:ea typeface="宋体" panose="02010600030101010101" pitchFamily="2" charset="-122"/>
+              </a:rPr>
+              <a:t>   </a:t>
+            </a:r>
+            <a:endParaRPr lang="zh-CN" altLang="en-US">
+              <a:latin typeface="Calibri" panose="020F0502020204030204" charset="0"/>
+              <a:ea typeface="宋体" panose="02010600030101010101" pitchFamily="2" charset="-122"/>
+            </a:endParaRPr>
+          </a:p>
+          <a:p>
+            <a:r>
+              <a:rPr lang="zh-CN" altLang="en-US">
+                <a:latin typeface="Calibri" panose="020F0502020204030204" charset="0"/>
+                <a:ea typeface="宋体" panose="02010600030101010101" pitchFamily="2" charset="-122"/>
+              </a:rPr>
+              <a:t>工作的重要性	 10</a:t>
+            </a:r>
+            <a:endParaRPr lang="zh-CN" altLang="en-US">
+              <a:latin typeface="Calibri" panose="020F0502020204030204" charset="0"/>
+              <a:ea typeface="宋体" panose="02010600030101010101" pitchFamily="2" charset="-122"/>
+            </a:endParaRPr>
+          </a:p>
+          <a:p>
+            <a:r>
+              <a:rPr lang="zh-CN" altLang="en-US">
+                <a:latin typeface="Calibri" panose="020F0502020204030204" charset="0"/>
+                <a:ea typeface="宋体" panose="02010600030101010101" pitchFamily="2" charset="-122"/>
+              </a:rPr>
+              <a:t>工作强度</a:t>
+            </a:r>
+            <a:r>
+              <a:rPr lang="en-US" altLang="zh-CN">
+                <a:latin typeface="Calibri" panose="020F0502020204030204" charset="0"/>
+                <a:ea typeface="宋体" panose="02010600030101010101" pitchFamily="2" charset="-122"/>
+              </a:rPr>
+              <a:t>	</a:t>
+            </a:r>
+            <a:r>
+              <a:rPr lang="zh-CN" altLang="en-US">
+                <a:latin typeface="Calibri" panose="020F0502020204030204" charset="0"/>
+                <a:ea typeface="宋体" panose="02010600030101010101" pitchFamily="2" charset="-122"/>
+              </a:rPr>
+              <a:t> 10</a:t>
+            </a:r>
+            <a:endParaRPr lang="zh-CN" altLang="en-US">
+              <a:latin typeface="Calibri" panose="020F0502020204030204" charset="0"/>
+              <a:ea typeface="宋体" panose="02010600030101010101" pitchFamily="2" charset="-122"/>
+            </a:endParaRPr>
+          </a:p>
+          <a:p>
+            <a:r>
+              <a:rPr lang="zh-CN" altLang="en-US">
+                <a:latin typeface="Calibri" panose="020F0502020204030204" charset="0"/>
+                <a:ea typeface="宋体" panose="02010600030101010101" pitchFamily="2" charset="-122"/>
+              </a:rPr>
+              <a:t>实际完成情况：	 </a:t>
+            </a:r>
+            <a:endParaRPr lang="zh-CN" altLang="en-US">
+              <a:latin typeface="Calibri" panose="020F0502020204030204" charset="0"/>
+              <a:ea typeface="宋体" panose="02010600030101010101" pitchFamily="2" charset="-122"/>
+            </a:endParaRPr>
+          </a:p>
+          <a:p>
+            <a:r>
+              <a:rPr lang="en-US" altLang="zh-CN">
+                <a:latin typeface="Calibri" panose="020F0502020204030204" charset="0"/>
+                <a:ea typeface="宋体" panose="02010600030101010101" pitchFamily="2" charset="-122"/>
+              </a:rPr>
+              <a:t>所承担工作的完成速度8</a:t>
+            </a:r>
+            <a:endParaRPr lang="en-US" altLang="zh-CN">
+              <a:latin typeface="Calibri" panose="020F0502020204030204" charset="0"/>
+              <a:ea typeface="宋体" panose="02010600030101010101" pitchFamily="2" charset="-122"/>
+            </a:endParaRPr>
+          </a:p>
+          <a:p>
+            <a:r>
+              <a:rPr lang="en-US" altLang="zh-CN">
+                <a:latin typeface="Calibri" panose="020F0502020204030204" charset="0"/>
+                <a:ea typeface="宋体" panose="02010600030101010101" pitchFamily="2" charset="-122"/>
+              </a:rPr>
+              <a:t>所承担工作的完成质量8</a:t>
+            </a:r>
+            <a:endParaRPr lang="en-US" altLang="zh-CN">
+              <a:latin typeface="Calibri" panose="020F0502020204030204" charset="0"/>
+              <a:ea typeface="宋体" panose="02010600030101010101" pitchFamily="2" charset="-122"/>
+            </a:endParaRPr>
+          </a:p>
+          <a:p>
+            <a:r>
+              <a:rPr lang="en-US" altLang="zh-CN">
+                <a:latin typeface="Calibri" panose="020F0502020204030204" charset="0"/>
+                <a:ea typeface="宋体" panose="02010600030101010101" pitchFamily="2" charset="-122"/>
+              </a:rPr>
+              <a:t>工作沟通               7</a:t>
+            </a:r>
+            <a:endParaRPr lang="en-US" altLang="zh-CN">
+              <a:latin typeface="Calibri" panose="020F0502020204030204" charset="0"/>
+              <a:ea typeface="宋体" panose="02010600030101010101" pitchFamily="2" charset="-122"/>
+            </a:endParaRPr>
+          </a:p>
+          <a:p>
+            <a:r>
+              <a:rPr lang="en-US" altLang="zh-CN">
+                <a:latin typeface="Calibri" panose="020F0502020204030204" charset="0"/>
+                <a:ea typeface="宋体" panose="02010600030101010101" pitchFamily="2" charset="-122"/>
+              </a:rPr>
+              <a:t>文档提交的及时程</a:t>
+            </a:r>
+            <a:r>
+              <a:rPr lang="zh-CN" altLang="en-US">
+                <a:latin typeface="Calibri" panose="020F0502020204030204" charset="0"/>
+                <a:ea typeface="宋体" panose="02010600030101010101" pitchFamily="2" charset="-122"/>
+              </a:rPr>
+              <a:t>度</a:t>
+            </a:r>
+            <a:r>
+              <a:rPr lang="en-US" altLang="zh-CN">
+                <a:latin typeface="Calibri" panose="020F0502020204030204" charset="0"/>
+                <a:ea typeface="宋体" panose="02010600030101010101" pitchFamily="2" charset="-122"/>
+              </a:rPr>
+              <a:t> 9</a:t>
+            </a:r>
+            <a:endParaRPr lang="en-US" altLang="zh-CN">
+              <a:latin typeface="Calibri" panose="020F0502020204030204" charset="0"/>
+              <a:ea typeface="宋体" panose="02010600030101010101" pitchFamily="2" charset="-122"/>
+            </a:endParaRPr>
+          </a:p>
+          <a:p>
+            <a:r>
+              <a:rPr lang="en-US" altLang="zh-CN">
+                <a:latin typeface="Calibri" panose="020F0502020204030204" charset="0"/>
+                <a:ea typeface="宋体" panose="02010600030101010101" pitchFamily="2" charset="-122"/>
+              </a:rPr>
+              <a:t>文档的质量	         9</a:t>
+            </a:r>
+            <a:endParaRPr lang="en-US" altLang="zh-CN">
+              <a:latin typeface="Calibri" panose="020F0502020204030204" charset="0"/>
+              <a:ea typeface="宋体" panose="02010600030101010101" pitchFamily="2" charset="-122"/>
+            </a:endParaRPr>
+          </a:p>
+          <a:p>
+            <a:r>
+              <a:rPr lang="en-US" altLang="zh-CN">
+                <a:latin typeface="Calibri" panose="020F0502020204030204" charset="0"/>
+                <a:ea typeface="宋体" panose="02010600030101010101" pitchFamily="2" charset="-122"/>
+              </a:rPr>
+              <a:t>工作态度                 9	</a:t>
+            </a:r>
+            <a:endParaRPr lang="en-US" altLang="zh-CN">
+              <a:latin typeface="Calibri" panose="020F0502020204030204" charset="0"/>
+              <a:ea typeface="宋体" panose="02010600030101010101" pitchFamily="2" charset="-122"/>
+            </a:endParaRPr>
+          </a:p>
+        </p:txBody>
+      </p:sp>
+      <p:sp>
+        <p:nvSpPr>
+          <p:cNvPr id="22542" name="文本框 6"/>
+          <p:cNvSpPr txBox="1"/>
+          <p:nvPr/>
+        </p:nvSpPr>
+        <p:spPr>
+          <a:xfrm>
+            <a:off x="6264275" y="1622425"/>
+            <a:ext cx="1096963" cy="368300"/>
+          </a:xfrm>
+          <a:prstGeom prst="rect">
+            <a:avLst/>
+          </a:prstGeom>
+          <a:noFill/>
+          <a:ln w="9525">
+            <a:noFill/>
+          </a:ln>
+        </p:spPr>
+        <p:txBody>
+          <a:bodyPr wrap="none" anchor="t">
+            <a:spAutoFit/>
+          </a:bodyPr>
+          <a:p>
+            <a:r>
+              <a:rPr lang="zh-CN" altLang="en-US">
+                <a:latin typeface="Calibri" panose="020F0502020204030204" charset="0"/>
+                <a:ea typeface="宋体" panose="02010600030101010101" pitchFamily="2" charset="-122"/>
+              </a:rPr>
+              <a:t>陈金润：</a:t>
+            </a:r>
+            <a:endParaRPr lang="zh-CN" altLang="en-US">
+              <a:latin typeface="Calibri" panose="020F0502020204030204" charset="0"/>
+              <a:ea typeface="宋体" panose="02010600030101010101" pitchFamily="2" charset="-122"/>
+            </a:endParaRPr>
+          </a:p>
+        </p:txBody>
+      </p:sp>
+      <p:sp>
+        <p:nvSpPr>
+          <p:cNvPr id="22543" name="文本框 7"/>
+          <p:cNvSpPr txBox="1"/>
+          <p:nvPr/>
+        </p:nvSpPr>
+        <p:spPr>
+          <a:xfrm>
+            <a:off x="5348288" y="2284413"/>
+            <a:ext cx="2926080" cy="3138170"/>
+          </a:xfrm>
+          <a:prstGeom prst="rect">
+            <a:avLst/>
+          </a:prstGeom>
+          <a:noFill/>
+          <a:ln w="9525">
+            <a:noFill/>
+          </a:ln>
+        </p:spPr>
+        <p:txBody>
+          <a:bodyPr wrap="none" anchor="t">
+            <a:spAutoFit/>
+          </a:bodyPr>
+          <a:p>
+            <a:r>
+              <a:rPr lang="zh-CN" altLang="en-US">
+                <a:latin typeface="Calibri" panose="020F0502020204030204" charset="0"/>
+                <a:ea typeface="宋体" panose="02010600030101010101" pitchFamily="2" charset="-122"/>
+                <a:sym typeface="宋体" panose="02010600030101010101" pitchFamily="2" charset="-122"/>
+              </a:rPr>
+              <a:t>职责要求                   10</a:t>
+            </a:r>
+            <a:endParaRPr lang="zh-CN" altLang="en-US">
+              <a:latin typeface="Calibri" panose="020F0502020204030204" charset="0"/>
+              <a:ea typeface="宋体" panose="02010600030101010101" pitchFamily="2" charset="-122"/>
+            </a:endParaRPr>
+          </a:p>
+          <a:p>
+            <a:r>
+              <a:rPr lang="zh-CN" altLang="en-US">
+                <a:latin typeface="Calibri" panose="020F0502020204030204" charset="0"/>
+                <a:ea typeface="宋体" panose="02010600030101010101" pitchFamily="2" charset="-122"/>
+                <a:sym typeface="宋体" panose="02010600030101010101" pitchFamily="2" charset="-122"/>
+              </a:rPr>
+              <a:t>技术难度	 </a:t>
+            </a:r>
+            <a:r>
+              <a:rPr lang="en-US" altLang="zh-CN">
+                <a:latin typeface="Calibri" panose="020F0502020204030204" charset="0"/>
+                <a:ea typeface="宋体" panose="02010600030101010101" pitchFamily="2" charset="-122"/>
+                <a:sym typeface="宋体" panose="02010600030101010101" pitchFamily="2" charset="-122"/>
+              </a:rPr>
+              <a:t>7</a:t>
+            </a:r>
+            <a:r>
+              <a:rPr lang="zh-CN" altLang="en-US">
+                <a:latin typeface="Calibri" panose="020F0502020204030204" charset="0"/>
+                <a:ea typeface="宋体" panose="02010600030101010101" pitchFamily="2" charset="-122"/>
+                <a:sym typeface="宋体" panose="02010600030101010101" pitchFamily="2" charset="-122"/>
+              </a:rPr>
+              <a:t>   </a:t>
+            </a:r>
+            <a:endParaRPr lang="zh-CN" altLang="en-US">
+              <a:latin typeface="Calibri" panose="020F0502020204030204" charset="0"/>
+              <a:ea typeface="宋体" panose="02010600030101010101" pitchFamily="2" charset="-122"/>
+            </a:endParaRPr>
+          </a:p>
+          <a:p>
+            <a:r>
+              <a:rPr lang="zh-CN" altLang="en-US">
+                <a:latin typeface="Calibri" panose="020F0502020204030204" charset="0"/>
+                <a:ea typeface="宋体" panose="02010600030101010101" pitchFamily="2" charset="-122"/>
+                <a:sym typeface="宋体" panose="02010600030101010101" pitchFamily="2" charset="-122"/>
+              </a:rPr>
+              <a:t>工作的重要性	 </a:t>
+            </a:r>
+            <a:r>
+              <a:rPr lang="en-US" altLang="zh-CN">
+                <a:latin typeface="Calibri" panose="020F0502020204030204" charset="0"/>
+                <a:ea typeface="宋体" panose="02010600030101010101" pitchFamily="2" charset="-122"/>
+                <a:sym typeface="宋体" panose="02010600030101010101" pitchFamily="2" charset="-122"/>
+              </a:rPr>
+              <a:t>7</a:t>
+            </a:r>
+            <a:endParaRPr lang="en-US" altLang="zh-CN">
+              <a:latin typeface="Calibri" panose="020F0502020204030204" charset="0"/>
+              <a:ea typeface="宋体" panose="02010600030101010101" pitchFamily="2" charset="-122"/>
+              <a:sym typeface="宋体" panose="02010600030101010101" pitchFamily="2" charset="-122"/>
+            </a:endParaRPr>
+          </a:p>
+          <a:p>
+            <a:r>
+              <a:rPr lang="zh-CN" altLang="en-US">
+                <a:latin typeface="Calibri" panose="020F0502020204030204" charset="0"/>
+                <a:ea typeface="宋体" panose="02010600030101010101" pitchFamily="2" charset="-122"/>
+                <a:sym typeface="宋体" panose="02010600030101010101" pitchFamily="2" charset="-122"/>
+              </a:rPr>
+              <a:t>工作强度</a:t>
+            </a:r>
+            <a:r>
+              <a:rPr lang="en-US" altLang="zh-CN">
+                <a:latin typeface="Calibri" panose="020F0502020204030204" charset="0"/>
+                <a:ea typeface="宋体" panose="02010600030101010101" pitchFamily="2" charset="-122"/>
+                <a:sym typeface="宋体" panose="02010600030101010101" pitchFamily="2" charset="-122"/>
+              </a:rPr>
+              <a:t>	</a:t>
+            </a:r>
+            <a:r>
+              <a:rPr lang="zh-CN" altLang="en-US">
+                <a:latin typeface="Calibri" panose="020F0502020204030204" charset="0"/>
+                <a:ea typeface="宋体" panose="02010600030101010101" pitchFamily="2" charset="-122"/>
+                <a:sym typeface="宋体" panose="02010600030101010101" pitchFamily="2" charset="-122"/>
+              </a:rPr>
+              <a:t> </a:t>
+            </a:r>
+            <a:r>
+              <a:rPr lang="en-US" altLang="zh-CN">
+                <a:latin typeface="Calibri" panose="020F0502020204030204" charset="0"/>
+                <a:ea typeface="宋体" panose="02010600030101010101" pitchFamily="2" charset="-122"/>
+                <a:sym typeface="宋体" panose="02010600030101010101" pitchFamily="2" charset="-122"/>
+              </a:rPr>
+              <a:t>8</a:t>
+            </a:r>
+            <a:endParaRPr lang="en-US" altLang="zh-CN">
+              <a:latin typeface="Calibri" panose="020F0502020204030204" charset="0"/>
+              <a:ea typeface="宋体" panose="02010600030101010101" pitchFamily="2" charset="-122"/>
+              <a:sym typeface="宋体" panose="02010600030101010101" pitchFamily="2" charset="-122"/>
+            </a:endParaRPr>
+          </a:p>
+          <a:p>
+            <a:r>
+              <a:rPr lang="zh-CN" altLang="en-US">
+                <a:latin typeface="Calibri" panose="020F0502020204030204" charset="0"/>
+                <a:ea typeface="宋体" panose="02010600030101010101" pitchFamily="2" charset="-122"/>
+                <a:sym typeface="宋体" panose="02010600030101010101" pitchFamily="2" charset="-122"/>
+              </a:rPr>
+              <a:t>实际完成情况：	 </a:t>
+            </a:r>
+            <a:endParaRPr lang="zh-CN" altLang="en-US">
+              <a:latin typeface="Calibri" panose="020F0502020204030204" charset="0"/>
+              <a:ea typeface="宋体" panose="02010600030101010101" pitchFamily="2" charset="-122"/>
+            </a:endParaRPr>
+          </a:p>
+          <a:p>
+            <a:r>
+              <a:rPr lang="en-US" altLang="zh-CN">
+                <a:latin typeface="Calibri" panose="020F0502020204030204" charset="0"/>
+                <a:ea typeface="宋体" panose="02010600030101010101" pitchFamily="2" charset="-122"/>
+                <a:sym typeface="宋体" panose="02010600030101010101" pitchFamily="2" charset="-122"/>
+              </a:rPr>
+              <a:t>所承担工作的完成速度10</a:t>
+            </a:r>
+            <a:endParaRPr lang="en-US" altLang="zh-CN">
+              <a:latin typeface="Calibri" panose="020F0502020204030204" charset="0"/>
+              <a:ea typeface="宋体" panose="02010600030101010101" pitchFamily="2" charset="-122"/>
+            </a:endParaRPr>
+          </a:p>
+          <a:p>
+            <a:r>
+              <a:rPr lang="en-US" altLang="zh-CN">
+                <a:latin typeface="Calibri" panose="020F0502020204030204" charset="0"/>
+                <a:ea typeface="宋体" panose="02010600030101010101" pitchFamily="2" charset="-122"/>
+                <a:sym typeface="宋体" panose="02010600030101010101" pitchFamily="2" charset="-122"/>
+              </a:rPr>
+              <a:t>所承担工作的完成质量7</a:t>
+            </a:r>
+            <a:endParaRPr lang="en-US" altLang="zh-CN">
+              <a:latin typeface="Calibri" panose="020F0502020204030204" charset="0"/>
+              <a:ea typeface="宋体" panose="02010600030101010101" pitchFamily="2" charset="-122"/>
+            </a:endParaRPr>
+          </a:p>
+          <a:p>
+            <a:r>
+              <a:rPr lang="en-US" altLang="zh-CN">
+                <a:latin typeface="Calibri" panose="020F0502020204030204" charset="0"/>
+                <a:ea typeface="宋体" panose="02010600030101010101" pitchFamily="2" charset="-122"/>
+                <a:sym typeface="宋体" panose="02010600030101010101" pitchFamily="2" charset="-122"/>
+              </a:rPr>
+              <a:t>工作沟通               7</a:t>
+            </a:r>
+            <a:endParaRPr lang="en-US" altLang="zh-CN">
+              <a:latin typeface="Calibri" panose="020F0502020204030204" charset="0"/>
+              <a:ea typeface="宋体" panose="02010600030101010101" pitchFamily="2" charset="-122"/>
+            </a:endParaRPr>
+          </a:p>
+          <a:p>
+            <a:r>
+              <a:rPr lang="en-US" altLang="zh-CN">
+                <a:latin typeface="Calibri" panose="020F0502020204030204" charset="0"/>
+                <a:ea typeface="宋体" panose="02010600030101010101" pitchFamily="2" charset="-122"/>
+                <a:sym typeface="宋体" panose="02010600030101010101" pitchFamily="2" charset="-122"/>
+              </a:rPr>
+              <a:t>文档提交的及时程</a:t>
+            </a:r>
+            <a:r>
+              <a:rPr lang="zh-CN" altLang="en-US">
+                <a:latin typeface="Calibri" panose="020F0502020204030204" charset="0"/>
+                <a:ea typeface="宋体" panose="02010600030101010101" pitchFamily="2" charset="-122"/>
+                <a:sym typeface="宋体" panose="02010600030101010101" pitchFamily="2" charset="-122"/>
+              </a:rPr>
+              <a:t>度</a:t>
+            </a:r>
+            <a:r>
+              <a:rPr lang="en-US" altLang="zh-CN">
+                <a:latin typeface="Calibri" panose="020F0502020204030204" charset="0"/>
+                <a:ea typeface="宋体" panose="02010600030101010101" pitchFamily="2" charset="-122"/>
+                <a:sym typeface="宋体" panose="02010600030101010101" pitchFamily="2" charset="-122"/>
+              </a:rPr>
+              <a:t> 8</a:t>
+            </a:r>
+            <a:endParaRPr lang="en-US" altLang="zh-CN">
+              <a:latin typeface="Calibri" panose="020F0502020204030204" charset="0"/>
+              <a:ea typeface="宋体" panose="02010600030101010101" pitchFamily="2" charset="-122"/>
+            </a:endParaRPr>
+          </a:p>
+          <a:p>
+            <a:r>
+              <a:rPr lang="en-US" altLang="zh-CN">
+                <a:latin typeface="Calibri" panose="020F0502020204030204" charset="0"/>
+                <a:ea typeface="宋体" panose="02010600030101010101" pitchFamily="2" charset="-122"/>
+                <a:sym typeface="宋体" panose="02010600030101010101" pitchFamily="2" charset="-122"/>
+              </a:rPr>
+              <a:t>文档的质量	         7</a:t>
+            </a:r>
+            <a:endParaRPr lang="en-US" altLang="zh-CN">
+              <a:latin typeface="Calibri" panose="020F0502020204030204" charset="0"/>
+              <a:ea typeface="宋体" panose="02010600030101010101" pitchFamily="2" charset="-122"/>
+            </a:endParaRPr>
+          </a:p>
+          <a:p>
+            <a:r>
+              <a:rPr lang="en-US" altLang="zh-CN">
+                <a:latin typeface="Calibri" panose="020F0502020204030204" charset="0"/>
+                <a:ea typeface="宋体" panose="02010600030101010101" pitchFamily="2" charset="-122"/>
+                <a:sym typeface="宋体" panose="02010600030101010101" pitchFamily="2" charset="-122"/>
+              </a:rPr>
+              <a:t>工作态度                 9	</a:t>
+            </a:r>
+            <a:endParaRPr lang="zh-CN" altLang="en-US">
+              <a:latin typeface="Calibri" panose="020F0502020204030204" charset="0"/>
+              <a:ea typeface="宋体" panose="02010600030101010101" pitchFamily="2" charset="-122"/>
+            </a:endParaRPr>
+          </a:p>
+        </p:txBody>
+      </p:sp>
+      <p:sp>
+        <p:nvSpPr>
+          <p:cNvPr id="22544" name="文本框 6"/>
+          <p:cNvSpPr txBox="1"/>
+          <p:nvPr/>
+        </p:nvSpPr>
+        <p:spPr>
+          <a:xfrm>
+            <a:off x="9699625" y="1622425"/>
+            <a:ext cx="1096963" cy="368300"/>
+          </a:xfrm>
+          <a:prstGeom prst="rect">
+            <a:avLst/>
+          </a:prstGeom>
+          <a:noFill/>
+          <a:ln w="9525">
+            <a:noFill/>
+          </a:ln>
+        </p:spPr>
+        <p:txBody>
+          <a:bodyPr wrap="none" anchor="t">
+            <a:spAutoFit/>
+          </a:bodyPr>
+          <a:p>
+            <a:r>
+              <a:rPr lang="zh-CN" altLang="en-US">
+                <a:latin typeface="Calibri" panose="020F0502020204030204" charset="0"/>
+                <a:ea typeface="宋体" panose="02010600030101010101" pitchFamily="2" charset="-122"/>
+              </a:rPr>
+              <a:t>简浩男：</a:t>
+            </a:r>
+            <a:endParaRPr lang="zh-CN" altLang="en-US">
+              <a:latin typeface="Calibri" panose="020F0502020204030204" charset="0"/>
+              <a:ea typeface="宋体" panose="02010600030101010101" pitchFamily="2" charset="-122"/>
+            </a:endParaRPr>
+          </a:p>
+        </p:txBody>
+      </p:sp>
+      <p:sp>
+        <p:nvSpPr>
+          <p:cNvPr id="22545" name="文本框 7"/>
+          <p:cNvSpPr txBox="1"/>
+          <p:nvPr/>
+        </p:nvSpPr>
+        <p:spPr>
+          <a:xfrm>
+            <a:off x="8783638" y="2284413"/>
+            <a:ext cx="2927350" cy="3138487"/>
+          </a:xfrm>
+          <a:prstGeom prst="rect">
+            <a:avLst/>
+          </a:prstGeom>
+          <a:noFill/>
+          <a:ln w="9525">
+            <a:noFill/>
+          </a:ln>
+        </p:spPr>
+        <p:txBody>
+          <a:bodyPr wrap="none" anchor="t">
+            <a:spAutoFit/>
+          </a:bodyPr>
+          <a:p>
+            <a:r>
+              <a:rPr lang="zh-CN" altLang="en-US">
+                <a:latin typeface="Calibri" panose="020F0502020204030204" charset="0"/>
+                <a:ea typeface="宋体" panose="02010600030101010101" pitchFamily="2" charset="-122"/>
+                <a:sym typeface="宋体" panose="02010600030101010101" pitchFamily="2" charset="-122"/>
+              </a:rPr>
+              <a:t>职责要求                   10</a:t>
+            </a:r>
+            <a:endParaRPr lang="zh-CN" altLang="en-US">
+              <a:latin typeface="Calibri" panose="020F0502020204030204" charset="0"/>
+              <a:ea typeface="宋体" panose="02010600030101010101" pitchFamily="2" charset="-122"/>
+            </a:endParaRPr>
+          </a:p>
+          <a:p>
+            <a:r>
+              <a:rPr lang="zh-CN" altLang="en-US">
+                <a:latin typeface="Calibri" panose="020F0502020204030204" charset="0"/>
+                <a:ea typeface="宋体" panose="02010600030101010101" pitchFamily="2" charset="-122"/>
+                <a:sym typeface="宋体" panose="02010600030101010101" pitchFamily="2" charset="-122"/>
+              </a:rPr>
+              <a:t>技术难度	 </a:t>
+            </a:r>
+            <a:r>
+              <a:rPr lang="en-US" altLang="zh-CN">
+                <a:latin typeface="Calibri" panose="020F0502020204030204" charset="0"/>
+                <a:ea typeface="宋体" panose="02010600030101010101" pitchFamily="2" charset="-122"/>
+                <a:sym typeface="宋体" panose="02010600030101010101" pitchFamily="2" charset="-122"/>
+              </a:rPr>
+              <a:t>7</a:t>
+            </a:r>
+            <a:r>
+              <a:rPr lang="zh-CN" altLang="en-US">
+                <a:latin typeface="Calibri" panose="020F0502020204030204" charset="0"/>
+                <a:ea typeface="宋体" panose="02010600030101010101" pitchFamily="2" charset="-122"/>
+                <a:sym typeface="宋体" panose="02010600030101010101" pitchFamily="2" charset="-122"/>
+              </a:rPr>
+              <a:t>   </a:t>
+            </a:r>
+            <a:endParaRPr lang="zh-CN" altLang="en-US">
+              <a:latin typeface="Calibri" panose="020F0502020204030204" charset="0"/>
+              <a:ea typeface="宋体" panose="02010600030101010101" pitchFamily="2" charset="-122"/>
+            </a:endParaRPr>
+          </a:p>
+          <a:p>
+            <a:r>
+              <a:rPr lang="zh-CN" altLang="en-US">
+                <a:latin typeface="Calibri" panose="020F0502020204030204" charset="0"/>
+                <a:ea typeface="宋体" panose="02010600030101010101" pitchFamily="2" charset="-122"/>
+                <a:sym typeface="宋体" panose="02010600030101010101" pitchFamily="2" charset="-122"/>
+              </a:rPr>
+              <a:t>工作的重要性	 </a:t>
+            </a:r>
+            <a:r>
+              <a:rPr lang="en-US" altLang="zh-CN">
+                <a:latin typeface="Calibri" panose="020F0502020204030204" charset="0"/>
+                <a:ea typeface="宋体" panose="02010600030101010101" pitchFamily="2" charset="-122"/>
+                <a:sym typeface="宋体" panose="02010600030101010101" pitchFamily="2" charset="-122"/>
+              </a:rPr>
+              <a:t>7</a:t>
+            </a:r>
+            <a:endParaRPr lang="en-US" altLang="zh-CN">
+              <a:latin typeface="Calibri" panose="020F0502020204030204" charset="0"/>
+              <a:ea typeface="宋体" panose="02010600030101010101" pitchFamily="2" charset="-122"/>
+              <a:sym typeface="宋体" panose="02010600030101010101" pitchFamily="2" charset="-122"/>
+            </a:endParaRPr>
+          </a:p>
+          <a:p>
+            <a:r>
+              <a:rPr lang="zh-CN" altLang="en-US">
+                <a:latin typeface="Calibri" panose="020F0502020204030204" charset="0"/>
+                <a:ea typeface="宋体" panose="02010600030101010101" pitchFamily="2" charset="-122"/>
+                <a:sym typeface="宋体" panose="02010600030101010101" pitchFamily="2" charset="-122"/>
+              </a:rPr>
+              <a:t>工作强度</a:t>
+            </a:r>
+            <a:r>
+              <a:rPr lang="en-US" altLang="zh-CN">
+                <a:latin typeface="Calibri" panose="020F0502020204030204" charset="0"/>
+                <a:ea typeface="宋体" panose="02010600030101010101" pitchFamily="2" charset="-122"/>
+                <a:sym typeface="宋体" panose="02010600030101010101" pitchFamily="2" charset="-122"/>
+              </a:rPr>
+              <a:t>	</a:t>
+            </a:r>
+            <a:r>
+              <a:rPr lang="zh-CN" altLang="en-US">
+                <a:latin typeface="Calibri" panose="020F0502020204030204" charset="0"/>
+                <a:ea typeface="宋体" panose="02010600030101010101" pitchFamily="2" charset="-122"/>
+                <a:sym typeface="宋体" panose="02010600030101010101" pitchFamily="2" charset="-122"/>
+              </a:rPr>
+              <a:t> </a:t>
+            </a:r>
+            <a:r>
+              <a:rPr lang="en-US" altLang="zh-CN">
+                <a:latin typeface="Calibri" panose="020F0502020204030204" charset="0"/>
+                <a:ea typeface="宋体" panose="02010600030101010101" pitchFamily="2" charset="-122"/>
+                <a:sym typeface="宋体" panose="02010600030101010101" pitchFamily="2" charset="-122"/>
+              </a:rPr>
+              <a:t>8</a:t>
+            </a:r>
+            <a:endParaRPr lang="en-US" altLang="zh-CN">
+              <a:latin typeface="Calibri" panose="020F0502020204030204" charset="0"/>
+              <a:ea typeface="宋体" panose="02010600030101010101" pitchFamily="2" charset="-122"/>
+              <a:sym typeface="宋体" panose="02010600030101010101" pitchFamily="2" charset="-122"/>
+            </a:endParaRPr>
+          </a:p>
+          <a:p>
+            <a:r>
+              <a:rPr lang="zh-CN" altLang="en-US">
+                <a:latin typeface="Calibri" panose="020F0502020204030204" charset="0"/>
+                <a:ea typeface="宋体" panose="02010600030101010101" pitchFamily="2" charset="-122"/>
+                <a:sym typeface="宋体" panose="02010600030101010101" pitchFamily="2" charset="-122"/>
+              </a:rPr>
+              <a:t>实际完成情况：	 </a:t>
+            </a:r>
+            <a:endParaRPr lang="zh-CN" altLang="en-US">
+              <a:latin typeface="Calibri" panose="020F0502020204030204" charset="0"/>
+              <a:ea typeface="宋体" panose="02010600030101010101" pitchFamily="2" charset="-122"/>
+            </a:endParaRPr>
+          </a:p>
+          <a:p>
+            <a:r>
+              <a:rPr lang="en-US" altLang="zh-CN">
+                <a:latin typeface="Calibri" panose="020F0502020204030204" charset="0"/>
+                <a:ea typeface="宋体" panose="02010600030101010101" pitchFamily="2" charset="-122"/>
+                <a:sym typeface="宋体" panose="02010600030101010101" pitchFamily="2" charset="-122"/>
+              </a:rPr>
+              <a:t>所承担工作的完成速度10</a:t>
+            </a:r>
+            <a:endParaRPr lang="en-US" altLang="zh-CN">
+              <a:latin typeface="Calibri" panose="020F0502020204030204" charset="0"/>
+              <a:ea typeface="宋体" panose="02010600030101010101" pitchFamily="2" charset="-122"/>
+            </a:endParaRPr>
+          </a:p>
+          <a:p>
+            <a:r>
+              <a:rPr lang="en-US" altLang="zh-CN">
+                <a:latin typeface="Calibri" panose="020F0502020204030204" charset="0"/>
+                <a:ea typeface="宋体" panose="02010600030101010101" pitchFamily="2" charset="-122"/>
+                <a:sym typeface="宋体" panose="02010600030101010101" pitchFamily="2" charset="-122"/>
+              </a:rPr>
+              <a:t>所承担工作的完成质量7</a:t>
+            </a:r>
+            <a:endParaRPr lang="en-US" altLang="zh-CN">
+              <a:latin typeface="Calibri" panose="020F0502020204030204" charset="0"/>
+              <a:ea typeface="宋体" panose="02010600030101010101" pitchFamily="2" charset="-122"/>
+            </a:endParaRPr>
+          </a:p>
+          <a:p>
+            <a:r>
+              <a:rPr lang="en-US" altLang="zh-CN">
+                <a:latin typeface="Calibri" panose="020F0502020204030204" charset="0"/>
+                <a:ea typeface="宋体" panose="02010600030101010101" pitchFamily="2" charset="-122"/>
+                <a:sym typeface="宋体" panose="02010600030101010101" pitchFamily="2" charset="-122"/>
+              </a:rPr>
+              <a:t>工作沟通               7</a:t>
+            </a:r>
+            <a:endParaRPr lang="en-US" altLang="zh-CN">
+              <a:latin typeface="Calibri" panose="020F0502020204030204" charset="0"/>
+              <a:ea typeface="宋体" panose="02010600030101010101" pitchFamily="2" charset="-122"/>
+            </a:endParaRPr>
+          </a:p>
+          <a:p>
+            <a:r>
+              <a:rPr lang="en-US" altLang="zh-CN">
+                <a:latin typeface="Calibri" panose="020F0502020204030204" charset="0"/>
+                <a:ea typeface="宋体" panose="02010600030101010101" pitchFamily="2" charset="-122"/>
+                <a:sym typeface="宋体" panose="02010600030101010101" pitchFamily="2" charset="-122"/>
+              </a:rPr>
+              <a:t>文档提交的及时程</a:t>
+            </a:r>
+            <a:r>
+              <a:rPr lang="zh-CN" altLang="en-US">
+                <a:latin typeface="Calibri" panose="020F0502020204030204" charset="0"/>
+                <a:ea typeface="宋体" panose="02010600030101010101" pitchFamily="2" charset="-122"/>
+                <a:sym typeface="宋体" panose="02010600030101010101" pitchFamily="2" charset="-122"/>
+              </a:rPr>
+              <a:t>度</a:t>
+            </a:r>
+            <a:r>
+              <a:rPr lang="en-US" altLang="zh-CN">
+                <a:latin typeface="Calibri" panose="020F0502020204030204" charset="0"/>
+                <a:ea typeface="宋体" panose="02010600030101010101" pitchFamily="2" charset="-122"/>
+                <a:sym typeface="宋体" panose="02010600030101010101" pitchFamily="2" charset="-122"/>
+              </a:rPr>
+              <a:t> 10</a:t>
+            </a:r>
+            <a:endParaRPr lang="en-US" altLang="zh-CN">
+              <a:latin typeface="Calibri" panose="020F0502020204030204" charset="0"/>
+              <a:ea typeface="宋体" panose="02010600030101010101" pitchFamily="2" charset="-122"/>
+            </a:endParaRPr>
+          </a:p>
+          <a:p>
+            <a:r>
+              <a:rPr lang="en-US" altLang="zh-CN">
+                <a:latin typeface="Calibri" panose="020F0502020204030204" charset="0"/>
+                <a:ea typeface="宋体" panose="02010600030101010101" pitchFamily="2" charset="-122"/>
+                <a:sym typeface="宋体" panose="02010600030101010101" pitchFamily="2" charset="-122"/>
+              </a:rPr>
+              <a:t>文档的质量	         7</a:t>
+            </a:r>
+            <a:endParaRPr lang="en-US" altLang="zh-CN">
+              <a:latin typeface="Calibri" panose="020F0502020204030204" charset="0"/>
+              <a:ea typeface="宋体" panose="02010600030101010101" pitchFamily="2" charset="-122"/>
+            </a:endParaRPr>
+          </a:p>
+          <a:p>
+            <a:r>
+              <a:rPr lang="en-US" altLang="zh-CN">
+                <a:latin typeface="Calibri" panose="020F0502020204030204" charset="0"/>
+                <a:ea typeface="宋体" panose="02010600030101010101" pitchFamily="2" charset="-122"/>
+                <a:sym typeface="宋体" panose="02010600030101010101" pitchFamily="2" charset="-122"/>
+              </a:rPr>
+              <a:t>工作态度                 9	</a:t>
+            </a:r>
+            <a:endParaRPr lang="zh-CN" altLang="en-US">
+              <a:latin typeface="Calibri" panose="020F0502020204030204" charset="0"/>
+              <a:ea typeface="宋体" panose="02010600030101010101" pitchFamily="2" charset="-122"/>
+            </a:endParaRPr>
+          </a:p>
+        </p:txBody>
+      </p:sp>
+      <p:sp>
+        <p:nvSpPr>
+          <p:cNvPr id="3" name="文本框 2"/>
+          <p:cNvSpPr txBox="1"/>
+          <p:nvPr/>
+        </p:nvSpPr>
+        <p:spPr>
+          <a:xfrm>
+            <a:off x="2754630" y="5699125"/>
+            <a:ext cx="1328420" cy="368300"/>
+          </a:xfrm>
+          <a:prstGeom prst="rect">
+            <a:avLst/>
+          </a:prstGeom>
+          <a:noFill/>
+        </p:spPr>
+        <p:txBody>
+          <a:bodyPr wrap="none" rtlCol="0">
+            <a:spAutoFit/>
+          </a:bodyPr>
+          <a:p>
+            <a:r>
+              <a:rPr lang="zh-CN" altLang="en-US"/>
+              <a:t>总绩效：</a:t>
+            </a:r>
+            <a:r>
+              <a:rPr lang="en-US" altLang="zh-CN"/>
+              <a:t>88</a:t>
+            </a:r>
+            <a:endParaRPr lang="en-US" altLang="zh-CN"/>
+          </a:p>
+        </p:txBody>
+      </p:sp>
+      <p:sp>
+        <p:nvSpPr>
+          <p:cNvPr id="7" name="文本框 6"/>
+          <p:cNvSpPr txBox="1"/>
+          <p:nvPr/>
+        </p:nvSpPr>
+        <p:spPr>
+          <a:xfrm>
+            <a:off x="6147435" y="5699125"/>
+            <a:ext cx="1328420" cy="368300"/>
+          </a:xfrm>
+          <a:prstGeom prst="rect">
+            <a:avLst/>
+          </a:prstGeom>
+          <a:noFill/>
+        </p:spPr>
+        <p:txBody>
+          <a:bodyPr wrap="none" rtlCol="0">
+            <a:spAutoFit/>
+          </a:bodyPr>
+          <a:p>
+            <a:r>
+              <a:rPr lang="zh-CN" altLang="en-US"/>
+              <a:t>总绩效：</a:t>
+            </a:r>
+            <a:r>
+              <a:rPr lang="en-US" altLang="zh-CN"/>
+              <a:t>80</a:t>
+            </a:r>
+            <a:endParaRPr lang="en-US" altLang="zh-CN"/>
+          </a:p>
+        </p:txBody>
+      </p:sp>
+      <p:sp>
+        <p:nvSpPr>
+          <p:cNvPr id="8" name="文本框 7"/>
+          <p:cNvSpPr txBox="1"/>
+          <p:nvPr/>
+        </p:nvSpPr>
+        <p:spPr>
+          <a:xfrm>
+            <a:off x="9698990" y="5699125"/>
+            <a:ext cx="1328420" cy="368300"/>
+          </a:xfrm>
+          <a:prstGeom prst="rect">
+            <a:avLst/>
+          </a:prstGeom>
+          <a:noFill/>
+        </p:spPr>
+        <p:txBody>
+          <a:bodyPr wrap="none" rtlCol="0">
+            <a:spAutoFit/>
+          </a:bodyPr>
+          <a:p>
+            <a:r>
+              <a:rPr lang="zh-CN" altLang="en-US"/>
+              <a:t>总绩效：</a:t>
+            </a:r>
+            <a:r>
+              <a:rPr lang="en-US" altLang="zh-CN"/>
+              <a:t>82</a:t>
+            </a:r>
+            <a:endParaRPr lang="en-US" altLang="zh-CN"/>
+          </a:p>
+        </p:txBody>
+      </p:sp>
+    </p:spTree>
+  </p:cSld>
+  <p:clrMapOvr>
+    <a:masterClrMapping/>
+  </p:clrMapOvr>
+</p:sld>
+</file>
+
+<file path=ppt/slides/slide16.xml><?xml version="1.0" encoding="utf-8"?>
+<p:sld xmlns:a="http://schemas.openxmlformats.org/drawingml/2006/main" xmlns:r="http://schemas.openxmlformats.org/officeDocument/2006/relationships" xmlns:p="http://schemas.openxmlformats.org/presentationml/2006/main">
+  <p:cSld>
+    <p:spTree>
+      <p:nvGrpSpPr>
+        <p:cNvPr id="1" name=""/>
+        <p:cNvGrpSpPr/>
+        <p:nvPr/>
+      </p:nvGrpSpPr>
+      <p:grpSpPr/>
+      <p:sp>
+        <p:nvSpPr>
+          <p:cNvPr id="15" name="矩形 14"/>
+          <p:cNvSpPr/>
+          <p:nvPr/>
+        </p:nvSpPr>
+        <p:spPr>
+          <a:xfrm>
+            <a:off x="573088" y="161925"/>
+            <a:ext cx="1260475" cy="400050"/>
+          </a:xfrm>
+          <a:prstGeom prst="rect">
+            <a:avLst/>
+          </a:prstGeom>
+        </p:spPr>
+        <p:txBody>
+          <a:bodyPr wrap="square" anchor="ctr">
+            <a:spAutoFit/>
+          </a:bodyPr>
+          <a:lstStyle/>
+          <a:p>
+            <a:pPr lvl="0" fontAlgn="auto"/>
+            <a:r>
+              <a:rPr kumimoji="0" lang="zh-CN" altLang="en-US" sz="2000" b="1" i="0" u="none" strike="noStrike" kern="0" cap="none" spc="0" normalizeH="0" baseline="0" noProof="0" dirty="0" smtClean="0">
+                <a:ln>
+                  <a:noFill/>
+                </a:ln>
+                <a:effectLst/>
+                <a:uLnTx/>
+                <a:uFillTx/>
+                <a:latin typeface="微软雅黑" panose="020B0503020204020204" pitchFamily="34" charset="-122"/>
+                <a:ea typeface="微软雅黑" panose="020B0503020204020204" pitchFamily="34" charset="-122"/>
+                <a:cs typeface="微软雅黑" panose="020B0503020204020204" pitchFamily="34" charset="-122"/>
+              </a:rPr>
+              <a:t>参考文献</a:t>
+            </a:r>
+            <a:endParaRPr kumimoji="0" lang="zh-CN" altLang="en-US" sz="2000" b="1" i="0" u="none" strike="noStrike" kern="0" cap="none" spc="0" normalizeH="0" baseline="0" noProof="0" dirty="0" smtClean="0">
+              <a:ln>
+                <a:noFill/>
+              </a:ln>
+              <a:effectLst/>
+              <a:uLnTx/>
+              <a:uFillTx/>
+              <a:latin typeface="微软雅黑" panose="020B0503020204020204" pitchFamily="34" charset="-122"/>
+              <a:ea typeface="微软雅黑" panose="020B0503020204020204" pitchFamily="34" charset="-122"/>
+              <a:cs typeface="微软雅黑" panose="020B0503020204020204" pitchFamily="34" charset="-122"/>
+            </a:endParaRPr>
+          </a:p>
+        </p:txBody>
+      </p:sp>
+      <p:sp>
+        <p:nvSpPr>
+          <p:cNvPr id="23554" name="矩形 15"/>
+          <p:cNvSpPr/>
+          <p:nvPr/>
+        </p:nvSpPr>
+        <p:spPr>
+          <a:xfrm>
+            <a:off x="1735138" y="207963"/>
+            <a:ext cx="1177925" cy="307975"/>
+          </a:xfrm>
+          <a:prstGeom prst="rect">
+            <a:avLst/>
+          </a:prstGeom>
+          <a:noFill/>
+          <a:ln w="9525">
+            <a:noFill/>
+          </a:ln>
+        </p:spPr>
+        <p:txBody>
+          <a:bodyPr wrap="none" anchor="t">
+            <a:spAutoFit/>
+          </a:bodyPr>
+          <a:p>
+            <a:r>
+              <a:rPr lang="en-US" altLang="zh-CN" sz="1400" dirty="0">
+                <a:latin typeface="微软雅黑" panose="020B0503020204020204" pitchFamily="34" charset="-122"/>
+                <a:ea typeface="微软雅黑" panose="020B0503020204020204" pitchFamily="34" charset="-122"/>
+              </a:rPr>
+              <a:t>REFERENCE</a:t>
+            </a:r>
+            <a:endParaRPr lang="en-US" altLang="zh-CN" sz="1400" dirty="0">
+              <a:latin typeface="微软雅黑" panose="020B0503020204020204" pitchFamily="34" charset="-122"/>
+              <a:ea typeface="微软雅黑" panose="020B0503020204020204" pitchFamily="34" charset="-122"/>
+            </a:endParaRPr>
+          </a:p>
+        </p:txBody>
+      </p:sp>
+      <p:sp>
+        <p:nvSpPr>
+          <p:cNvPr id="13" name="矩形 12"/>
+          <p:cNvSpPr/>
+          <p:nvPr/>
+        </p:nvSpPr>
+        <p:spPr>
+          <a:xfrm>
+            <a:off x="169863" y="168275"/>
+            <a:ext cx="374650" cy="385763"/>
+          </a:xfrm>
+          <a:prstGeom prst="rect">
+            <a:avLst/>
+          </a:prstGeom>
+          <a:solidFill>
+            <a:schemeClr val="accent2"/>
+          </a:solidFill>
+          <a:ln>
+            <a:noFill/>
+          </a:ln>
+        </p:spPr>
+        <p:style>
+          <a:lnRef idx="2">
+            <a:schemeClr val="accent1">
+              <a:shade val="50000"/>
+            </a:schemeClr>
+          </a:lnRef>
+          <a:fillRef idx="1">
+            <a:schemeClr val="accent1"/>
+          </a:fillRef>
+          <a:effectRef idx="0">
+            <a:schemeClr val="accent1"/>
+          </a:effectRef>
+          <a:fontRef idx="minor">
+            <a:schemeClr val="lt1"/>
+          </a:fontRef>
+        </p:style>
+        <p:txBody>
+          <a:bodyPr rot="0" spcFirstLastPara="0" vertOverflow="overflow" horzOverflow="overflow" vert="horz" wrap="square" lIns="91440" tIns="45720" rIns="91440" bIns="45720" numCol="1" spcCol="0" rtlCol="0" fromWordArt="0" anchor="ctr" anchorCtr="0" forceAA="0" compatLnSpc="1">
+            <a:noAutofit/>
+          </a:bodyPr>
+          <a:lstStyle/>
+          <a:p>
+            <a:pPr algn="ctr" fontAlgn="auto"/>
+            <a:endParaRPr lang="zh-CN" altLang="en-US" strike="noStrike" noProof="1">
+              <a:solidFill>
+                <a:schemeClr val="tx1"/>
+              </a:solidFill>
+            </a:endParaRPr>
+          </a:p>
+        </p:txBody>
+      </p:sp>
+      <p:sp>
+        <p:nvSpPr>
+          <p:cNvPr id="14" name="矩形 13"/>
+          <p:cNvSpPr/>
+          <p:nvPr/>
+        </p:nvSpPr>
+        <p:spPr>
+          <a:xfrm>
+            <a:off x="-76200" y="161925"/>
+            <a:ext cx="866775" cy="400050"/>
+          </a:xfrm>
+          <a:prstGeom prst="rect">
+            <a:avLst/>
+          </a:prstGeom>
+        </p:spPr>
+        <p:txBody>
+          <a:bodyPr wrap="square" anchor="ctr">
+            <a:spAutoFit/>
+          </a:bodyPr>
+          <a:lstStyle/>
+          <a:p>
+            <a:pPr marL="0" marR="0" lvl="0" indent="0" algn="ctr" defTabSz="914400" eaLnBrk="1" fontAlgn="auto" latinLnBrk="0" hangingPunct="1">
+              <a:lnSpc>
+                <a:spcPct val="100000"/>
+              </a:lnSpc>
+              <a:spcBef>
+                <a:spcPts val="0"/>
+              </a:spcBef>
+              <a:spcAft>
+                <a:spcPts val="0"/>
+              </a:spcAft>
+              <a:buClrTx/>
+              <a:buSzTx/>
+              <a:buFontTx/>
+              <a:buNone/>
+              <a:defRPr/>
+            </a:pPr>
+            <a:r>
+              <a:rPr kumimoji="0" lang="en-US" altLang="zh-CN" sz="2000" b="0" i="0" u="none" strike="noStrike" kern="0" cap="none" spc="0" normalizeH="0" baseline="0" noProof="0" dirty="0" smtClean="0">
+                <a:ln>
+                  <a:noFill/>
+                </a:ln>
+                <a:solidFill>
+                  <a:schemeClr val="bg1"/>
+                </a:solidFill>
+                <a:effectLst/>
+                <a:uLnTx/>
+                <a:uFillTx/>
+                <a:latin typeface="微软雅黑" panose="020B0503020204020204" pitchFamily="34" charset="-122"/>
+                <a:ea typeface="微软雅黑" panose="020B0503020204020204" pitchFamily="34" charset="-122"/>
+                <a:cs typeface="微软雅黑" panose="020B0503020204020204" pitchFamily="34" charset="-122"/>
+              </a:rPr>
+              <a:t>04</a:t>
+            </a:r>
+            <a:endParaRPr kumimoji="0" lang="en-US" altLang="zh-CN" sz="2000" b="0" i="0" u="none" strike="noStrike" kern="0" cap="none" spc="0" normalizeH="0" baseline="0" noProof="0" dirty="0">
+              <a:ln>
+                <a:noFill/>
+              </a:ln>
+              <a:solidFill>
+                <a:schemeClr val="bg1"/>
+              </a:solidFill>
+              <a:effectLst/>
+              <a:uLnTx/>
+              <a:uFillTx/>
+              <a:latin typeface="微软雅黑" panose="020B0503020204020204" pitchFamily="34" charset="-122"/>
+              <a:ea typeface="微软雅黑" panose="020B0503020204020204" pitchFamily="34" charset="-122"/>
+              <a:cs typeface="微软雅黑" panose="020B0503020204020204" pitchFamily="34" charset="-122"/>
+            </a:endParaRPr>
+          </a:p>
+        </p:txBody>
+      </p:sp>
+      <p:cxnSp>
+        <p:nvCxnSpPr>
+          <p:cNvPr id="17" name="直接连接符 16"/>
+          <p:cNvCxnSpPr/>
+          <p:nvPr/>
+        </p:nvCxnSpPr>
+        <p:spPr>
+          <a:xfrm>
+            <a:off x="3060700" y="361950"/>
+            <a:ext cx="8953500" cy="0"/>
+          </a:xfrm>
+          <a:prstGeom prst="line">
+            <a:avLst/>
+          </a:prstGeom>
+          <a:ln>
+            <a:solidFill>
+              <a:schemeClr val="tx1"/>
+            </a:solidFill>
+          </a:ln>
+        </p:spPr>
+        <p:style>
+          <a:lnRef idx="1">
+            <a:schemeClr val="accent1"/>
+          </a:lnRef>
+          <a:fillRef idx="0">
+            <a:schemeClr val="accent1"/>
+          </a:fillRef>
+          <a:effectRef idx="0">
+            <a:schemeClr val="accent1"/>
+          </a:effectRef>
+          <a:fontRef idx="minor">
+            <a:schemeClr val="tx1"/>
+          </a:fontRef>
+        </p:style>
+      </p:cxnSp>
+      <p:cxnSp>
+        <p:nvCxnSpPr>
+          <p:cNvPr id="19" name="直接连接符 18"/>
+          <p:cNvCxnSpPr/>
+          <p:nvPr/>
+        </p:nvCxnSpPr>
+        <p:spPr>
+          <a:xfrm>
+            <a:off x="1774825" y="246063"/>
+            <a:ext cx="1588" cy="230188"/>
+          </a:xfrm>
+          <a:prstGeom prst="line">
+            <a:avLst/>
+          </a:prstGeom>
+          <a:ln w="12700" cap="rnd">
+            <a:solidFill>
+              <a:schemeClr val="tx1">
+                <a:alpha val="49000"/>
+              </a:schemeClr>
+            </a:solidFill>
+            <a:round/>
+            <a:tailEnd type="none" w="sm" len="sm"/>
+          </a:ln>
+        </p:spPr>
+        <p:style>
+          <a:lnRef idx="1">
+            <a:schemeClr val="accent1"/>
+          </a:lnRef>
+          <a:fillRef idx="0">
+            <a:schemeClr val="accent1"/>
+          </a:fillRef>
+          <a:effectRef idx="0">
+            <a:schemeClr val="accent1"/>
+          </a:effectRef>
+          <a:fontRef idx="minor">
+            <a:schemeClr val="tx1"/>
+          </a:fontRef>
+        </p:style>
+      </p:cxnSp>
+      <p:pic>
+        <p:nvPicPr>
+          <p:cNvPr id="23559" name="图片 2" descr="小组logo"/>
+          <p:cNvPicPr>
+            <a:picLocks noChangeAspect="1"/>
+          </p:cNvPicPr>
+          <p:nvPr/>
+        </p:nvPicPr>
+        <p:blipFill>
+          <a:blip r:embed="rId1"/>
+          <a:stretch>
+            <a:fillRect/>
+          </a:stretch>
+        </p:blipFill>
+        <p:spPr>
+          <a:xfrm>
+            <a:off x="10318750" y="-190500"/>
+            <a:ext cx="2105025" cy="2105025"/>
+          </a:xfrm>
+          <a:prstGeom prst="rect">
+            <a:avLst/>
+          </a:prstGeom>
+          <a:noFill/>
+          <a:ln w="9525">
+            <a:noFill/>
+          </a:ln>
+        </p:spPr>
+      </p:pic>
+      <p:pic>
+        <p:nvPicPr>
+          <p:cNvPr id="23560" name="Picture 2" descr="C:\Documents and Settings\Administrator\My Documents\Downloads\006.png"/>
+          <p:cNvPicPr>
+            <a:picLocks noChangeAspect="1"/>
+          </p:cNvPicPr>
+          <p:nvPr/>
+        </p:nvPicPr>
+        <p:blipFill>
+          <a:blip r:embed="rId2"/>
+          <a:stretch>
+            <a:fillRect/>
+          </a:stretch>
+        </p:blipFill>
+        <p:spPr>
+          <a:xfrm>
+            <a:off x="111125" y="933450"/>
+            <a:ext cx="492125" cy="492125"/>
+          </a:xfrm>
+          <a:prstGeom prst="rect">
+            <a:avLst/>
+          </a:prstGeom>
+          <a:noFill/>
+          <a:ln w="9525">
+            <a:noFill/>
+          </a:ln>
+        </p:spPr>
+      </p:pic>
+      <p:cxnSp>
+        <p:nvCxnSpPr>
+          <p:cNvPr id="4" name="直接连接符 3"/>
+          <p:cNvCxnSpPr/>
+          <p:nvPr/>
+        </p:nvCxnSpPr>
+        <p:spPr>
+          <a:xfrm>
+            <a:off x="1833563" y="996950"/>
+            <a:ext cx="0" cy="3633788"/>
+          </a:xfrm>
+          <a:prstGeom prst="line">
+            <a:avLst/>
+          </a:prstGeom>
+          <a:ln w="15875">
+            <a:solidFill>
+              <a:schemeClr val="tx1">
+                <a:lumMod val="85000"/>
+                <a:lumOff val="15000"/>
+              </a:schemeClr>
+            </a:solidFill>
+          </a:ln>
+        </p:spPr>
+        <p:style>
+          <a:lnRef idx="1">
+            <a:schemeClr val="accent1"/>
+          </a:lnRef>
+          <a:fillRef idx="0">
+            <a:schemeClr val="accent1"/>
+          </a:fillRef>
+          <a:effectRef idx="0">
+            <a:schemeClr val="accent1"/>
+          </a:effectRef>
+          <a:fontRef idx="minor">
+            <a:schemeClr val="tx1"/>
+          </a:fontRef>
+        </p:style>
+      </p:cxnSp>
+      <p:sp>
+        <p:nvSpPr>
+          <p:cNvPr id="23562" name="文本框 1"/>
+          <p:cNvSpPr txBox="1"/>
+          <p:nvPr/>
+        </p:nvSpPr>
+        <p:spPr>
+          <a:xfrm>
+            <a:off x="679450" y="996950"/>
+            <a:ext cx="1096963" cy="365125"/>
+          </a:xfrm>
+          <a:prstGeom prst="rect">
+            <a:avLst/>
+          </a:prstGeom>
+          <a:noFill/>
+          <a:ln w="9525">
+            <a:noFill/>
+          </a:ln>
+        </p:spPr>
+        <p:txBody>
+          <a:bodyPr wrap="none" anchor="t">
+            <a:spAutoFit/>
+          </a:bodyPr>
+          <a:p>
+            <a:r>
+              <a:rPr lang="zh-CN" altLang="en-US">
+                <a:latin typeface="Calibri" panose="020F0502020204030204" charset="0"/>
+                <a:ea typeface="宋体" panose="02010600030101010101" pitchFamily="2" charset="-122"/>
+              </a:rPr>
+              <a:t>绩效评定</a:t>
+            </a:r>
+            <a:endParaRPr lang="zh-CN" altLang="en-US">
+              <a:latin typeface="Calibri" panose="020F0502020204030204" charset="0"/>
+              <a:ea typeface="宋体" panose="02010600030101010101" pitchFamily="2" charset="-122"/>
+            </a:endParaRPr>
+          </a:p>
+        </p:txBody>
+      </p:sp>
+      <p:sp>
+        <p:nvSpPr>
+          <p:cNvPr id="23563" name="文本框 3"/>
+          <p:cNvSpPr txBox="1"/>
+          <p:nvPr/>
+        </p:nvSpPr>
+        <p:spPr>
+          <a:xfrm>
+            <a:off x="2870200" y="996950"/>
+            <a:ext cx="1096963" cy="368300"/>
+          </a:xfrm>
+          <a:prstGeom prst="rect">
+            <a:avLst/>
+          </a:prstGeom>
+          <a:noFill/>
+          <a:ln w="9525">
+            <a:noFill/>
+          </a:ln>
+        </p:spPr>
+        <p:txBody>
+          <a:bodyPr wrap="none" anchor="t">
+            <a:spAutoFit/>
+          </a:bodyPr>
+          <a:p>
+            <a:r>
+              <a:rPr lang="zh-CN" altLang="en-US">
+                <a:latin typeface="Calibri" panose="020F0502020204030204" charset="0"/>
+                <a:ea typeface="宋体" panose="02010600030101010101" pitchFamily="2" charset="-122"/>
+              </a:rPr>
+              <a:t>吕政凯：</a:t>
+            </a:r>
+            <a:endParaRPr lang="zh-CN" altLang="en-US">
+              <a:latin typeface="Calibri" panose="020F0502020204030204" charset="0"/>
+              <a:ea typeface="宋体" panose="02010600030101010101" pitchFamily="2" charset="-122"/>
+            </a:endParaRPr>
+          </a:p>
+        </p:txBody>
+      </p:sp>
+      <p:cxnSp>
+        <p:nvCxnSpPr>
+          <p:cNvPr id="5" name="直接连接符 4"/>
+          <p:cNvCxnSpPr/>
+          <p:nvPr/>
+        </p:nvCxnSpPr>
+        <p:spPr>
+          <a:xfrm>
+            <a:off x="1833563" y="2714625"/>
+            <a:ext cx="0" cy="3633788"/>
+          </a:xfrm>
+          <a:prstGeom prst="line">
+            <a:avLst/>
+          </a:prstGeom>
+          <a:ln w="15875">
+            <a:solidFill>
+              <a:schemeClr val="tx1">
+                <a:lumMod val="85000"/>
+                <a:lumOff val="15000"/>
+              </a:schemeClr>
+            </a:solidFill>
+          </a:ln>
+        </p:spPr>
+        <p:style>
+          <a:lnRef idx="1">
+            <a:schemeClr val="accent1"/>
+          </a:lnRef>
+          <a:fillRef idx="0">
+            <a:schemeClr val="accent1"/>
+          </a:fillRef>
+          <a:effectRef idx="0">
+            <a:schemeClr val="accent1"/>
+          </a:effectRef>
+          <a:fontRef idx="minor">
+            <a:schemeClr val="tx1"/>
+          </a:fontRef>
+        </p:style>
+      </p:cxnSp>
+      <p:sp>
+        <p:nvSpPr>
+          <p:cNvPr id="23565" name="文本框 5"/>
+          <p:cNvSpPr txBox="1"/>
+          <p:nvPr/>
+        </p:nvSpPr>
+        <p:spPr>
+          <a:xfrm>
+            <a:off x="1957388" y="1531938"/>
+            <a:ext cx="2922587" cy="3414712"/>
+          </a:xfrm>
+          <a:prstGeom prst="rect">
+            <a:avLst/>
+          </a:prstGeom>
+          <a:noFill/>
+          <a:ln w="9525">
+            <a:noFill/>
+          </a:ln>
+        </p:spPr>
+        <p:txBody>
+          <a:bodyPr wrap="square" anchor="t">
+            <a:spAutoFit/>
+          </a:bodyPr>
+          <a:p>
+            <a:r>
+              <a:rPr lang="zh-CN" altLang="en-US">
+                <a:latin typeface="Calibri" panose="020F0502020204030204" charset="0"/>
+                <a:ea typeface="宋体" panose="02010600030101010101" pitchFamily="2" charset="-122"/>
+              </a:rPr>
+              <a:t>职责要求                   10</a:t>
+            </a:r>
+            <a:endParaRPr lang="zh-CN" altLang="en-US">
+              <a:latin typeface="Calibri" panose="020F0502020204030204" charset="0"/>
+              <a:ea typeface="宋体" panose="02010600030101010101" pitchFamily="2" charset="-122"/>
+            </a:endParaRPr>
+          </a:p>
+          <a:p>
+            <a:r>
+              <a:rPr lang="zh-CN" altLang="en-US">
+                <a:latin typeface="Calibri" panose="020F0502020204030204" charset="0"/>
+                <a:ea typeface="宋体" panose="02010600030101010101" pitchFamily="2" charset="-122"/>
+              </a:rPr>
+              <a:t>技术难度	 </a:t>
+            </a:r>
+            <a:r>
+              <a:rPr lang="en-US" altLang="zh-CN">
+                <a:latin typeface="Calibri" panose="020F0502020204030204" charset="0"/>
+                <a:ea typeface="宋体" panose="02010600030101010101" pitchFamily="2" charset="-122"/>
+              </a:rPr>
+              <a:t>8</a:t>
+            </a:r>
+            <a:r>
+              <a:rPr lang="zh-CN" altLang="en-US">
+                <a:latin typeface="Calibri" panose="020F0502020204030204" charset="0"/>
+                <a:ea typeface="宋体" panose="02010600030101010101" pitchFamily="2" charset="-122"/>
+              </a:rPr>
+              <a:t>   </a:t>
+            </a:r>
+            <a:endParaRPr lang="zh-CN" altLang="en-US">
+              <a:latin typeface="Calibri" panose="020F0502020204030204" charset="0"/>
+              <a:ea typeface="宋体" panose="02010600030101010101" pitchFamily="2" charset="-122"/>
+            </a:endParaRPr>
+          </a:p>
+          <a:p>
+            <a:r>
+              <a:rPr lang="zh-CN" altLang="en-US">
+                <a:latin typeface="Calibri" panose="020F0502020204030204" charset="0"/>
+                <a:ea typeface="宋体" panose="02010600030101010101" pitchFamily="2" charset="-122"/>
+              </a:rPr>
+              <a:t>工作的重要性	 </a:t>
+            </a:r>
+            <a:r>
+              <a:rPr lang="en-US" altLang="zh-CN">
+                <a:latin typeface="Calibri" panose="020F0502020204030204" charset="0"/>
+                <a:ea typeface="宋体" panose="02010600030101010101" pitchFamily="2" charset="-122"/>
+              </a:rPr>
+              <a:t>9</a:t>
+            </a:r>
+            <a:endParaRPr lang="en-US" altLang="zh-CN">
+              <a:latin typeface="Calibri" panose="020F0502020204030204" charset="0"/>
+              <a:ea typeface="宋体" panose="02010600030101010101" pitchFamily="2" charset="-122"/>
+            </a:endParaRPr>
+          </a:p>
+          <a:p>
+            <a:r>
+              <a:rPr lang="zh-CN" altLang="en-US">
+                <a:latin typeface="Calibri" panose="020F0502020204030204" charset="0"/>
+                <a:ea typeface="宋体" panose="02010600030101010101" pitchFamily="2" charset="-122"/>
+              </a:rPr>
+              <a:t>工作强度</a:t>
+            </a:r>
+            <a:r>
+              <a:rPr lang="en-US" altLang="zh-CN">
+                <a:latin typeface="Calibri" panose="020F0502020204030204" charset="0"/>
+                <a:ea typeface="宋体" panose="02010600030101010101" pitchFamily="2" charset="-122"/>
+              </a:rPr>
+              <a:t>	</a:t>
+            </a:r>
+            <a:r>
+              <a:rPr lang="zh-CN" altLang="en-US">
+                <a:latin typeface="Calibri" panose="020F0502020204030204" charset="0"/>
+                <a:ea typeface="宋体" panose="02010600030101010101" pitchFamily="2" charset="-122"/>
+              </a:rPr>
+              <a:t> </a:t>
+            </a:r>
+            <a:r>
+              <a:rPr lang="en-US" altLang="zh-CN">
+                <a:latin typeface="Calibri" panose="020F0502020204030204" charset="0"/>
+                <a:ea typeface="宋体" panose="02010600030101010101" pitchFamily="2" charset="-122"/>
+              </a:rPr>
+              <a:t>7</a:t>
+            </a:r>
+            <a:endParaRPr lang="en-US" altLang="zh-CN">
+              <a:latin typeface="Calibri" panose="020F0502020204030204" charset="0"/>
+              <a:ea typeface="宋体" panose="02010600030101010101" pitchFamily="2" charset="-122"/>
+            </a:endParaRPr>
+          </a:p>
+          <a:p>
+            <a:r>
+              <a:rPr lang="zh-CN" altLang="en-US">
+                <a:latin typeface="Calibri" panose="020F0502020204030204" charset="0"/>
+                <a:ea typeface="宋体" panose="02010600030101010101" pitchFamily="2" charset="-122"/>
+              </a:rPr>
+              <a:t>实际完成情况：	 </a:t>
+            </a:r>
+            <a:endParaRPr lang="zh-CN" altLang="en-US">
+              <a:latin typeface="Calibri" panose="020F0502020204030204" charset="0"/>
+              <a:ea typeface="宋体" panose="02010600030101010101" pitchFamily="2" charset="-122"/>
+            </a:endParaRPr>
+          </a:p>
+          <a:p>
+            <a:r>
+              <a:rPr lang="en-US" altLang="zh-CN">
+                <a:latin typeface="Calibri" panose="020F0502020204030204" charset="0"/>
+                <a:ea typeface="宋体" panose="02010600030101010101" pitchFamily="2" charset="-122"/>
+              </a:rPr>
+              <a:t>所承担工作的完成速度9</a:t>
+            </a:r>
+            <a:endParaRPr lang="en-US" altLang="zh-CN">
+              <a:latin typeface="Calibri" panose="020F0502020204030204" charset="0"/>
+              <a:ea typeface="宋体" panose="02010600030101010101" pitchFamily="2" charset="-122"/>
+            </a:endParaRPr>
+          </a:p>
+          <a:p>
+            <a:r>
+              <a:rPr lang="en-US" altLang="zh-CN">
+                <a:latin typeface="Calibri" panose="020F0502020204030204" charset="0"/>
+                <a:ea typeface="宋体" panose="02010600030101010101" pitchFamily="2" charset="-122"/>
+              </a:rPr>
+              <a:t>所承担工作的完成质量8</a:t>
+            </a:r>
+            <a:endParaRPr lang="en-US" altLang="zh-CN">
+              <a:latin typeface="Calibri" panose="020F0502020204030204" charset="0"/>
+              <a:ea typeface="宋体" panose="02010600030101010101" pitchFamily="2" charset="-122"/>
+            </a:endParaRPr>
+          </a:p>
+          <a:p>
+            <a:r>
+              <a:rPr lang="en-US" altLang="zh-CN">
+                <a:latin typeface="Calibri" panose="020F0502020204030204" charset="0"/>
+                <a:ea typeface="宋体" panose="02010600030101010101" pitchFamily="2" charset="-122"/>
+              </a:rPr>
+              <a:t>工作沟通               10</a:t>
+            </a:r>
+            <a:endParaRPr lang="en-US" altLang="zh-CN">
+              <a:latin typeface="Calibri" panose="020F0502020204030204" charset="0"/>
+              <a:ea typeface="宋体" panose="02010600030101010101" pitchFamily="2" charset="-122"/>
+            </a:endParaRPr>
+          </a:p>
+          <a:p>
+            <a:r>
+              <a:rPr lang="en-US" altLang="zh-CN">
+                <a:latin typeface="Calibri" panose="020F0502020204030204" charset="0"/>
+                <a:ea typeface="宋体" panose="02010600030101010101" pitchFamily="2" charset="-122"/>
+              </a:rPr>
+              <a:t>文档提交的及时程</a:t>
+            </a:r>
+            <a:r>
+              <a:rPr lang="zh-CN" altLang="en-US">
+                <a:latin typeface="Calibri" panose="020F0502020204030204" charset="0"/>
+                <a:ea typeface="宋体" panose="02010600030101010101" pitchFamily="2" charset="-122"/>
+              </a:rPr>
+              <a:t>度</a:t>
+            </a:r>
+            <a:r>
+              <a:rPr lang="en-US" altLang="zh-CN">
+                <a:latin typeface="Calibri" panose="020F0502020204030204" charset="0"/>
+                <a:ea typeface="宋体" panose="02010600030101010101" pitchFamily="2" charset="-122"/>
+              </a:rPr>
+              <a:t> 8</a:t>
+            </a:r>
+            <a:endParaRPr lang="en-US" altLang="zh-CN">
+              <a:latin typeface="Calibri" panose="020F0502020204030204" charset="0"/>
+              <a:ea typeface="宋体" panose="02010600030101010101" pitchFamily="2" charset="-122"/>
+            </a:endParaRPr>
+          </a:p>
+          <a:p>
+            <a:r>
+              <a:rPr lang="en-US" altLang="zh-CN">
+                <a:latin typeface="Calibri" panose="020F0502020204030204" charset="0"/>
+                <a:ea typeface="宋体" panose="02010600030101010101" pitchFamily="2" charset="-122"/>
+              </a:rPr>
+              <a:t>文档的质量	         8</a:t>
+            </a:r>
+            <a:endParaRPr lang="en-US" altLang="zh-CN">
+              <a:latin typeface="Calibri" panose="020F0502020204030204" charset="0"/>
+              <a:ea typeface="宋体" panose="02010600030101010101" pitchFamily="2" charset="-122"/>
+            </a:endParaRPr>
+          </a:p>
+          <a:p>
+            <a:r>
+              <a:rPr lang="en-US" altLang="zh-CN">
+                <a:latin typeface="Calibri" panose="020F0502020204030204" charset="0"/>
+                <a:ea typeface="宋体" panose="02010600030101010101" pitchFamily="2" charset="-122"/>
+              </a:rPr>
+              <a:t>工作态度                 9	</a:t>
+            </a:r>
+            <a:endParaRPr lang="en-US" altLang="zh-CN">
+              <a:latin typeface="Calibri" panose="020F0502020204030204" charset="0"/>
+              <a:ea typeface="宋体" panose="02010600030101010101" pitchFamily="2" charset="-122"/>
+            </a:endParaRPr>
+          </a:p>
+        </p:txBody>
+      </p:sp>
+      <p:sp>
+        <p:nvSpPr>
+          <p:cNvPr id="23566" name="文本框 6"/>
+          <p:cNvSpPr txBox="1"/>
+          <p:nvPr/>
+        </p:nvSpPr>
+        <p:spPr>
+          <a:xfrm>
+            <a:off x="6751638" y="933450"/>
+            <a:ext cx="1096962" cy="368300"/>
+          </a:xfrm>
+          <a:prstGeom prst="rect">
+            <a:avLst/>
+          </a:prstGeom>
+          <a:noFill/>
+          <a:ln w="9525">
+            <a:noFill/>
+          </a:ln>
+        </p:spPr>
+        <p:txBody>
+          <a:bodyPr wrap="none" anchor="t">
+            <a:spAutoFit/>
+          </a:bodyPr>
+          <a:p>
+            <a:r>
+              <a:rPr lang="zh-CN" altLang="en-US">
+                <a:latin typeface="Calibri" panose="020F0502020204030204" charset="0"/>
+                <a:ea typeface="宋体" panose="02010600030101010101" pitchFamily="2" charset="-122"/>
+              </a:rPr>
+              <a:t>楼静靓：</a:t>
+            </a:r>
+            <a:endParaRPr lang="zh-CN" altLang="en-US">
+              <a:latin typeface="Calibri" panose="020F0502020204030204" charset="0"/>
+              <a:ea typeface="宋体" panose="02010600030101010101" pitchFamily="2" charset="-122"/>
+            </a:endParaRPr>
+          </a:p>
+        </p:txBody>
+      </p:sp>
+      <p:sp>
+        <p:nvSpPr>
+          <p:cNvPr id="23567" name="文本框 7"/>
+          <p:cNvSpPr txBox="1"/>
+          <p:nvPr/>
+        </p:nvSpPr>
+        <p:spPr>
+          <a:xfrm>
+            <a:off x="5722938" y="1531938"/>
+            <a:ext cx="2927350" cy="3138487"/>
+          </a:xfrm>
+          <a:prstGeom prst="rect">
+            <a:avLst/>
+          </a:prstGeom>
+          <a:noFill/>
+          <a:ln w="9525">
+            <a:noFill/>
+          </a:ln>
+        </p:spPr>
+        <p:txBody>
+          <a:bodyPr wrap="none" anchor="t">
+            <a:spAutoFit/>
+          </a:bodyPr>
+          <a:p>
+            <a:r>
+              <a:rPr lang="zh-CN" altLang="en-US">
+                <a:latin typeface="Calibri" panose="020F0502020204030204" charset="0"/>
+                <a:ea typeface="宋体" panose="02010600030101010101" pitchFamily="2" charset="-122"/>
+                <a:sym typeface="宋体" panose="02010600030101010101" pitchFamily="2" charset="-122"/>
+              </a:rPr>
+              <a:t>职责要求                   10</a:t>
+            </a:r>
+            <a:endParaRPr lang="zh-CN" altLang="en-US">
+              <a:latin typeface="Calibri" panose="020F0502020204030204" charset="0"/>
+              <a:ea typeface="宋体" panose="02010600030101010101" pitchFamily="2" charset="-122"/>
+            </a:endParaRPr>
+          </a:p>
+          <a:p>
+            <a:r>
+              <a:rPr lang="zh-CN" altLang="en-US">
+                <a:latin typeface="Calibri" panose="020F0502020204030204" charset="0"/>
+                <a:ea typeface="宋体" panose="02010600030101010101" pitchFamily="2" charset="-122"/>
+                <a:sym typeface="宋体" panose="02010600030101010101" pitchFamily="2" charset="-122"/>
+              </a:rPr>
+              <a:t>技术难度	 </a:t>
+            </a:r>
+            <a:r>
+              <a:rPr lang="en-US" altLang="zh-CN">
+                <a:latin typeface="Calibri" panose="020F0502020204030204" charset="0"/>
+                <a:ea typeface="宋体" panose="02010600030101010101" pitchFamily="2" charset="-122"/>
+                <a:sym typeface="宋体" panose="02010600030101010101" pitchFamily="2" charset="-122"/>
+              </a:rPr>
+              <a:t>9</a:t>
+            </a:r>
+            <a:r>
+              <a:rPr lang="zh-CN" altLang="en-US">
+                <a:latin typeface="Calibri" panose="020F0502020204030204" charset="0"/>
+                <a:ea typeface="宋体" panose="02010600030101010101" pitchFamily="2" charset="-122"/>
+                <a:sym typeface="宋体" panose="02010600030101010101" pitchFamily="2" charset="-122"/>
+              </a:rPr>
+              <a:t>   </a:t>
+            </a:r>
+            <a:endParaRPr lang="zh-CN" altLang="en-US">
+              <a:latin typeface="Calibri" panose="020F0502020204030204" charset="0"/>
+              <a:ea typeface="宋体" panose="02010600030101010101" pitchFamily="2" charset="-122"/>
+            </a:endParaRPr>
+          </a:p>
+          <a:p>
+            <a:r>
+              <a:rPr lang="zh-CN" altLang="en-US">
+                <a:latin typeface="Calibri" panose="020F0502020204030204" charset="0"/>
+                <a:ea typeface="宋体" panose="02010600030101010101" pitchFamily="2" charset="-122"/>
+                <a:sym typeface="宋体" panose="02010600030101010101" pitchFamily="2" charset="-122"/>
+              </a:rPr>
+              <a:t>工作的重要性	 </a:t>
+            </a:r>
+            <a:r>
+              <a:rPr lang="en-US" altLang="zh-CN">
+                <a:latin typeface="Calibri" panose="020F0502020204030204" charset="0"/>
+                <a:ea typeface="宋体" panose="02010600030101010101" pitchFamily="2" charset="-122"/>
+                <a:sym typeface="宋体" panose="02010600030101010101" pitchFamily="2" charset="-122"/>
+              </a:rPr>
+              <a:t>9</a:t>
+            </a:r>
+            <a:endParaRPr lang="en-US" altLang="zh-CN">
+              <a:latin typeface="Calibri" panose="020F0502020204030204" charset="0"/>
+              <a:ea typeface="宋体" panose="02010600030101010101" pitchFamily="2" charset="-122"/>
+              <a:sym typeface="宋体" panose="02010600030101010101" pitchFamily="2" charset="-122"/>
+            </a:endParaRPr>
+          </a:p>
+          <a:p>
+            <a:r>
+              <a:rPr lang="zh-CN" altLang="en-US">
+                <a:latin typeface="Calibri" panose="020F0502020204030204" charset="0"/>
+                <a:ea typeface="宋体" panose="02010600030101010101" pitchFamily="2" charset="-122"/>
+                <a:sym typeface="宋体" panose="02010600030101010101" pitchFamily="2" charset="-122"/>
+              </a:rPr>
+              <a:t>工作强度</a:t>
+            </a:r>
+            <a:r>
+              <a:rPr lang="en-US" altLang="zh-CN">
+                <a:latin typeface="Calibri" panose="020F0502020204030204" charset="0"/>
+                <a:ea typeface="宋体" panose="02010600030101010101" pitchFamily="2" charset="-122"/>
+                <a:sym typeface="宋体" panose="02010600030101010101" pitchFamily="2" charset="-122"/>
+              </a:rPr>
+              <a:t>	</a:t>
+            </a:r>
+            <a:r>
+              <a:rPr lang="zh-CN" altLang="en-US">
+                <a:latin typeface="Calibri" panose="020F0502020204030204" charset="0"/>
+                <a:ea typeface="宋体" panose="02010600030101010101" pitchFamily="2" charset="-122"/>
+                <a:sym typeface="宋体" panose="02010600030101010101" pitchFamily="2" charset="-122"/>
+              </a:rPr>
+              <a:t> </a:t>
+            </a:r>
+            <a:r>
+              <a:rPr lang="en-US" altLang="zh-CN">
+                <a:latin typeface="Calibri" panose="020F0502020204030204" charset="0"/>
+                <a:ea typeface="宋体" panose="02010600030101010101" pitchFamily="2" charset="-122"/>
+                <a:sym typeface="宋体" panose="02010600030101010101" pitchFamily="2" charset="-122"/>
+              </a:rPr>
+              <a:t>8</a:t>
+            </a:r>
+            <a:endParaRPr lang="en-US" altLang="zh-CN">
+              <a:latin typeface="Calibri" panose="020F0502020204030204" charset="0"/>
+              <a:ea typeface="宋体" panose="02010600030101010101" pitchFamily="2" charset="-122"/>
+              <a:sym typeface="宋体" panose="02010600030101010101" pitchFamily="2" charset="-122"/>
+            </a:endParaRPr>
+          </a:p>
+          <a:p>
+            <a:r>
+              <a:rPr lang="zh-CN" altLang="en-US">
+                <a:latin typeface="Calibri" panose="020F0502020204030204" charset="0"/>
+                <a:ea typeface="宋体" panose="02010600030101010101" pitchFamily="2" charset="-122"/>
+                <a:sym typeface="宋体" panose="02010600030101010101" pitchFamily="2" charset="-122"/>
+              </a:rPr>
+              <a:t>实际完成情况：	 </a:t>
+            </a:r>
+            <a:endParaRPr lang="zh-CN" altLang="en-US">
+              <a:latin typeface="Calibri" panose="020F0502020204030204" charset="0"/>
+              <a:ea typeface="宋体" panose="02010600030101010101" pitchFamily="2" charset="-122"/>
+            </a:endParaRPr>
+          </a:p>
+          <a:p>
+            <a:r>
+              <a:rPr lang="en-US" altLang="zh-CN">
+                <a:latin typeface="Calibri" panose="020F0502020204030204" charset="0"/>
+                <a:ea typeface="宋体" panose="02010600030101010101" pitchFamily="2" charset="-122"/>
+                <a:sym typeface="宋体" panose="02010600030101010101" pitchFamily="2" charset="-122"/>
+              </a:rPr>
+              <a:t>所承担工作的完成速度9</a:t>
+            </a:r>
+            <a:endParaRPr lang="en-US" altLang="zh-CN">
+              <a:latin typeface="Calibri" panose="020F0502020204030204" charset="0"/>
+              <a:ea typeface="宋体" panose="02010600030101010101" pitchFamily="2" charset="-122"/>
+            </a:endParaRPr>
+          </a:p>
+          <a:p>
+            <a:r>
+              <a:rPr lang="en-US" altLang="zh-CN">
+                <a:latin typeface="Calibri" panose="020F0502020204030204" charset="0"/>
+                <a:ea typeface="宋体" panose="02010600030101010101" pitchFamily="2" charset="-122"/>
+                <a:sym typeface="宋体" panose="02010600030101010101" pitchFamily="2" charset="-122"/>
+              </a:rPr>
+              <a:t>所承担工作的完成质量8</a:t>
+            </a:r>
+            <a:endParaRPr lang="en-US" altLang="zh-CN">
+              <a:latin typeface="Calibri" panose="020F0502020204030204" charset="0"/>
+              <a:ea typeface="宋体" panose="02010600030101010101" pitchFamily="2" charset="-122"/>
+            </a:endParaRPr>
+          </a:p>
+          <a:p>
+            <a:r>
+              <a:rPr lang="en-US" altLang="zh-CN">
+                <a:latin typeface="Calibri" panose="020F0502020204030204" charset="0"/>
+                <a:ea typeface="宋体" panose="02010600030101010101" pitchFamily="2" charset="-122"/>
+                <a:sym typeface="宋体" panose="02010600030101010101" pitchFamily="2" charset="-122"/>
+              </a:rPr>
+              <a:t>工作沟通               9</a:t>
+            </a:r>
+            <a:endParaRPr lang="en-US" altLang="zh-CN">
+              <a:latin typeface="Calibri" panose="020F0502020204030204" charset="0"/>
+              <a:ea typeface="宋体" panose="02010600030101010101" pitchFamily="2" charset="-122"/>
+            </a:endParaRPr>
+          </a:p>
+          <a:p>
+            <a:r>
+              <a:rPr lang="en-US" altLang="zh-CN">
+                <a:latin typeface="Calibri" panose="020F0502020204030204" charset="0"/>
+                <a:ea typeface="宋体" panose="02010600030101010101" pitchFamily="2" charset="-122"/>
+                <a:sym typeface="宋体" panose="02010600030101010101" pitchFamily="2" charset="-122"/>
+              </a:rPr>
+              <a:t>文档提交的及时程</a:t>
+            </a:r>
+            <a:r>
+              <a:rPr lang="zh-CN" altLang="en-US">
+                <a:latin typeface="Calibri" panose="020F0502020204030204" charset="0"/>
+                <a:ea typeface="宋体" panose="02010600030101010101" pitchFamily="2" charset="-122"/>
+                <a:sym typeface="宋体" panose="02010600030101010101" pitchFamily="2" charset="-122"/>
+              </a:rPr>
+              <a:t>度</a:t>
+            </a:r>
+            <a:r>
+              <a:rPr lang="en-US" altLang="zh-CN">
+                <a:latin typeface="Calibri" panose="020F0502020204030204" charset="0"/>
+                <a:ea typeface="宋体" panose="02010600030101010101" pitchFamily="2" charset="-122"/>
+                <a:sym typeface="宋体" panose="02010600030101010101" pitchFamily="2" charset="-122"/>
+              </a:rPr>
+              <a:t> 8</a:t>
+            </a:r>
+            <a:endParaRPr lang="en-US" altLang="zh-CN">
+              <a:latin typeface="Calibri" panose="020F0502020204030204" charset="0"/>
+              <a:ea typeface="宋体" panose="02010600030101010101" pitchFamily="2" charset="-122"/>
+            </a:endParaRPr>
+          </a:p>
+          <a:p>
+            <a:r>
+              <a:rPr lang="en-US" altLang="zh-CN">
+                <a:latin typeface="Calibri" panose="020F0502020204030204" charset="0"/>
+                <a:ea typeface="宋体" panose="02010600030101010101" pitchFamily="2" charset="-122"/>
+                <a:sym typeface="宋体" panose="02010600030101010101" pitchFamily="2" charset="-122"/>
+              </a:rPr>
+              <a:t>文档的质量	         8</a:t>
+            </a:r>
+            <a:endParaRPr lang="en-US" altLang="zh-CN">
+              <a:latin typeface="Calibri" panose="020F0502020204030204" charset="0"/>
+              <a:ea typeface="宋体" panose="02010600030101010101" pitchFamily="2" charset="-122"/>
+            </a:endParaRPr>
+          </a:p>
+          <a:p>
+            <a:r>
+              <a:rPr lang="en-US" altLang="zh-CN">
+                <a:latin typeface="Calibri" panose="020F0502020204030204" charset="0"/>
+                <a:ea typeface="宋体" panose="02010600030101010101" pitchFamily="2" charset="-122"/>
+                <a:sym typeface="宋体" panose="02010600030101010101" pitchFamily="2" charset="-122"/>
+              </a:rPr>
+              <a:t>工作态度                 9	</a:t>
+            </a:r>
+            <a:endParaRPr lang="zh-CN" altLang="en-US">
+              <a:latin typeface="Calibri" panose="020F0502020204030204" charset="0"/>
+              <a:ea typeface="宋体" panose="02010600030101010101" pitchFamily="2" charset="-122"/>
+            </a:endParaRPr>
+          </a:p>
+        </p:txBody>
+      </p:sp>
+      <p:sp>
+        <p:nvSpPr>
+          <p:cNvPr id="2" name="文本框 1"/>
+          <p:cNvSpPr txBox="1"/>
+          <p:nvPr/>
+        </p:nvSpPr>
+        <p:spPr>
+          <a:xfrm>
+            <a:off x="2870200" y="5263515"/>
+            <a:ext cx="1328420" cy="368300"/>
+          </a:xfrm>
+          <a:prstGeom prst="rect">
+            <a:avLst/>
+          </a:prstGeom>
+          <a:noFill/>
+        </p:spPr>
+        <p:txBody>
+          <a:bodyPr wrap="none" rtlCol="0">
+            <a:spAutoFit/>
+          </a:bodyPr>
+          <a:p>
+            <a:r>
+              <a:rPr lang="zh-CN" altLang="en-US"/>
+              <a:t>总绩效：</a:t>
+            </a:r>
+            <a:r>
+              <a:rPr lang="en-US" altLang="zh-CN"/>
+              <a:t>86</a:t>
+            </a:r>
+            <a:endParaRPr lang="en-US" altLang="zh-CN"/>
+          </a:p>
+        </p:txBody>
+      </p:sp>
+      <p:sp>
+        <p:nvSpPr>
+          <p:cNvPr id="3" name="文本框 2"/>
+          <p:cNvSpPr txBox="1"/>
+          <p:nvPr/>
+        </p:nvSpPr>
+        <p:spPr>
+          <a:xfrm>
+            <a:off x="6751955" y="5263515"/>
+            <a:ext cx="1328420" cy="368300"/>
+          </a:xfrm>
+          <a:prstGeom prst="rect">
+            <a:avLst/>
+          </a:prstGeom>
+          <a:noFill/>
+        </p:spPr>
+        <p:txBody>
+          <a:bodyPr wrap="none" rtlCol="0">
+            <a:spAutoFit/>
+          </a:bodyPr>
+          <a:p>
+            <a:r>
+              <a:rPr lang="zh-CN" altLang="en-US"/>
+              <a:t>总绩效：</a:t>
+            </a:r>
+            <a:r>
+              <a:rPr lang="en-US" altLang="zh-CN"/>
+              <a:t>87</a:t>
+            </a:r>
+            <a:endParaRPr lang="en-US" altLang="zh-CN"/>
+          </a:p>
+        </p:txBody>
+      </p:sp>
+    </p:spTree>
+  </p:cSld>
+  <p:clrMapOvr>
+    <a:masterClrMapping/>
+  </p:clrMapOvr>
+</p:sld>
+</file>
+
+<file path=ppt/slides/slide17.xml><?xml version="1.0" encoding="utf-8"?>
 <p:sld xmlns:a="http://schemas.openxmlformats.org/drawingml/2006/main" xmlns:r="http://schemas.openxmlformats.org/officeDocument/2006/relationships" xmlns:p="http://schemas.openxmlformats.org/presentationml/2006/main">
   <p:cSld>
     <p:spTree>
@@ -11822,4 +14844,263 @@
     </a:ext>
   </a:extLst>
 </a:theme>
+</file>
+
+<file path=ppt/theme/theme2.xml><?xml version="1.0" encoding="utf-8"?>
+<a:theme xmlns:a="http://schemas.openxmlformats.org/drawingml/2006/main" name="Office 主题">
+  <a:themeElements>
+    <a:clrScheme name="Office">
+      <a:dk1>
+        <a:sysClr val="windowText" lastClr="000000"/>
+      </a:dk1>
+      <a:lt1>
+        <a:sysClr val="window" lastClr="FFFFFF"/>
+      </a:lt1>
+      <a:dk2>
+        <a:srgbClr val="44546A"/>
+      </a:dk2>
+      <a:lt2>
+        <a:srgbClr val="E7E6E6"/>
+      </a:lt2>
+      <a:accent1>
+        <a:srgbClr val="5B9BD5"/>
+      </a:accent1>
+      <a:accent2>
+        <a:srgbClr val="ED7D31"/>
+      </a:accent2>
+      <a:accent3>
+        <a:srgbClr val="A5A5A5"/>
+      </a:accent3>
+      <a:accent4>
+        <a:srgbClr val="FFC000"/>
+      </a:accent4>
+      <a:accent5>
+        <a:srgbClr val="4472C4"/>
+      </a:accent5>
+      <a:accent6>
+        <a:srgbClr val="70AD47"/>
+      </a:accent6>
+      <a:hlink>
+        <a:srgbClr val="0563C1"/>
+      </a:hlink>
+      <a:folHlink>
+        <a:srgbClr val="954F72"/>
+      </a:folHlink>
+    </a:clrScheme>
+    <a:fontScheme name="Office">
+      <a:majorFont>
+        <a:latin typeface="Calibri Light"/>
+        <a:ea typeface=""/>
+        <a:cs typeface=""/>
+        <a:font script="Jpan" typeface="ＭＳ Ｐゴシック"/>
+        <a:font script="Hang" typeface="맑은 고딕"/>
+        <a:font script="Hans" typeface="宋体"/>
+        <a:font script="Hant" typeface="新細明體"/>
+        <a:font script="Arab" typeface="Times New Roman"/>
+        <a:font script="Hebr" typeface="Times New Roman"/>
+        <a:font script="Thai" typeface="Angsana New"/>
+        <a:font script="Ethi" typeface="Nyala"/>
+        <a:font script="Beng" typeface="Vrinda"/>
+        <a:font script="Gujr" typeface="Shruti"/>
+        <a:font script="Khmr" typeface="MoolBoran"/>
+        <a:font script="Knda" typeface="Tunga"/>
+        <a:font script="Guru" typeface="Raavi"/>
+        <a:font script="Cans" typeface="Euphemia"/>
+        <a:font script="Cher" typeface="Plantagenet Cherokee"/>
+        <a:font script="Yiii" typeface="Microsoft Yi Baiti"/>
+        <a:font script="Tibt" typeface="Microsoft Himalaya"/>
+        <a:font script="Thaa" typeface="MV Boli"/>
+        <a:font script="Deva" typeface="Mangal"/>
+        <a:font script="Telu" typeface="Gautami"/>
+        <a:font script="Taml" typeface="Latha"/>
+        <a:font script="Syrc" typeface="Estrangelo Edessa"/>
+        <a:font script="Orya" typeface="Kalinga"/>
+        <a:font script="Mlym" typeface="Kartika"/>
+        <a:font script="Laoo" typeface="DokChampa"/>
+        <a:font script="Sinh" typeface="Iskoola Pota"/>
+        <a:font script="Mong" typeface="Mongolian Baiti"/>
+        <a:font script="Viet" typeface="Times New Roman"/>
+        <a:font script="Uigh" typeface="Microsoft Uighur"/>
+        <a:font script="Geor" typeface="Sylfaen"/>
+      </a:majorFont>
+      <a:minorFont>
+        <a:latin typeface="Calibri"/>
+        <a:ea typeface=""/>
+        <a:cs typeface=""/>
+        <a:font script="Jpan" typeface="ＭＳ Ｐゴシック"/>
+        <a:font script="Hang" typeface="맑은 고딕"/>
+        <a:font script="Hans" typeface="宋体"/>
+        <a:font script="Hant" typeface="新細明體"/>
+        <a:font script="Arab" typeface="Arial"/>
+        <a:font script="Hebr" typeface="Arial"/>
+        <a:font script="Thai" typeface="Cordia New"/>
+        <a:font script="Ethi" typeface="Nyala"/>
+        <a:font script="Beng" typeface="Vrinda"/>
+        <a:font script="Gujr" typeface="Shruti"/>
+        <a:font script="Khmr" typeface="DaunPenh"/>
+        <a:font script="Knda" typeface="Tunga"/>
+        <a:font script="Guru" typeface="Raavi"/>
+        <a:font script="Cans" typeface="Euphemia"/>
+        <a:font script="Cher" typeface="Plantagenet Cherokee"/>
+        <a:font script="Yiii" typeface="Microsoft Yi Baiti"/>
+        <a:font script="Tibt" typeface="Microsoft Himalaya"/>
+        <a:font script="Thaa" typeface="MV Boli"/>
+        <a:font script="Deva" typeface="Mangal"/>
+        <a:font script="Telu" typeface="Gautami"/>
+        <a:font script="Taml" typeface="Latha"/>
+        <a:font script="Syrc" typeface="Estrangelo Edessa"/>
+        <a:font script="Orya" typeface="Kalinga"/>
+        <a:font script="Mlym" typeface="Kartika"/>
+        <a:font script="Laoo" typeface="DokChampa"/>
+        <a:font script="Sinh" typeface="Iskoola Pota"/>
+        <a:font script="Mong" typeface="Mongolian Baiti"/>
+        <a:font script="Viet" typeface="Arial"/>
+        <a:font script="Uigh" typeface="Microsoft Uighur"/>
+        <a:font script="Geor" typeface="Sylfaen"/>
+      </a:minorFont>
+    </a:fontScheme>
+    <a:fmtScheme name="Office">
+      <a:fillStyleLst>
+        <a:solidFill>
+          <a:schemeClr val="phClr"/>
+        </a:solidFill>
+        <a:gradFill rotWithShape="1">
+          <a:gsLst>
+            <a:gs pos="0">
+              <a:schemeClr val="phClr">
+                <a:lumMod val="110000"/>
+                <a:satMod val="105000"/>
+                <a:tint val="67000"/>
+              </a:schemeClr>
+            </a:gs>
+            <a:gs pos="50000">
+              <a:schemeClr val="phClr">
+                <a:lumMod val="105000"/>
+                <a:satMod val="103000"/>
+                <a:tint val="73000"/>
+              </a:schemeClr>
+            </a:gs>
+            <a:gs pos="100000">
+              <a:schemeClr val="phClr">
+                <a:lumMod val="105000"/>
+                <a:satMod val="109000"/>
+                <a:tint val="81000"/>
+              </a:schemeClr>
+            </a:gs>
+          </a:gsLst>
+          <a:lin ang="5400000" scaled="0"/>
+        </a:gradFill>
+        <a:gradFill rotWithShape="1">
+          <a:gsLst>
+            <a:gs pos="0">
+              <a:schemeClr val="phClr">
+                <a:satMod val="103000"/>
+                <a:lumMod val="102000"/>
+                <a:tint val="94000"/>
+              </a:schemeClr>
+            </a:gs>
+            <a:gs pos="50000">
+              <a:schemeClr val="phClr">
+                <a:satMod val="110000"/>
+                <a:lumMod val="100000"/>
+                <a:shade val="100000"/>
+              </a:schemeClr>
+            </a:gs>
+            <a:gs pos="100000">
+              <a:schemeClr val="phClr">
+                <a:lumMod val="99000"/>
+                <a:satMod val="120000"/>
+                <a:shade val="78000"/>
+              </a:schemeClr>
+            </a:gs>
+          </a:gsLst>
+          <a:lin ang="5400000" scaled="0"/>
+        </a:gradFill>
+      </a:fillStyleLst>
+      <a:lnStyleLst>
+        <a:ln w="6350" cap="flat" cmpd="sng" algn="ctr">
+          <a:solidFill>
+            <a:schemeClr val="phClr"/>
+          </a:solidFill>
+          <a:prstDash val="solid"/>
+          <a:miter lim="800000"/>
+        </a:ln>
+        <a:ln w="12700" cap="flat" cmpd="sng" algn="ctr">
+          <a:solidFill>
+            <a:schemeClr val="phClr"/>
+          </a:solidFill>
+          <a:prstDash val="solid"/>
+          <a:miter lim="800000"/>
+        </a:ln>
+        <a:ln w="19050" cap="flat" cmpd="sng" algn="ctr">
+          <a:solidFill>
+            <a:schemeClr val="phClr"/>
+          </a:solidFill>
+          <a:prstDash val="solid"/>
+          <a:miter lim="800000"/>
+        </a:ln>
+      </a:lnStyleLst>
+      <a:effectStyleLst>
+        <a:effectStyle>
+          <a:effectLst/>
+        </a:effectStyle>
+        <a:effectStyle>
+          <a:effectLst/>
+        </a:effectStyle>
+        <a:effectStyle>
+          <a:effectLst>
+            <a:outerShdw blurRad="57150" dist="19050" dir="5400000" algn="ctr" rotWithShape="0">
+              <a:srgbClr val="000000">
+                <a:alpha val="63000"/>
+              </a:srgbClr>
+            </a:outerShdw>
+          </a:effectLst>
+        </a:effectStyle>
+      </a:effectStyleLst>
+      <a:bgFillStyleLst>
+        <a:solidFill>
+          <a:schemeClr val="phClr"/>
+        </a:solidFill>
+        <a:solidFill>
+          <a:schemeClr val="phClr">
+            <a:tint val="95000"/>
+            <a:satMod val="170000"/>
+          </a:schemeClr>
+        </a:solidFill>
+        <a:gradFill rotWithShape="1">
+          <a:gsLst>
+            <a:gs pos="0">
+              <a:schemeClr val="phClr">
+                <a:tint val="93000"/>
+                <a:satMod val="150000"/>
+                <a:shade val="98000"/>
+                <a:lumMod val="102000"/>
+              </a:schemeClr>
+            </a:gs>
+            <a:gs pos="50000">
+              <a:schemeClr val="phClr">
+                <a:tint val="98000"/>
+                <a:satMod val="130000"/>
+                <a:shade val="90000"/>
+                <a:lumMod val="103000"/>
+              </a:schemeClr>
+            </a:gs>
+            <a:gs pos="100000">
+              <a:schemeClr val="phClr">
+                <a:shade val="63000"/>
+                <a:satMod val="120000"/>
+              </a:schemeClr>
+            </a:gs>
+          </a:gsLst>
+          <a:lin ang="5400000" scaled="0"/>
+        </a:gradFill>
+      </a:bgFillStyleLst>
+    </a:fmtScheme>
+  </a:themeElements>
+  <a:extLst>
+    <a:ext uri="{05A4C25C-085E-4340-85A3-A5531E510DB2}">
+      <thm15:themeFamily xmlns:thm15="http://schemas.microsoft.com/office/thememl/2012/main" name="Office Theme" id="{62F939B6-93AF-4DB8-9C6B-D6C7DFDC589F}" vid="{4A3C46E8-61CC-4603-A589-7422A47A8E4A}"/>
+    </a:ext>
+  </a:extLst>
+</a:theme>
 </file>
--- a/G2/软件工程系列课程教学辅助网站/非受控文档/楼静靓/PRD2017-G2-需求变更管理ppt.pptx
+++ b/G2/软件工程系列课程教学辅助网站/非受控文档/楼静靓/PRD2017-G2-需求变更管理ppt.pptx
@@ -15,23 +15,24 @@
     <p:sldId id="337" r:id="rId10"/>
     <p:sldId id="356" r:id="rId11"/>
     <p:sldId id="336" r:id="rId12"/>
-    <p:sldId id="291" r:id="rId13"/>
-    <p:sldId id="292" r:id="rId14"/>
-    <p:sldId id="373" r:id="rId15"/>
-    <p:sldId id="295" r:id="rId16"/>
-    <p:sldId id="296" r:id="rId17"/>
-    <p:sldId id="297" r:id="rId18"/>
-    <p:sldId id="298" r:id="rId19"/>
-    <p:sldId id="322" r:id="rId20"/>
-    <p:sldId id="321" r:id="rId21"/>
-    <p:sldId id="324" r:id="rId22"/>
-    <p:sldId id="325" r:id="rId23"/>
-    <p:sldId id="335" r:id="rId24"/>
-    <p:sldId id="264" r:id="rId25"/>
-    <p:sldId id="270" r:id="rId26"/>
-    <p:sldId id="374" r:id="rId27"/>
-    <p:sldId id="375" r:id="rId28"/>
-    <p:sldId id="280" r:id="rId29"/>
+    <p:sldId id="388" r:id="rId13"/>
+    <p:sldId id="291" r:id="rId14"/>
+    <p:sldId id="292" r:id="rId15"/>
+    <p:sldId id="373" r:id="rId16"/>
+    <p:sldId id="295" r:id="rId17"/>
+    <p:sldId id="296" r:id="rId18"/>
+    <p:sldId id="297" r:id="rId19"/>
+    <p:sldId id="298" r:id="rId20"/>
+    <p:sldId id="322" r:id="rId21"/>
+    <p:sldId id="321" r:id="rId22"/>
+    <p:sldId id="324" r:id="rId23"/>
+    <p:sldId id="325" r:id="rId24"/>
+    <p:sldId id="335" r:id="rId25"/>
+    <p:sldId id="264" r:id="rId26"/>
+    <p:sldId id="270" r:id="rId27"/>
+    <p:sldId id="374" r:id="rId28"/>
+    <p:sldId id="375" r:id="rId29"/>
+    <p:sldId id="280" r:id="rId30"/>
   </p:sldIdLst>
   <p:sldSz cx="12192000" cy="6858000"/>
   <p:notesSz cx="6858000" cy="9144000"/>
@@ -2089,6 +2090,421 @@
           <a:chExt cx="0" cy="0"/>
         </a:xfrm>
       </p:grpSpPr>
+      <p:sp>
+        <p:nvSpPr>
+          <p:cNvPr id="15" name="矩形 14"/>
+          <p:cNvSpPr/>
+          <p:nvPr/>
+        </p:nvSpPr>
+        <p:spPr>
+          <a:xfrm>
+            <a:off x="544195" y="155893"/>
+            <a:ext cx="2470150" cy="398780"/>
+          </a:xfrm>
+          <a:prstGeom prst="rect">
+            <a:avLst/>
+          </a:prstGeom>
+        </p:spPr>
+        <p:txBody>
+          <a:bodyPr wrap="square" anchor="ctr">
+            <a:spAutoFit/>
+          </a:bodyPr>
+          <a:lstStyle/>
+          <a:p>
+            <a:pPr algn="l"/>
+            <a:r>
+              <a:rPr lang="zh-CN" sz="2000" dirty="0" smtClean="0">
+                <a:latin typeface="微软雅黑" panose="020B0503020204020204" pitchFamily="34" charset="-122"/>
+                <a:ea typeface="微软雅黑" panose="020B0503020204020204" pitchFamily="34" charset="-122"/>
+                <a:sym typeface="+mn-ea"/>
+              </a:rPr>
+              <a:t>变更相关信息</a:t>
+            </a:r>
+            <a:endParaRPr lang="en-US" altLang="zh-CN" sz="2000" kern="0" noProof="0" dirty="0" smtClean="0">
+              <a:ln>
+                <a:noFill/>
+              </a:ln>
+              <a:solidFill>
+                <a:schemeClr val="tx1"/>
+              </a:solidFill>
+              <a:effectLst/>
+              <a:uLnTx/>
+              <a:uFillTx/>
+              <a:latin typeface="微软雅黑" panose="020B0503020204020204" pitchFamily="34" charset="-122"/>
+              <a:ea typeface="微软雅黑" panose="020B0503020204020204" pitchFamily="34" charset="-122"/>
+              <a:cs typeface="微软雅黑" panose="020B0503020204020204" pitchFamily="34" charset="-122"/>
+              <a:sym typeface="+mn-ea"/>
+            </a:endParaRPr>
+          </a:p>
+        </p:txBody>
+      </p:sp>
+      <p:sp>
+        <p:nvSpPr>
+          <p:cNvPr id="13" name="矩形 12"/>
+          <p:cNvSpPr/>
+          <p:nvPr/>
+        </p:nvSpPr>
+        <p:spPr>
+          <a:xfrm>
+            <a:off x="169495" y="168076"/>
+            <a:ext cx="374850" cy="386556"/>
+          </a:xfrm>
+          <a:prstGeom prst="rect">
+            <a:avLst/>
+          </a:prstGeom>
+          <a:solidFill>
+            <a:schemeClr val="accent2"/>
+          </a:solidFill>
+          <a:ln>
+            <a:noFill/>
+          </a:ln>
+        </p:spPr>
+        <p:style>
+          <a:lnRef idx="2">
+            <a:schemeClr val="accent1">
+              <a:shade val="50000"/>
+            </a:schemeClr>
+          </a:lnRef>
+          <a:fillRef idx="1">
+            <a:schemeClr val="accent1"/>
+          </a:fillRef>
+          <a:effectRef idx="0">
+            <a:schemeClr val="accent1"/>
+          </a:effectRef>
+          <a:fontRef idx="minor">
+            <a:schemeClr val="lt1"/>
+          </a:fontRef>
+        </p:style>
+        <p:txBody>
+          <a:bodyPr rot="0" spcFirstLastPara="0" vertOverflow="overflow" horzOverflow="overflow" vert="horz" wrap="square" lIns="91440" tIns="45720" rIns="91440" bIns="45720" numCol="1" spcCol="0" rtlCol="0" fromWordArt="0" anchor="ctr" anchorCtr="0" forceAA="0" compatLnSpc="1">
+            <a:noAutofit/>
+          </a:bodyPr>
+          <a:lstStyle/>
+          <a:p>
+            <a:pPr algn="ctr"/>
+            <a:endParaRPr lang="zh-CN" altLang="en-US">
+              <a:solidFill>
+                <a:schemeClr val="tx1"/>
+              </a:solidFill>
+            </a:endParaRPr>
+          </a:p>
+        </p:txBody>
+      </p:sp>
+      <p:sp>
+        <p:nvSpPr>
+          <p:cNvPr id="14" name="矩形 13"/>
+          <p:cNvSpPr/>
+          <p:nvPr/>
+        </p:nvSpPr>
+        <p:spPr>
+          <a:xfrm>
+            <a:off x="-76200" y="161964"/>
+            <a:ext cx="866241" cy="398780"/>
+          </a:xfrm>
+          <a:prstGeom prst="rect">
+            <a:avLst/>
+          </a:prstGeom>
+        </p:spPr>
+        <p:txBody>
+          <a:bodyPr wrap="square" anchor="ctr">
+            <a:spAutoFit/>
+          </a:bodyPr>
+          <a:lstStyle/>
+          <a:p>
+            <a:pPr marL="0" marR="0" lvl="0" indent="0" algn="ctr" defTabSz="914400" eaLnBrk="1" fontAlgn="auto" latinLnBrk="0" hangingPunct="1">
+              <a:lnSpc>
+                <a:spcPct val="100000"/>
+              </a:lnSpc>
+              <a:spcBef>
+                <a:spcPts val="0"/>
+              </a:spcBef>
+              <a:spcAft>
+                <a:spcPts val="0"/>
+              </a:spcAft>
+              <a:buClrTx/>
+              <a:buSzTx/>
+              <a:buFontTx/>
+              <a:buNone/>
+              <a:defRPr/>
+            </a:pPr>
+            <a:r>
+              <a:rPr kumimoji="0" lang="en-US" altLang="zh-CN" sz="2000" b="0" i="0" u="none" strike="noStrike" kern="0" cap="none" spc="0" normalizeH="0" baseline="0" noProof="0" dirty="0" smtClean="0">
+                <a:ln>
+                  <a:noFill/>
+                </a:ln>
+                <a:solidFill>
+                  <a:schemeClr val="bg1"/>
+                </a:solidFill>
+                <a:effectLst/>
+                <a:uLnTx/>
+                <a:uFillTx/>
+                <a:latin typeface="微软雅黑" panose="020B0503020204020204" pitchFamily="34" charset="-122"/>
+                <a:ea typeface="微软雅黑" panose="020B0503020204020204" pitchFamily="34" charset="-122"/>
+                <a:cs typeface="微软雅黑" panose="020B0503020204020204" pitchFamily="34" charset="-122"/>
+              </a:rPr>
+              <a:t>02</a:t>
+            </a:r>
+            <a:endParaRPr kumimoji="0" lang="en-US" altLang="zh-CN" sz="2000" b="0" i="0" u="none" strike="noStrike" kern="0" cap="none" spc="0" normalizeH="0" baseline="0" noProof="0" dirty="0">
+              <a:ln>
+                <a:noFill/>
+              </a:ln>
+              <a:solidFill>
+                <a:schemeClr val="bg1"/>
+              </a:solidFill>
+              <a:effectLst/>
+              <a:uLnTx/>
+              <a:uFillTx/>
+              <a:latin typeface="微软雅黑" panose="020B0503020204020204" pitchFamily="34" charset="-122"/>
+              <a:ea typeface="微软雅黑" panose="020B0503020204020204" pitchFamily="34" charset="-122"/>
+              <a:cs typeface="微软雅黑" panose="020B0503020204020204" pitchFamily="34" charset="-122"/>
+            </a:endParaRPr>
+          </a:p>
+        </p:txBody>
+      </p:sp>
+      <p:cxnSp>
+        <p:nvCxnSpPr>
+          <p:cNvPr id="17" name="直接连接符 16"/>
+          <p:cNvCxnSpPr/>
+          <p:nvPr/>
+        </p:nvCxnSpPr>
+        <p:spPr>
+          <a:xfrm>
+            <a:off x="3801745" y="363259"/>
+            <a:ext cx="8496300" cy="0"/>
+          </a:xfrm>
+          <a:prstGeom prst="line">
+            <a:avLst/>
+          </a:prstGeom>
+          <a:ln>
+            <a:solidFill>
+              <a:schemeClr val="tx1"/>
+            </a:solidFill>
+          </a:ln>
+        </p:spPr>
+        <p:style>
+          <a:lnRef idx="1">
+            <a:schemeClr val="accent1"/>
+          </a:lnRef>
+          <a:fillRef idx="0">
+            <a:schemeClr val="accent1"/>
+          </a:fillRef>
+          <a:effectRef idx="0">
+            <a:schemeClr val="accent1"/>
+          </a:effectRef>
+          <a:fontRef idx="minor">
+            <a:schemeClr val="tx1"/>
+          </a:fontRef>
+        </p:style>
+      </p:cxnSp>
+      <p:pic>
+        <p:nvPicPr>
+          <p:cNvPr id="3" name="图片 2" descr="小组logo"/>
+          <p:cNvPicPr>
+            <a:picLocks noChangeAspect="1"/>
+          </p:cNvPicPr>
+          <p:nvPr/>
+        </p:nvPicPr>
+        <p:blipFill>
+          <a:blip r:embed="rId1"/>
+          <a:stretch>
+            <a:fillRect/>
+          </a:stretch>
+        </p:blipFill>
+        <p:spPr>
+          <a:xfrm>
+            <a:off x="10318750" y="-190500"/>
+            <a:ext cx="2104390" cy="2104390"/>
+          </a:xfrm>
+          <a:prstGeom prst="rect">
+            <a:avLst/>
+          </a:prstGeom>
+        </p:spPr>
+      </p:pic>
+      <p:sp>
+        <p:nvSpPr>
+          <p:cNvPr id="2" name="文本框 1"/>
+          <p:cNvSpPr txBox="1"/>
+          <p:nvPr/>
+        </p:nvSpPr>
+        <p:spPr>
+          <a:xfrm>
+            <a:off x="732790" y="768350"/>
+            <a:ext cx="2092325" cy="368300"/>
+          </a:xfrm>
+          <a:prstGeom prst="rect">
+            <a:avLst/>
+          </a:prstGeom>
+          <a:noFill/>
+        </p:spPr>
+        <p:txBody>
+          <a:bodyPr wrap="square" rtlCol="0">
+            <a:spAutoFit/>
+          </a:bodyPr>
+          <a:p>
+            <a:r>
+              <a:rPr lang="zh-CN" altLang="en-US"/>
+              <a:t>文档的版本管理</a:t>
+            </a:r>
+            <a:endParaRPr lang="zh-CN" altLang="en-US"/>
+          </a:p>
+        </p:txBody>
+      </p:sp>
+      <p:pic>
+        <p:nvPicPr>
+          <p:cNvPr id="7" name="图片 6"/>
+          <p:cNvPicPr>
+            <a:picLocks noChangeAspect="1"/>
+          </p:cNvPicPr>
+          <p:nvPr/>
+        </p:nvPicPr>
+        <p:blipFill>
+          <a:blip r:embed="rId2"/>
+          <a:stretch>
+            <a:fillRect/>
+          </a:stretch>
+        </p:blipFill>
+        <p:spPr>
+          <a:xfrm>
+            <a:off x="2242820" y="1558290"/>
+            <a:ext cx="7445375" cy="3742055"/>
+          </a:xfrm>
+          <a:prstGeom prst="rect">
+            <a:avLst/>
+          </a:prstGeom>
+        </p:spPr>
+      </p:pic>
+      <p:pic>
+        <p:nvPicPr>
+          <p:cNvPr id="6" name="图片 5"/>
+          <p:cNvPicPr>
+            <a:picLocks noChangeAspect="1"/>
+          </p:cNvPicPr>
+          <p:nvPr/>
+        </p:nvPicPr>
+        <p:blipFill>
+          <a:blip r:embed="rId3"/>
+          <a:stretch>
+            <a:fillRect/>
+          </a:stretch>
+        </p:blipFill>
+        <p:spPr>
+          <a:xfrm>
+            <a:off x="1784350" y="1339215"/>
+            <a:ext cx="8622665" cy="4180205"/>
+          </a:xfrm>
+          <a:prstGeom prst="rect">
+            <a:avLst/>
+          </a:prstGeom>
+        </p:spPr>
+      </p:pic>
+    </p:spTree>
+  </p:cSld>
+  <p:clrMapOvr>
+    <a:masterClrMapping/>
+  </p:clrMapOvr>
+  <p:timing>
+    <p:tnLst>
+      <p:par>
+        <p:cTn id="1" dur="indefinite" restart="never" nodeType="tmRoot">
+          <p:childTnLst>
+            <p:seq concurrent="1" nextAc="seek">
+              <p:cTn id="2" dur="indefinite" nodeType="mainSeq">
+                <p:childTnLst>
+                  <p:par>
+                    <p:cTn id="3" fill="hold">
+                      <p:stCondLst>
+                        <p:cond delay="indefinite"/>
+                      </p:stCondLst>
+                      <p:childTnLst>
+                        <p:par>
+                          <p:cTn id="4" fill="hold">
+                            <p:stCondLst>
+                              <p:cond delay="0"/>
+                            </p:stCondLst>
+                            <p:childTnLst>
+                              <p:par>
+                                <p:cTn id="5" presetID="3" presetClass="entr" presetSubtype="10" fill="hold" nodeType="clickEffect">
+                                  <p:stCondLst>
+                                    <p:cond delay="0"/>
+                                  </p:stCondLst>
+                                  <p:childTnLst>
+                                    <p:set>
+                                      <p:cBhvr>
+                                        <p:cTn id="6" dur="1" fill="hold">
+                                          <p:stCondLst>
+                                            <p:cond delay="0"/>
+                                          </p:stCondLst>
+                                        </p:cTn>
+                                        <p:tgtEl>
+                                          <p:spTgt spid="6"/>
+                                        </p:tgtEl>
+                                        <p:attrNameLst>
+                                          <p:attrName>style.visibility</p:attrName>
+                                        </p:attrNameLst>
+                                      </p:cBhvr>
+                                      <p:to>
+                                        <p:strVal val="visible"/>
+                                      </p:to>
+                                    </p:set>
+                                    <p:animEffect transition="in" filter="blinds(horizontal)">
+                                      <p:cBhvr>
+                                        <p:cTn id="7" dur="500"/>
+                                        <p:tgtEl>
+                                          <p:spTgt spid="6"/>
+                                        </p:tgtEl>
+                                      </p:cBhvr>
+                                    </p:animEffect>
+                                  </p:childTnLst>
+                                </p:cTn>
+                              </p:par>
+                            </p:childTnLst>
+                          </p:cTn>
+                        </p:par>
+                      </p:childTnLst>
+                    </p:cTn>
+                  </p:par>
+                </p:childTnLst>
+              </p:cTn>
+              <p:prevCondLst>
+                <p:cond evt="onPrev" delay="0">
+                  <p:tgtEl>
+                    <p:sldTgt/>
+                  </p:tgtEl>
+                </p:cond>
+              </p:prevCondLst>
+              <p:nextCondLst>
+                <p:cond evt="onNext" delay="0">
+                  <p:tgtEl>
+                    <p:sldTgt/>
+                  </p:tgtEl>
+                </p:cond>
+              </p:nextCondLst>
+            </p:seq>
+          </p:childTnLst>
+        </p:cTn>
+      </p:par>
+    </p:tnLst>
+  </p:timing>
+</p:sld>
+</file>
+
+<file path=ppt/slides/slide12.xml><?xml version="1.0" encoding="utf-8"?>
+<p:sld xmlns:a="http://schemas.openxmlformats.org/drawingml/2006/main" xmlns:r="http://schemas.openxmlformats.org/officeDocument/2006/relationships" xmlns:p="http://schemas.openxmlformats.org/presentationml/2006/main">
+  <p:cSld>
+    <p:spTree>
+      <p:nvGrpSpPr>
+        <p:cNvPr id="1" name=""/>
+        <p:cNvGrpSpPr/>
+        <p:nvPr/>
+      </p:nvGrpSpPr>
+      <p:grpSpPr>
+        <a:xfrm>
+          <a:off x="0" y="0"/>
+          <a:ext cx="0" cy="0"/>
+          <a:chOff x="0" y="0"/>
+          <a:chExt cx="0" cy="0"/>
+        </a:xfrm>
+      </p:grpSpPr>
       <p:grpSp>
         <p:nvGrpSpPr>
           <p:cNvPr id="5" name="组合 4"/>
@@ -2454,536 +2870,6 @@
 </p:sld>
 </file>
 
-<file path=ppt/slides/slide12.xml><?xml version="1.0" encoding="utf-8"?>
-<p:sld xmlns:a="http://schemas.openxmlformats.org/drawingml/2006/main" xmlns:r="http://schemas.openxmlformats.org/officeDocument/2006/relationships" xmlns:p="http://schemas.openxmlformats.org/presentationml/2006/main">
-  <p:cSld>
-    <p:spTree>
-      <p:nvGrpSpPr>
-        <p:cNvPr id="1" name=""/>
-        <p:cNvGrpSpPr/>
-        <p:nvPr/>
-      </p:nvGrpSpPr>
-      <p:grpSpPr>
-        <a:xfrm>
-          <a:off x="0" y="0"/>
-          <a:ext cx="0" cy="0"/>
-          <a:chOff x="0" y="0"/>
-          <a:chExt cx="0" cy="0"/>
-        </a:xfrm>
-      </p:grpSpPr>
-      <p:sp>
-        <p:nvSpPr>
-          <p:cNvPr id="15" name="矩形 14"/>
-          <p:cNvSpPr/>
-          <p:nvPr/>
-        </p:nvSpPr>
-        <p:spPr>
-          <a:xfrm>
-            <a:off x="572770" y="162878"/>
-            <a:ext cx="1781810" cy="398780"/>
-          </a:xfrm>
-          <a:prstGeom prst="rect">
-            <a:avLst/>
-          </a:prstGeom>
-        </p:spPr>
-        <p:txBody>
-          <a:bodyPr wrap="square" anchor="ctr">
-            <a:spAutoFit/>
-          </a:bodyPr>
-          <a:lstStyle/>
-          <a:p>
-            <a:pPr marL="0" marR="0" lvl="0" indent="0" defTabSz="914400" eaLnBrk="1" fontAlgn="auto" latinLnBrk="0" hangingPunct="1">
-              <a:lnSpc>
-                <a:spcPct val="100000"/>
-              </a:lnSpc>
-              <a:spcBef>
-                <a:spcPts val="0"/>
-              </a:spcBef>
-              <a:spcAft>
-                <a:spcPts val="0"/>
-              </a:spcAft>
-              <a:buClrTx/>
-              <a:buSzTx/>
-              <a:buFontTx/>
-              <a:buNone/>
-              <a:defRPr/>
-            </a:pPr>
-            <a:r>
-              <a:rPr lang="zh-CN" altLang="en-US" sz="2000" b="1" dirty="0">
-                <a:solidFill>
-                  <a:schemeClr val="tx1"/>
-                </a:solidFill>
-                <a:latin typeface="微软雅黑" panose="020B0503020204020204" pitchFamily="34" charset="-122"/>
-                <a:ea typeface="微软雅黑" panose="020B0503020204020204" pitchFamily="34" charset="-122"/>
-                <a:sym typeface="+mn-ea"/>
-              </a:rPr>
-              <a:t>优先级</a:t>
-            </a:r>
-            <a:endParaRPr lang="zh-CN" altLang="en-US" sz="2000" b="1" kern="0" noProof="0" dirty="0">
-              <a:ln>
-                <a:noFill/>
-              </a:ln>
-              <a:solidFill>
-                <a:schemeClr val="tx1"/>
-              </a:solidFill>
-              <a:effectLst/>
-              <a:uLnTx/>
-              <a:uFillTx/>
-              <a:latin typeface="微软雅黑" panose="020B0503020204020204" pitchFamily="34" charset="-122"/>
-              <a:ea typeface="微软雅黑" panose="020B0503020204020204" pitchFamily="34" charset="-122"/>
-              <a:cs typeface="微软雅黑" panose="020B0503020204020204" pitchFamily="34" charset="-122"/>
-              <a:sym typeface="+mn-ea"/>
-            </a:endParaRPr>
-          </a:p>
-        </p:txBody>
-      </p:sp>
-      <p:sp>
-        <p:nvSpPr>
-          <p:cNvPr id="16" name="矩形 15"/>
-          <p:cNvSpPr/>
-          <p:nvPr/>
-        </p:nvSpPr>
-        <p:spPr>
-          <a:xfrm>
-            <a:off x="2161550" y="208736"/>
-            <a:ext cx="1640193" cy="307777"/>
-          </a:xfrm>
-          <a:prstGeom prst="rect">
-            <a:avLst/>
-          </a:prstGeom>
-        </p:spPr>
-        <p:txBody>
-          <a:bodyPr wrap="none">
-            <a:spAutoFit/>
-          </a:bodyPr>
-          <a:lstStyle/>
-          <a:p>
-            <a:pPr marL="0" marR="0" lvl="0" indent="0" defTabSz="914400" eaLnBrk="1" fontAlgn="auto" latinLnBrk="0" hangingPunct="1">
-              <a:lnSpc>
-                <a:spcPct val="100000"/>
-              </a:lnSpc>
-              <a:spcBef>
-                <a:spcPts val="0"/>
-              </a:spcBef>
-              <a:spcAft>
-                <a:spcPts val="0"/>
-              </a:spcAft>
-              <a:buClrTx/>
-              <a:buSzTx/>
-              <a:buFontTx/>
-              <a:buNone/>
-              <a:defRPr/>
-            </a:pPr>
-            <a:r>
-              <a:rPr kumimoji="0" lang="en-US" altLang="zh-CN" sz="1400" b="0" i="0" u="none" strike="noStrike" kern="0" cap="none" spc="0" normalizeH="0" baseline="0" noProof="0" dirty="0">
-                <a:ln>
-                  <a:noFill/>
-                </a:ln>
-                <a:effectLst/>
-                <a:uLnTx/>
-                <a:uFillTx/>
-                <a:latin typeface="微软雅黑" panose="020B0503020204020204" pitchFamily="34" charset="-122"/>
-                <a:ea typeface="微软雅黑" panose="020B0503020204020204" pitchFamily="34" charset="-122"/>
-              </a:rPr>
-              <a:t> INTRODUCTION</a:t>
-            </a:r>
-            <a:endParaRPr kumimoji="1" lang="zh-CN" altLang="en-US" sz="1400" b="0" i="0" u="none" strike="noStrike" kern="0" cap="none" spc="0" normalizeH="0" baseline="0" noProof="0" dirty="0">
-              <a:ln>
-                <a:noFill/>
-              </a:ln>
-              <a:effectLst/>
-              <a:uLnTx/>
-              <a:uFillTx/>
-              <a:latin typeface="微软雅黑" panose="020B0503020204020204" pitchFamily="34" charset="-122"/>
-              <a:ea typeface="微软雅黑" panose="020B0503020204020204" pitchFamily="34" charset="-122"/>
-            </a:endParaRPr>
-          </a:p>
-        </p:txBody>
-      </p:sp>
-      <p:sp>
-        <p:nvSpPr>
-          <p:cNvPr id="13" name="矩形 12"/>
-          <p:cNvSpPr/>
-          <p:nvPr/>
-        </p:nvSpPr>
-        <p:spPr>
-          <a:xfrm>
-            <a:off x="169495" y="168076"/>
-            <a:ext cx="374850" cy="386556"/>
-          </a:xfrm>
-          <a:prstGeom prst="rect">
-            <a:avLst/>
-          </a:prstGeom>
-          <a:solidFill>
-            <a:schemeClr val="accent2"/>
-          </a:solidFill>
-          <a:ln>
-            <a:noFill/>
-          </a:ln>
-        </p:spPr>
-        <p:style>
-          <a:lnRef idx="2">
-            <a:schemeClr val="accent1">
-              <a:shade val="50000"/>
-            </a:schemeClr>
-          </a:lnRef>
-          <a:fillRef idx="1">
-            <a:schemeClr val="accent1"/>
-          </a:fillRef>
-          <a:effectRef idx="0">
-            <a:schemeClr val="accent1"/>
-          </a:effectRef>
-          <a:fontRef idx="minor">
-            <a:schemeClr val="lt1"/>
-          </a:fontRef>
-        </p:style>
-        <p:txBody>
-          <a:bodyPr rot="0" spcFirstLastPara="0" vertOverflow="overflow" horzOverflow="overflow" vert="horz" wrap="square" lIns="91440" tIns="45720" rIns="91440" bIns="45720" numCol="1" spcCol="0" rtlCol="0" fromWordArt="0" anchor="ctr" anchorCtr="0" forceAA="0" compatLnSpc="1">
-            <a:noAutofit/>
-          </a:bodyPr>
-          <a:lstStyle/>
-          <a:p>
-            <a:pPr algn="ctr"/>
-            <a:endParaRPr lang="zh-CN" altLang="en-US">
-              <a:solidFill>
-                <a:schemeClr val="tx1"/>
-              </a:solidFill>
-            </a:endParaRPr>
-          </a:p>
-        </p:txBody>
-      </p:sp>
-      <p:sp>
-        <p:nvSpPr>
-          <p:cNvPr id="14" name="矩形 13"/>
-          <p:cNvSpPr/>
-          <p:nvPr/>
-        </p:nvSpPr>
-        <p:spPr>
-          <a:xfrm>
-            <a:off x="-63500" y="161964"/>
-            <a:ext cx="866241" cy="398780"/>
-          </a:xfrm>
-          <a:prstGeom prst="rect">
-            <a:avLst/>
-          </a:prstGeom>
-        </p:spPr>
-        <p:txBody>
-          <a:bodyPr wrap="square" anchor="ctr">
-            <a:spAutoFit/>
-          </a:bodyPr>
-          <a:lstStyle/>
-          <a:p>
-            <a:pPr marL="0" marR="0" lvl="0" indent="0" algn="ctr" defTabSz="914400" eaLnBrk="1" fontAlgn="auto" latinLnBrk="0" hangingPunct="1">
-              <a:lnSpc>
-                <a:spcPct val="100000"/>
-              </a:lnSpc>
-              <a:spcBef>
-                <a:spcPts val="0"/>
-              </a:spcBef>
-              <a:spcAft>
-                <a:spcPts val="0"/>
-              </a:spcAft>
-              <a:buClrTx/>
-              <a:buSzTx/>
-              <a:buFontTx/>
-              <a:buNone/>
-              <a:defRPr/>
-            </a:pPr>
-            <a:r>
-              <a:rPr kumimoji="0" lang="en-US" altLang="zh-CN" sz="2000" b="0" i="0" u="none" strike="noStrike" kern="0" cap="none" spc="0" normalizeH="0" baseline="0" noProof="0" dirty="0" smtClean="0">
-                <a:ln>
-                  <a:noFill/>
-                </a:ln>
-                <a:solidFill>
-                  <a:schemeClr val="bg1"/>
-                </a:solidFill>
-                <a:effectLst/>
-                <a:uLnTx/>
-                <a:uFillTx/>
-                <a:latin typeface="微软雅黑" panose="020B0503020204020204" pitchFamily="34" charset="-122"/>
-                <a:ea typeface="微软雅黑" panose="020B0503020204020204" pitchFamily="34" charset="-122"/>
-                <a:cs typeface="微软雅黑" panose="020B0503020204020204" pitchFamily="34" charset="-122"/>
-              </a:rPr>
-              <a:t>03</a:t>
-            </a:r>
-            <a:endParaRPr kumimoji="0" lang="en-US" altLang="zh-CN" sz="2000" b="0" i="0" u="none" strike="noStrike" kern="0" cap="none" spc="0" normalizeH="0" baseline="0" noProof="0" dirty="0">
-              <a:ln>
-                <a:noFill/>
-              </a:ln>
-              <a:solidFill>
-                <a:schemeClr val="bg1"/>
-              </a:solidFill>
-              <a:effectLst/>
-              <a:uLnTx/>
-              <a:uFillTx/>
-              <a:latin typeface="微软雅黑" panose="020B0503020204020204" pitchFamily="34" charset="-122"/>
-              <a:ea typeface="微软雅黑" panose="020B0503020204020204" pitchFamily="34" charset="-122"/>
-              <a:cs typeface="微软雅黑" panose="020B0503020204020204" pitchFamily="34" charset="-122"/>
-            </a:endParaRPr>
-          </a:p>
-        </p:txBody>
-      </p:sp>
-      <p:cxnSp>
-        <p:nvCxnSpPr>
-          <p:cNvPr id="17" name="直接连接符 16"/>
-          <p:cNvCxnSpPr/>
-          <p:nvPr/>
-        </p:nvCxnSpPr>
-        <p:spPr>
-          <a:xfrm>
-            <a:off x="3801745" y="363259"/>
-            <a:ext cx="8496300" cy="0"/>
-          </a:xfrm>
-          <a:prstGeom prst="line">
-            <a:avLst/>
-          </a:prstGeom>
-          <a:ln>
-            <a:solidFill>
-              <a:schemeClr val="tx1"/>
-            </a:solidFill>
-          </a:ln>
-        </p:spPr>
-        <p:style>
-          <a:lnRef idx="1">
-            <a:schemeClr val="accent1"/>
-          </a:lnRef>
-          <a:fillRef idx="0">
-            <a:schemeClr val="accent1"/>
-          </a:fillRef>
-          <a:effectRef idx="0">
-            <a:schemeClr val="accent1"/>
-          </a:effectRef>
-          <a:fontRef idx="minor">
-            <a:schemeClr val="tx1"/>
-          </a:fontRef>
-        </p:style>
-      </p:cxnSp>
-      <p:cxnSp>
-        <p:nvCxnSpPr>
-          <p:cNvPr id="19" name="直接连接符 18"/>
-          <p:cNvCxnSpPr/>
-          <p:nvPr/>
-        </p:nvCxnSpPr>
-        <p:spPr>
-          <a:xfrm>
-            <a:off x="1775245" y="245877"/>
-            <a:ext cx="1021" cy="230955"/>
-          </a:xfrm>
-          <a:prstGeom prst="line">
-            <a:avLst/>
-          </a:prstGeom>
-          <a:ln w="12700" cap="rnd">
-            <a:solidFill>
-              <a:schemeClr val="tx1">
-                <a:alpha val="49000"/>
-              </a:schemeClr>
-            </a:solidFill>
-            <a:round/>
-            <a:tailEnd type="none" w="sm" len="sm"/>
-          </a:ln>
-        </p:spPr>
-        <p:style>
-          <a:lnRef idx="1">
-            <a:schemeClr val="accent1"/>
-          </a:lnRef>
-          <a:fillRef idx="0">
-            <a:schemeClr val="accent1"/>
-          </a:fillRef>
-          <a:effectRef idx="0">
-            <a:schemeClr val="accent1"/>
-          </a:effectRef>
-          <a:fontRef idx="minor">
-            <a:schemeClr val="tx1"/>
-          </a:fontRef>
-        </p:style>
-      </p:cxnSp>
-      <p:pic>
-        <p:nvPicPr>
-          <p:cNvPr id="3" name="图片 2" descr="小组logo"/>
-          <p:cNvPicPr>
-            <a:picLocks noChangeAspect="1"/>
-          </p:cNvPicPr>
-          <p:nvPr/>
-        </p:nvPicPr>
-        <p:blipFill>
-          <a:blip r:embed="rId1"/>
-          <a:stretch>
-            <a:fillRect/>
-          </a:stretch>
-        </p:blipFill>
-        <p:spPr>
-          <a:xfrm>
-            <a:off x="10318750" y="-190500"/>
-            <a:ext cx="2104390" cy="2104390"/>
-          </a:xfrm>
-          <a:prstGeom prst="rect">
-            <a:avLst/>
-          </a:prstGeom>
-        </p:spPr>
-      </p:pic>
-      <p:sp>
-        <p:nvSpPr>
-          <p:cNvPr id="2" name="文本框 1"/>
-          <p:cNvSpPr txBox="1"/>
-          <p:nvPr/>
-        </p:nvSpPr>
-        <p:spPr>
-          <a:xfrm>
-            <a:off x="395605" y="1383665"/>
-            <a:ext cx="3541395" cy="368300"/>
-          </a:xfrm>
-          <a:prstGeom prst="rect">
-            <a:avLst/>
-          </a:prstGeom>
-          <a:noFill/>
-        </p:spPr>
-        <p:txBody>
-          <a:bodyPr wrap="square" rtlCol="0" anchor="t">
-            <a:spAutoFit/>
-          </a:bodyPr>
-          <a:p>
-            <a:r>
-              <a:rPr lang="zh-CN" altLang="en-US">
-                <a:hlinkClick r:id="rId2" action="ppaction://hlinkfile"/>
-              </a:rPr>
-              <a:t>PRD2017-G2-游客优先级打分表</a:t>
-            </a:r>
-            <a:endParaRPr lang="zh-CN" altLang="en-US"/>
-          </a:p>
-        </p:txBody>
-      </p:sp>
-      <p:sp>
-        <p:nvSpPr>
-          <p:cNvPr id="5" name="文本框 4"/>
-          <p:cNvSpPr txBox="1"/>
-          <p:nvPr/>
-        </p:nvSpPr>
-        <p:spPr>
-          <a:xfrm>
-            <a:off x="395605" y="3369945"/>
-            <a:ext cx="3541395" cy="368300"/>
-          </a:xfrm>
-          <a:prstGeom prst="rect">
-            <a:avLst/>
-          </a:prstGeom>
-          <a:noFill/>
-        </p:spPr>
-        <p:txBody>
-          <a:bodyPr wrap="square" rtlCol="0" anchor="t">
-            <a:spAutoFit/>
-          </a:bodyPr>
-          <a:p>
-            <a:r>
-              <a:rPr lang="zh-CN" altLang="en-US">
-                <a:hlinkClick r:id="rId3" action="ppaction://hlinkfile"/>
-              </a:rPr>
-              <a:t>PRD2017-G2-学生优先级打分表</a:t>
-            </a:r>
-            <a:endParaRPr lang="zh-CN" altLang="en-US"/>
-          </a:p>
-        </p:txBody>
-      </p:sp>
-      <p:sp>
-        <p:nvSpPr>
-          <p:cNvPr id="6" name="文本框 5"/>
-          <p:cNvSpPr txBox="1"/>
-          <p:nvPr/>
-        </p:nvSpPr>
-        <p:spPr>
-          <a:xfrm>
-            <a:off x="396240" y="4370070"/>
-            <a:ext cx="3540760" cy="368300"/>
-          </a:xfrm>
-          <a:prstGeom prst="rect">
-            <a:avLst/>
-          </a:prstGeom>
-          <a:noFill/>
-        </p:spPr>
-        <p:txBody>
-          <a:bodyPr wrap="square" rtlCol="0" anchor="t">
-            <a:spAutoFit/>
-          </a:bodyPr>
-          <a:p>
-            <a:r>
-              <a:rPr lang="zh-CN" altLang="en-US">
-                <a:hlinkClick r:id="rId4" action="ppaction://hlinkfile"/>
-              </a:rPr>
-              <a:t>PRD2017-G2-管理员优先级打分表</a:t>
-            </a:r>
-            <a:endParaRPr lang="zh-CN" altLang="en-US"/>
-          </a:p>
-        </p:txBody>
-      </p:sp>
-      <p:pic>
-        <p:nvPicPr>
-          <p:cNvPr id="7" name="图片 6"/>
-          <p:cNvPicPr>
-            <a:picLocks noChangeAspect="1"/>
-          </p:cNvPicPr>
-          <p:nvPr/>
-        </p:nvPicPr>
-        <p:blipFill>
-          <a:blip r:embed="rId5"/>
-          <a:stretch>
-            <a:fillRect/>
-          </a:stretch>
-        </p:blipFill>
-        <p:spPr>
-          <a:xfrm>
-            <a:off x="4009390" y="1132840"/>
-            <a:ext cx="6569075" cy="5151755"/>
-          </a:xfrm>
-          <a:prstGeom prst="rect">
-            <a:avLst/>
-          </a:prstGeom>
-        </p:spPr>
-      </p:pic>
-      <p:sp>
-        <p:nvSpPr>
-          <p:cNvPr id="8" name="文本框 7"/>
-          <p:cNvSpPr txBox="1"/>
-          <p:nvPr/>
-        </p:nvSpPr>
-        <p:spPr>
-          <a:xfrm>
-            <a:off x="394970" y="2376805"/>
-            <a:ext cx="3542030" cy="368300"/>
-          </a:xfrm>
-          <a:prstGeom prst="rect">
-            <a:avLst/>
-          </a:prstGeom>
-          <a:noFill/>
-        </p:spPr>
-        <p:txBody>
-          <a:bodyPr wrap="square" rtlCol="0" anchor="t">
-            <a:spAutoFit/>
-          </a:bodyPr>
-          <a:p>
-            <a:r>
-              <a:rPr lang="zh-CN" altLang="en-US">
-                <a:hlinkClick r:id="rId6" action="ppaction://hlinkfile"/>
-              </a:rPr>
-              <a:t>PRD2017-G2-教师优先级打分表</a:t>
-            </a:r>
-            <a:endParaRPr lang="zh-CN" altLang="en-US"/>
-          </a:p>
-        </p:txBody>
-      </p:sp>
-    </p:spTree>
-  </p:cSld>
-  <p:clrMapOvr>
-    <a:masterClrMapping/>
-  </p:clrMapOvr>
-  <p:timing>
-    <p:tnLst>
-      <p:par>
-        <p:cTn id="1" dur="indefinite" restart="never" nodeType="tmRoot"/>
-      </p:par>
-    </p:tnLst>
-  </p:timing>
-</p:sld>
-</file>
-
 <file path=ppt/slides/slide13.xml><?xml version="1.0" encoding="utf-8"?>
 <p:sld xmlns:a="http://schemas.openxmlformats.org/drawingml/2006/main" xmlns:r="http://schemas.openxmlformats.org/officeDocument/2006/relationships" xmlns:p="http://schemas.openxmlformats.org/presentationml/2006/main">
   <p:cSld>
@@ -3351,6 +3237,536 @@
           </a:prstGeom>
         </p:spPr>
       </p:pic>
+      <p:sp>
+        <p:nvSpPr>
+          <p:cNvPr id="2" name="文本框 1"/>
+          <p:cNvSpPr txBox="1"/>
+          <p:nvPr/>
+        </p:nvSpPr>
+        <p:spPr>
+          <a:xfrm>
+            <a:off x="395605" y="1383665"/>
+            <a:ext cx="3541395" cy="368300"/>
+          </a:xfrm>
+          <a:prstGeom prst="rect">
+            <a:avLst/>
+          </a:prstGeom>
+          <a:noFill/>
+        </p:spPr>
+        <p:txBody>
+          <a:bodyPr wrap="square" rtlCol="0" anchor="t">
+            <a:spAutoFit/>
+          </a:bodyPr>
+          <a:p>
+            <a:r>
+              <a:rPr lang="zh-CN" altLang="en-US">
+                <a:hlinkClick r:id="rId2" action="ppaction://hlinkfile"/>
+              </a:rPr>
+              <a:t>PRD2017-G2-游客优先级打分表</a:t>
+            </a:r>
+            <a:endParaRPr lang="zh-CN" altLang="en-US"/>
+          </a:p>
+        </p:txBody>
+      </p:sp>
+      <p:sp>
+        <p:nvSpPr>
+          <p:cNvPr id="5" name="文本框 4"/>
+          <p:cNvSpPr txBox="1"/>
+          <p:nvPr/>
+        </p:nvSpPr>
+        <p:spPr>
+          <a:xfrm>
+            <a:off x="395605" y="3369945"/>
+            <a:ext cx="3541395" cy="368300"/>
+          </a:xfrm>
+          <a:prstGeom prst="rect">
+            <a:avLst/>
+          </a:prstGeom>
+          <a:noFill/>
+        </p:spPr>
+        <p:txBody>
+          <a:bodyPr wrap="square" rtlCol="0" anchor="t">
+            <a:spAutoFit/>
+          </a:bodyPr>
+          <a:p>
+            <a:r>
+              <a:rPr lang="zh-CN" altLang="en-US">
+                <a:hlinkClick r:id="rId3" action="ppaction://hlinkfile"/>
+              </a:rPr>
+              <a:t>PRD2017-G2-学生优先级打分表</a:t>
+            </a:r>
+            <a:endParaRPr lang="zh-CN" altLang="en-US"/>
+          </a:p>
+        </p:txBody>
+      </p:sp>
+      <p:sp>
+        <p:nvSpPr>
+          <p:cNvPr id="6" name="文本框 5"/>
+          <p:cNvSpPr txBox="1"/>
+          <p:nvPr/>
+        </p:nvSpPr>
+        <p:spPr>
+          <a:xfrm>
+            <a:off x="396240" y="4370070"/>
+            <a:ext cx="3540760" cy="368300"/>
+          </a:xfrm>
+          <a:prstGeom prst="rect">
+            <a:avLst/>
+          </a:prstGeom>
+          <a:noFill/>
+        </p:spPr>
+        <p:txBody>
+          <a:bodyPr wrap="square" rtlCol="0" anchor="t">
+            <a:spAutoFit/>
+          </a:bodyPr>
+          <a:p>
+            <a:r>
+              <a:rPr lang="zh-CN" altLang="en-US">
+                <a:hlinkClick r:id="rId4" action="ppaction://hlinkfile"/>
+              </a:rPr>
+              <a:t>PRD2017-G2-管理员优先级打分表</a:t>
+            </a:r>
+            <a:endParaRPr lang="zh-CN" altLang="en-US"/>
+          </a:p>
+        </p:txBody>
+      </p:sp>
+      <p:pic>
+        <p:nvPicPr>
+          <p:cNvPr id="7" name="图片 6"/>
+          <p:cNvPicPr>
+            <a:picLocks noChangeAspect="1"/>
+          </p:cNvPicPr>
+          <p:nvPr/>
+        </p:nvPicPr>
+        <p:blipFill>
+          <a:blip r:embed="rId5"/>
+          <a:stretch>
+            <a:fillRect/>
+          </a:stretch>
+        </p:blipFill>
+        <p:spPr>
+          <a:xfrm>
+            <a:off x="4009390" y="1132840"/>
+            <a:ext cx="6569075" cy="5151755"/>
+          </a:xfrm>
+          <a:prstGeom prst="rect">
+            <a:avLst/>
+          </a:prstGeom>
+        </p:spPr>
+      </p:pic>
+      <p:sp>
+        <p:nvSpPr>
+          <p:cNvPr id="8" name="文本框 7"/>
+          <p:cNvSpPr txBox="1"/>
+          <p:nvPr/>
+        </p:nvSpPr>
+        <p:spPr>
+          <a:xfrm>
+            <a:off x="394970" y="2376805"/>
+            <a:ext cx="3542030" cy="368300"/>
+          </a:xfrm>
+          <a:prstGeom prst="rect">
+            <a:avLst/>
+          </a:prstGeom>
+          <a:noFill/>
+        </p:spPr>
+        <p:txBody>
+          <a:bodyPr wrap="square" rtlCol="0" anchor="t">
+            <a:spAutoFit/>
+          </a:bodyPr>
+          <a:p>
+            <a:r>
+              <a:rPr lang="zh-CN" altLang="en-US">
+                <a:hlinkClick r:id="rId6" action="ppaction://hlinkfile"/>
+              </a:rPr>
+              <a:t>PRD2017-G2-教师优先级打分表</a:t>
+            </a:r>
+            <a:endParaRPr lang="zh-CN" altLang="en-US"/>
+          </a:p>
+        </p:txBody>
+      </p:sp>
+    </p:spTree>
+  </p:cSld>
+  <p:clrMapOvr>
+    <a:masterClrMapping/>
+  </p:clrMapOvr>
+  <p:timing>
+    <p:tnLst>
+      <p:par>
+        <p:cTn id="1" dur="indefinite" restart="never" nodeType="tmRoot"/>
+      </p:par>
+    </p:tnLst>
+  </p:timing>
+</p:sld>
+</file>
+
+<file path=ppt/slides/slide14.xml><?xml version="1.0" encoding="utf-8"?>
+<p:sld xmlns:a="http://schemas.openxmlformats.org/drawingml/2006/main" xmlns:r="http://schemas.openxmlformats.org/officeDocument/2006/relationships" xmlns:p="http://schemas.openxmlformats.org/presentationml/2006/main">
+  <p:cSld>
+    <p:spTree>
+      <p:nvGrpSpPr>
+        <p:cNvPr id="1" name=""/>
+        <p:cNvGrpSpPr/>
+        <p:nvPr/>
+      </p:nvGrpSpPr>
+      <p:grpSpPr>
+        <a:xfrm>
+          <a:off x="0" y="0"/>
+          <a:ext cx="0" cy="0"/>
+          <a:chOff x="0" y="0"/>
+          <a:chExt cx="0" cy="0"/>
+        </a:xfrm>
+      </p:grpSpPr>
+      <p:sp>
+        <p:nvSpPr>
+          <p:cNvPr id="15" name="矩形 14"/>
+          <p:cNvSpPr/>
+          <p:nvPr/>
+        </p:nvSpPr>
+        <p:spPr>
+          <a:xfrm>
+            <a:off x="572770" y="162878"/>
+            <a:ext cx="1781810" cy="398780"/>
+          </a:xfrm>
+          <a:prstGeom prst="rect">
+            <a:avLst/>
+          </a:prstGeom>
+        </p:spPr>
+        <p:txBody>
+          <a:bodyPr wrap="square" anchor="ctr">
+            <a:spAutoFit/>
+          </a:bodyPr>
+          <a:lstStyle/>
+          <a:p>
+            <a:pPr marL="0" marR="0" lvl="0" indent="0" defTabSz="914400" eaLnBrk="1" fontAlgn="auto" latinLnBrk="0" hangingPunct="1">
+              <a:lnSpc>
+                <a:spcPct val="100000"/>
+              </a:lnSpc>
+              <a:spcBef>
+                <a:spcPts val="0"/>
+              </a:spcBef>
+              <a:spcAft>
+                <a:spcPts val="0"/>
+              </a:spcAft>
+              <a:buClrTx/>
+              <a:buSzTx/>
+              <a:buFontTx/>
+              <a:buNone/>
+              <a:defRPr/>
+            </a:pPr>
+            <a:r>
+              <a:rPr lang="zh-CN" altLang="en-US" sz="2000" b="1" dirty="0">
+                <a:solidFill>
+                  <a:schemeClr val="tx1"/>
+                </a:solidFill>
+                <a:latin typeface="微软雅黑" panose="020B0503020204020204" pitchFamily="34" charset="-122"/>
+                <a:ea typeface="微软雅黑" panose="020B0503020204020204" pitchFamily="34" charset="-122"/>
+                <a:sym typeface="+mn-ea"/>
+              </a:rPr>
+              <a:t>优先级</a:t>
+            </a:r>
+            <a:endParaRPr lang="zh-CN" altLang="en-US" sz="2000" b="1" kern="0" noProof="0" dirty="0">
+              <a:ln>
+                <a:noFill/>
+              </a:ln>
+              <a:solidFill>
+                <a:schemeClr val="tx1"/>
+              </a:solidFill>
+              <a:effectLst/>
+              <a:uLnTx/>
+              <a:uFillTx/>
+              <a:latin typeface="微软雅黑" panose="020B0503020204020204" pitchFamily="34" charset="-122"/>
+              <a:ea typeface="微软雅黑" panose="020B0503020204020204" pitchFamily="34" charset="-122"/>
+              <a:cs typeface="微软雅黑" panose="020B0503020204020204" pitchFamily="34" charset="-122"/>
+              <a:sym typeface="+mn-ea"/>
+            </a:endParaRPr>
+          </a:p>
+        </p:txBody>
+      </p:sp>
+      <p:sp>
+        <p:nvSpPr>
+          <p:cNvPr id="16" name="矩形 15"/>
+          <p:cNvSpPr/>
+          <p:nvPr/>
+        </p:nvSpPr>
+        <p:spPr>
+          <a:xfrm>
+            <a:off x="2161550" y="208736"/>
+            <a:ext cx="1640193" cy="307777"/>
+          </a:xfrm>
+          <a:prstGeom prst="rect">
+            <a:avLst/>
+          </a:prstGeom>
+        </p:spPr>
+        <p:txBody>
+          <a:bodyPr wrap="none">
+            <a:spAutoFit/>
+          </a:bodyPr>
+          <a:lstStyle/>
+          <a:p>
+            <a:pPr marL="0" marR="0" lvl="0" indent="0" defTabSz="914400" eaLnBrk="1" fontAlgn="auto" latinLnBrk="0" hangingPunct="1">
+              <a:lnSpc>
+                <a:spcPct val="100000"/>
+              </a:lnSpc>
+              <a:spcBef>
+                <a:spcPts val="0"/>
+              </a:spcBef>
+              <a:spcAft>
+                <a:spcPts val="0"/>
+              </a:spcAft>
+              <a:buClrTx/>
+              <a:buSzTx/>
+              <a:buFontTx/>
+              <a:buNone/>
+              <a:defRPr/>
+            </a:pPr>
+            <a:r>
+              <a:rPr kumimoji="0" lang="en-US" altLang="zh-CN" sz="1400" b="0" i="0" u="none" strike="noStrike" kern="0" cap="none" spc="0" normalizeH="0" baseline="0" noProof="0" dirty="0">
+                <a:ln>
+                  <a:noFill/>
+                </a:ln>
+                <a:effectLst/>
+                <a:uLnTx/>
+                <a:uFillTx/>
+                <a:latin typeface="微软雅黑" panose="020B0503020204020204" pitchFamily="34" charset="-122"/>
+                <a:ea typeface="微软雅黑" panose="020B0503020204020204" pitchFamily="34" charset="-122"/>
+              </a:rPr>
+              <a:t> INTRODUCTION</a:t>
+            </a:r>
+            <a:endParaRPr kumimoji="1" lang="zh-CN" altLang="en-US" sz="1400" b="0" i="0" u="none" strike="noStrike" kern="0" cap="none" spc="0" normalizeH="0" baseline="0" noProof="0" dirty="0">
+              <a:ln>
+                <a:noFill/>
+              </a:ln>
+              <a:effectLst/>
+              <a:uLnTx/>
+              <a:uFillTx/>
+              <a:latin typeface="微软雅黑" panose="020B0503020204020204" pitchFamily="34" charset="-122"/>
+              <a:ea typeface="微软雅黑" panose="020B0503020204020204" pitchFamily="34" charset="-122"/>
+            </a:endParaRPr>
+          </a:p>
+        </p:txBody>
+      </p:sp>
+      <p:sp>
+        <p:nvSpPr>
+          <p:cNvPr id="13" name="矩形 12"/>
+          <p:cNvSpPr/>
+          <p:nvPr/>
+        </p:nvSpPr>
+        <p:spPr>
+          <a:xfrm>
+            <a:off x="169495" y="168076"/>
+            <a:ext cx="374850" cy="386556"/>
+          </a:xfrm>
+          <a:prstGeom prst="rect">
+            <a:avLst/>
+          </a:prstGeom>
+          <a:solidFill>
+            <a:schemeClr val="accent2"/>
+          </a:solidFill>
+          <a:ln>
+            <a:noFill/>
+          </a:ln>
+        </p:spPr>
+        <p:style>
+          <a:lnRef idx="2">
+            <a:schemeClr val="accent1">
+              <a:shade val="50000"/>
+            </a:schemeClr>
+          </a:lnRef>
+          <a:fillRef idx="1">
+            <a:schemeClr val="accent1"/>
+          </a:fillRef>
+          <a:effectRef idx="0">
+            <a:schemeClr val="accent1"/>
+          </a:effectRef>
+          <a:fontRef idx="minor">
+            <a:schemeClr val="lt1"/>
+          </a:fontRef>
+        </p:style>
+        <p:txBody>
+          <a:bodyPr rot="0" spcFirstLastPara="0" vertOverflow="overflow" horzOverflow="overflow" vert="horz" wrap="square" lIns="91440" tIns="45720" rIns="91440" bIns="45720" numCol="1" spcCol="0" rtlCol="0" fromWordArt="0" anchor="ctr" anchorCtr="0" forceAA="0" compatLnSpc="1">
+            <a:noAutofit/>
+          </a:bodyPr>
+          <a:lstStyle/>
+          <a:p>
+            <a:pPr algn="ctr"/>
+            <a:endParaRPr lang="zh-CN" altLang="en-US">
+              <a:solidFill>
+                <a:schemeClr val="tx1"/>
+              </a:solidFill>
+            </a:endParaRPr>
+          </a:p>
+        </p:txBody>
+      </p:sp>
+      <p:sp>
+        <p:nvSpPr>
+          <p:cNvPr id="14" name="矩形 13"/>
+          <p:cNvSpPr/>
+          <p:nvPr/>
+        </p:nvSpPr>
+        <p:spPr>
+          <a:xfrm>
+            <a:off x="-63500" y="161964"/>
+            <a:ext cx="866241" cy="398780"/>
+          </a:xfrm>
+          <a:prstGeom prst="rect">
+            <a:avLst/>
+          </a:prstGeom>
+        </p:spPr>
+        <p:txBody>
+          <a:bodyPr wrap="square" anchor="ctr">
+            <a:spAutoFit/>
+          </a:bodyPr>
+          <a:lstStyle/>
+          <a:p>
+            <a:pPr marL="0" marR="0" lvl="0" indent="0" algn="ctr" defTabSz="914400" eaLnBrk="1" fontAlgn="auto" latinLnBrk="0" hangingPunct="1">
+              <a:lnSpc>
+                <a:spcPct val="100000"/>
+              </a:lnSpc>
+              <a:spcBef>
+                <a:spcPts val="0"/>
+              </a:spcBef>
+              <a:spcAft>
+                <a:spcPts val="0"/>
+              </a:spcAft>
+              <a:buClrTx/>
+              <a:buSzTx/>
+              <a:buFontTx/>
+              <a:buNone/>
+              <a:defRPr/>
+            </a:pPr>
+            <a:r>
+              <a:rPr kumimoji="0" lang="en-US" altLang="zh-CN" sz="2000" b="0" i="0" u="none" strike="noStrike" kern="0" cap="none" spc="0" normalizeH="0" baseline="0" noProof="0" dirty="0" smtClean="0">
+                <a:ln>
+                  <a:noFill/>
+                </a:ln>
+                <a:solidFill>
+                  <a:schemeClr val="bg1"/>
+                </a:solidFill>
+                <a:effectLst/>
+                <a:uLnTx/>
+                <a:uFillTx/>
+                <a:latin typeface="微软雅黑" panose="020B0503020204020204" pitchFamily="34" charset="-122"/>
+                <a:ea typeface="微软雅黑" panose="020B0503020204020204" pitchFamily="34" charset="-122"/>
+                <a:cs typeface="微软雅黑" panose="020B0503020204020204" pitchFamily="34" charset="-122"/>
+              </a:rPr>
+              <a:t>03</a:t>
+            </a:r>
+            <a:endParaRPr kumimoji="0" lang="en-US" altLang="zh-CN" sz="2000" b="0" i="0" u="none" strike="noStrike" kern="0" cap="none" spc="0" normalizeH="0" baseline="0" noProof="0" dirty="0">
+              <a:ln>
+                <a:noFill/>
+              </a:ln>
+              <a:solidFill>
+                <a:schemeClr val="bg1"/>
+              </a:solidFill>
+              <a:effectLst/>
+              <a:uLnTx/>
+              <a:uFillTx/>
+              <a:latin typeface="微软雅黑" panose="020B0503020204020204" pitchFamily="34" charset="-122"/>
+              <a:ea typeface="微软雅黑" panose="020B0503020204020204" pitchFamily="34" charset="-122"/>
+              <a:cs typeface="微软雅黑" panose="020B0503020204020204" pitchFamily="34" charset="-122"/>
+            </a:endParaRPr>
+          </a:p>
+        </p:txBody>
+      </p:sp>
+      <p:cxnSp>
+        <p:nvCxnSpPr>
+          <p:cNvPr id="17" name="直接连接符 16"/>
+          <p:cNvCxnSpPr/>
+          <p:nvPr/>
+        </p:nvCxnSpPr>
+        <p:spPr>
+          <a:xfrm>
+            <a:off x="3801745" y="363259"/>
+            <a:ext cx="8496300" cy="0"/>
+          </a:xfrm>
+          <a:prstGeom prst="line">
+            <a:avLst/>
+          </a:prstGeom>
+          <a:ln>
+            <a:solidFill>
+              <a:schemeClr val="tx1"/>
+            </a:solidFill>
+          </a:ln>
+        </p:spPr>
+        <p:style>
+          <a:lnRef idx="1">
+            <a:schemeClr val="accent1"/>
+          </a:lnRef>
+          <a:fillRef idx="0">
+            <a:schemeClr val="accent1"/>
+          </a:fillRef>
+          <a:effectRef idx="0">
+            <a:schemeClr val="accent1"/>
+          </a:effectRef>
+          <a:fontRef idx="minor">
+            <a:schemeClr val="tx1"/>
+          </a:fontRef>
+        </p:style>
+      </p:cxnSp>
+      <p:cxnSp>
+        <p:nvCxnSpPr>
+          <p:cNvPr id="19" name="直接连接符 18"/>
+          <p:cNvCxnSpPr/>
+          <p:nvPr/>
+        </p:nvCxnSpPr>
+        <p:spPr>
+          <a:xfrm>
+            <a:off x="1775245" y="245877"/>
+            <a:ext cx="1021" cy="230955"/>
+          </a:xfrm>
+          <a:prstGeom prst="line">
+            <a:avLst/>
+          </a:prstGeom>
+          <a:ln w="12700" cap="rnd">
+            <a:solidFill>
+              <a:schemeClr val="tx1">
+                <a:alpha val="49000"/>
+              </a:schemeClr>
+            </a:solidFill>
+            <a:round/>
+            <a:tailEnd type="none" w="sm" len="sm"/>
+          </a:ln>
+        </p:spPr>
+        <p:style>
+          <a:lnRef idx="1">
+            <a:schemeClr val="accent1"/>
+          </a:lnRef>
+          <a:fillRef idx="0">
+            <a:schemeClr val="accent1"/>
+          </a:fillRef>
+          <a:effectRef idx="0">
+            <a:schemeClr val="accent1"/>
+          </a:effectRef>
+          <a:fontRef idx="minor">
+            <a:schemeClr val="tx1"/>
+          </a:fontRef>
+        </p:style>
+      </p:cxnSp>
+      <p:pic>
+        <p:nvPicPr>
+          <p:cNvPr id="3" name="图片 2" descr="小组logo"/>
+          <p:cNvPicPr>
+            <a:picLocks noChangeAspect="1"/>
+          </p:cNvPicPr>
+          <p:nvPr/>
+        </p:nvPicPr>
+        <p:blipFill>
+          <a:blip r:embed="rId1"/>
+          <a:stretch>
+            <a:fillRect/>
+          </a:stretch>
+        </p:blipFill>
+        <p:spPr>
+          <a:xfrm>
+            <a:off x="10318750" y="-190500"/>
+            <a:ext cx="2104390" cy="2104390"/>
+          </a:xfrm>
+          <a:prstGeom prst="rect">
+            <a:avLst/>
+          </a:prstGeom>
+        </p:spPr>
+      </p:pic>
       <p:pic>
         <p:nvPicPr>
           <p:cNvPr id="4" name="图片 3"/>
@@ -3390,7 +3806,7 @@
 </p:sld>
 </file>
 
-<file path=ppt/slides/slide14.xml><?xml version="1.0" encoding="utf-8"?>
+<file path=ppt/slides/slide15.xml><?xml version="1.0" encoding="utf-8"?>
 <p:sld xmlns:a="http://schemas.openxmlformats.org/drawingml/2006/main" xmlns:r="http://schemas.openxmlformats.org/officeDocument/2006/relationships" xmlns:p="http://schemas.openxmlformats.org/presentationml/2006/main">
   <p:cSld>
     <p:spTree>
@@ -3772,7 +4188,7 @@
 </p:sld>
 </file>
 
-<file path=ppt/slides/slide15.xml><?xml version="1.0" encoding="utf-8"?>
+<file path=ppt/slides/slide16.xml><?xml version="1.0" encoding="utf-8"?>
 <p:sld xmlns:a="http://schemas.openxmlformats.org/drawingml/2006/main" xmlns:r="http://schemas.openxmlformats.org/officeDocument/2006/relationships" xmlns:p="http://schemas.openxmlformats.org/presentationml/2006/main">
   <p:cSld>
     <p:spTree>
@@ -4099,7 +4515,7 @@
           <a:p>
             <a:r>
               <a:rPr lang="zh-CN" altLang="en-US"/>
-              <a:t>变更与需求基线冲突</a:t>
+              <a:t>变更与需求基线是否冲突</a:t>
             </a:r>
             <a:endParaRPr lang="zh-CN" altLang="en-US"/>
           </a:p>
@@ -4278,7 +4694,7 @@
 </p:sld>
 </file>
 
-<file path=ppt/slides/slide16.xml><?xml version="1.0" encoding="utf-8"?>
+<file path=ppt/slides/slide17.xml><?xml version="1.0" encoding="utf-8"?>
 <p:sld xmlns:a="http://schemas.openxmlformats.org/drawingml/2006/main" xmlns:r="http://schemas.openxmlformats.org/officeDocument/2006/relationships" xmlns:p="http://schemas.openxmlformats.org/presentationml/2006/main">
   <p:cSld>
     <p:spTree>
@@ -4645,7 +5061,7 @@
 </p:sld>
 </file>
 
-<file path=ppt/slides/slide17.xml><?xml version="1.0" encoding="utf-8"?>
+<file path=ppt/slides/slide18.xml><?xml version="1.0" encoding="utf-8"?>
 <p:sld xmlns:a="http://schemas.openxmlformats.org/drawingml/2006/main" xmlns:r="http://schemas.openxmlformats.org/officeDocument/2006/relationships" xmlns:p="http://schemas.openxmlformats.org/presentationml/2006/main">
   <p:cSld>
     <p:spTree>
@@ -4988,7 +5404,7 @@
 </p:sld>
 </file>
 
-<file path=ppt/slides/slide18.xml><?xml version="1.0" encoding="utf-8"?>
+<file path=ppt/slides/slide19.xml><?xml version="1.0" encoding="utf-8"?>
 <p:sld xmlns:a="http://schemas.openxmlformats.org/drawingml/2006/main" xmlns:r="http://schemas.openxmlformats.org/officeDocument/2006/relationships" xmlns:p="http://schemas.openxmlformats.org/presentationml/2006/main">
   <p:cSld>
     <p:spTree>
@@ -5340,496 +5756,6 @@
           </a:prstGeom>
         </p:spPr>
       </p:pic>
-    </p:spTree>
-  </p:cSld>
-  <p:clrMapOvr>
-    <a:masterClrMapping/>
-  </p:clrMapOvr>
-  <p:timing>
-    <p:tnLst>
-      <p:par>
-        <p:cTn id="1" dur="indefinite" restart="never" nodeType="tmRoot"/>
-      </p:par>
-    </p:tnLst>
-  </p:timing>
-</p:sld>
-</file>
-
-<file path=ppt/slides/slide19.xml><?xml version="1.0" encoding="utf-8"?>
-<p:sld xmlns:a="http://schemas.openxmlformats.org/drawingml/2006/main" xmlns:r="http://schemas.openxmlformats.org/officeDocument/2006/relationships" xmlns:p="http://schemas.openxmlformats.org/presentationml/2006/main">
-  <p:cSld>
-    <p:spTree>
-      <p:nvGrpSpPr>
-        <p:cNvPr id="1" name=""/>
-        <p:cNvGrpSpPr/>
-        <p:nvPr/>
-      </p:nvGrpSpPr>
-      <p:grpSpPr>
-        <a:xfrm>
-          <a:off x="0" y="0"/>
-          <a:ext cx="0" cy="0"/>
-          <a:chOff x="0" y="0"/>
-          <a:chExt cx="0" cy="0"/>
-        </a:xfrm>
-      </p:grpSpPr>
-      <p:sp>
-        <p:nvSpPr>
-          <p:cNvPr id="15" name="矩形 14"/>
-          <p:cNvSpPr/>
-          <p:nvPr/>
-        </p:nvSpPr>
-        <p:spPr>
-          <a:xfrm>
-            <a:off x="572770" y="162878"/>
-            <a:ext cx="2470150" cy="398780"/>
-          </a:xfrm>
-          <a:prstGeom prst="rect">
-            <a:avLst/>
-          </a:prstGeom>
-        </p:spPr>
-        <p:txBody>
-          <a:bodyPr wrap="square" anchor="ctr">
-            <a:spAutoFit/>
-          </a:bodyPr>
-          <a:lstStyle/>
-          <a:p>
-            <a:pPr marL="0" marR="0" lvl="0" indent="0" defTabSz="914400" eaLnBrk="1" fontAlgn="auto" latinLnBrk="0" hangingPunct="1">
-              <a:lnSpc>
-                <a:spcPct val="100000"/>
-              </a:lnSpc>
-              <a:spcBef>
-                <a:spcPts val="0"/>
-              </a:spcBef>
-              <a:spcAft>
-                <a:spcPts val="0"/>
-              </a:spcAft>
-              <a:buClrTx/>
-              <a:buSzTx/>
-              <a:buFontTx/>
-              <a:buNone/>
-              <a:defRPr/>
-            </a:pPr>
-            <a:r>
-              <a:rPr lang="zh-CN" altLang="en-US" sz="2000" kern="0" noProof="0" dirty="0">
-                <a:ln>
-                  <a:noFill/>
-                </a:ln>
-                <a:effectLst/>
-                <a:uLnTx/>
-                <a:uFillTx/>
-                <a:latin typeface="微软雅黑" panose="020B0503020204020204" pitchFamily="34" charset="-122"/>
-                <a:ea typeface="微软雅黑" panose="020B0503020204020204" pitchFamily="34" charset="-122"/>
-                <a:cs typeface="微软雅黑" panose="020B0503020204020204" pitchFamily="34" charset="-122"/>
-                <a:sym typeface="+mn-ea"/>
-              </a:rPr>
-              <a:t>需求变更影响</a:t>
-            </a:r>
-            <a:endParaRPr lang="zh-CN" altLang="en-US" sz="2000" kern="0" noProof="0" dirty="0">
-              <a:ln>
-                <a:noFill/>
-              </a:ln>
-              <a:effectLst/>
-              <a:uLnTx/>
-              <a:uFillTx/>
-              <a:latin typeface="微软雅黑" panose="020B0503020204020204" pitchFamily="34" charset="-122"/>
-              <a:ea typeface="微软雅黑" panose="020B0503020204020204" pitchFamily="34" charset="-122"/>
-              <a:cs typeface="微软雅黑" panose="020B0503020204020204" pitchFamily="34" charset="-122"/>
-              <a:sym typeface="+mn-ea"/>
-            </a:endParaRPr>
-          </a:p>
-        </p:txBody>
-      </p:sp>
-      <p:sp>
-        <p:nvSpPr>
-          <p:cNvPr id="13" name="矩形 12"/>
-          <p:cNvSpPr/>
-          <p:nvPr/>
-        </p:nvSpPr>
-        <p:spPr>
-          <a:xfrm>
-            <a:off x="169495" y="168076"/>
-            <a:ext cx="374850" cy="386556"/>
-          </a:xfrm>
-          <a:prstGeom prst="rect">
-            <a:avLst/>
-          </a:prstGeom>
-          <a:solidFill>
-            <a:schemeClr val="accent2"/>
-          </a:solidFill>
-          <a:ln>
-            <a:noFill/>
-          </a:ln>
-        </p:spPr>
-        <p:style>
-          <a:lnRef idx="2">
-            <a:schemeClr val="accent1">
-              <a:shade val="50000"/>
-            </a:schemeClr>
-          </a:lnRef>
-          <a:fillRef idx="1">
-            <a:schemeClr val="accent1"/>
-          </a:fillRef>
-          <a:effectRef idx="0">
-            <a:schemeClr val="accent1"/>
-          </a:effectRef>
-          <a:fontRef idx="minor">
-            <a:schemeClr val="lt1"/>
-          </a:fontRef>
-        </p:style>
-        <p:txBody>
-          <a:bodyPr rot="0" spcFirstLastPara="0" vertOverflow="overflow" horzOverflow="overflow" vert="horz" wrap="square" lIns="91440" tIns="45720" rIns="91440" bIns="45720" numCol="1" spcCol="0" rtlCol="0" fromWordArt="0" anchor="ctr" anchorCtr="0" forceAA="0" compatLnSpc="1">
-            <a:noAutofit/>
-          </a:bodyPr>
-          <a:lstStyle/>
-          <a:p>
-            <a:pPr algn="ctr"/>
-            <a:endParaRPr lang="zh-CN" altLang="en-US">
-              <a:solidFill>
-                <a:schemeClr val="tx1"/>
-              </a:solidFill>
-            </a:endParaRPr>
-          </a:p>
-        </p:txBody>
-      </p:sp>
-      <p:sp>
-        <p:nvSpPr>
-          <p:cNvPr id="14" name="矩形 13"/>
-          <p:cNvSpPr/>
-          <p:nvPr/>
-        </p:nvSpPr>
-        <p:spPr>
-          <a:xfrm>
-            <a:off x="-76200" y="161964"/>
-            <a:ext cx="866241" cy="398780"/>
-          </a:xfrm>
-          <a:prstGeom prst="rect">
-            <a:avLst/>
-          </a:prstGeom>
-        </p:spPr>
-        <p:txBody>
-          <a:bodyPr wrap="square" anchor="ctr">
-            <a:spAutoFit/>
-          </a:bodyPr>
-          <a:lstStyle/>
-          <a:p>
-            <a:pPr marL="0" marR="0" lvl="0" indent="0" algn="ctr" defTabSz="914400" eaLnBrk="1" fontAlgn="auto" latinLnBrk="0" hangingPunct="1">
-              <a:lnSpc>
-                <a:spcPct val="100000"/>
-              </a:lnSpc>
-              <a:spcBef>
-                <a:spcPts val="0"/>
-              </a:spcBef>
-              <a:spcAft>
-                <a:spcPts val="0"/>
-              </a:spcAft>
-              <a:buClrTx/>
-              <a:buSzTx/>
-              <a:buFontTx/>
-              <a:buNone/>
-              <a:defRPr/>
-            </a:pPr>
-            <a:r>
-              <a:rPr kumimoji="0" lang="en-US" altLang="zh-CN" sz="2000" b="0" i="0" u="none" strike="noStrike" kern="0" cap="none" spc="0" normalizeH="0" baseline="0" noProof="0" dirty="0" smtClean="0">
-                <a:ln>
-                  <a:noFill/>
-                </a:ln>
-                <a:solidFill>
-                  <a:schemeClr val="bg1"/>
-                </a:solidFill>
-                <a:effectLst/>
-                <a:uLnTx/>
-                <a:uFillTx/>
-                <a:latin typeface="微软雅黑" panose="020B0503020204020204" pitchFamily="34" charset="-122"/>
-                <a:ea typeface="微软雅黑" panose="020B0503020204020204" pitchFamily="34" charset="-122"/>
-                <a:cs typeface="微软雅黑" panose="020B0503020204020204" pitchFamily="34" charset="-122"/>
-              </a:rPr>
-              <a:t>06</a:t>
-            </a:r>
-            <a:endParaRPr kumimoji="0" lang="en-US" altLang="zh-CN" sz="2000" b="0" i="0" u="none" strike="noStrike" kern="0" cap="none" spc="0" normalizeH="0" baseline="0" noProof="0" dirty="0">
-              <a:ln>
-                <a:noFill/>
-              </a:ln>
-              <a:solidFill>
-                <a:schemeClr val="bg1"/>
-              </a:solidFill>
-              <a:effectLst/>
-              <a:uLnTx/>
-              <a:uFillTx/>
-              <a:latin typeface="微软雅黑" panose="020B0503020204020204" pitchFamily="34" charset="-122"/>
-              <a:ea typeface="微软雅黑" panose="020B0503020204020204" pitchFamily="34" charset="-122"/>
-              <a:cs typeface="微软雅黑" panose="020B0503020204020204" pitchFamily="34" charset="-122"/>
-            </a:endParaRPr>
-          </a:p>
-        </p:txBody>
-      </p:sp>
-      <p:cxnSp>
-        <p:nvCxnSpPr>
-          <p:cNvPr id="17" name="直接连接符 16"/>
-          <p:cNvCxnSpPr/>
-          <p:nvPr/>
-        </p:nvCxnSpPr>
-        <p:spPr>
-          <a:xfrm>
-            <a:off x="3801745" y="363259"/>
-            <a:ext cx="8496300" cy="0"/>
-          </a:xfrm>
-          <a:prstGeom prst="line">
-            <a:avLst/>
-          </a:prstGeom>
-          <a:ln>
-            <a:solidFill>
-              <a:schemeClr val="tx1"/>
-            </a:solidFill>
-          </a:ln>
-        </p:spPr>
-        <p:style>
-          <a:lnRef idx="1">
-            <a:schemeClr val="accent1"/>
-          </a:lnRef>
-          <a:fillRef idx="0">
-            <a:schemeClr val="accent1"/>
-          </a:fillRef>
-          <a:effectRef idx="0">
-            <a:schemeClr val="accent1"/>
-          </a:effectRef>
-          <a:fontRef idx="minor">
-            <a:schemeClr val="tx1"/>
-          </a:fontRef>
-        </p:style>
-      </p:cxnSp>
-      <p:cxnSp>
-        <p:nvCxnSpPr>
-          <p:cNvPr id="19" name="直接连接符 18"/>
-          <p:cNvCxnSpPr/>
-          <p:nvPr/>
-        </p:nvCxnSpPr>
-        <p:spPr>
-          <a:xfrm>
-            <a:off x="1775245" y="245877"/>
-            <a:ext cx="1021" cy="230955"/>
-          </a:xfrm>
-          <a:prstGeom prst="line">
-            <a:avLst/>
-          </a:prstGeom>
-          <a:ln w="12700" cap="rnd">
-            <a:solidFill>
-              <a:schemeClr val="tx1">
-                <a:alpha val="49000"/>
-              </a:schemeClr>
-            </a:solidFill>
-            <a:round/>
-            <a:tailEnd type="none" w="sm" len="sm"/>
-          </a:ln>
-        </p:spPr>
-        <p:style>
-          <a:lnRef idx="1">
-            <a:schemeClr val="accent1"/>
-          </a:lnRef>
-          <a:fillRef idx="0">
-            <a:schemeClr val="accent1"/>
-          </a:fillRef>
-          <a:effectRef idx="0">
-            <a:schemeClr val="accent1"/>
-          </a:effectRef>
-          <a:fontRef idx="minor">
-            <a:schemeClr val="tx1"/>
-          </a:fontRef>
-        </p:style>
-      </p:cxnSp>
-      <p:pic>
-        <p:nvPicPr>
-          <p:cNvPr id="3" name="图片 2" descr="小组logo"/>
-          <p:cNvPicPr>
-            <a:picLocks noChangeAspect="1"/>
-          </p:cNvPicPr>
-          <p:nvPr/>
-        </p:nvPicPr>
-        <p:blipFill>
-          <a:blip r:embed="rId1"/>
-          <a:stretch>
-            <a:fillRect/>
-          </a:stretch>
-        </p:blipFill>
-        <p:spPr>
-          <a:xfrm>
-            <a:off x="10318750" y="-190500"/>
-            <a:ext cx="2104390" cy="2104390"/>
-          </a:xfrm>
-          <a:prstGeom prst="rect">
-            <a:avLst/>
-          </a:prstGeom>
-        </p:spPr>
-      </p:pic>
-      <p:sp>
-        <p:nvSpPr>
-          <p:cNvPr id="4" name="文本框 3"/>
-          <p:cNvSpPr txBox="1"/>
-          <p:nvPr/>
-        </p:nvSpPr>
-        <p:spPr>
-          <a:xfrm>
-            <a:off x="2932430" y="5924550"/>
-            <a:ext cx="5409565" cy="460375"/>
-          </a:xfrm>
-          <a:prstGeom prst="rect">
-            <a:avLst/>
-          </a:prstGeom>
-          <a:noFill/>
-        </p:spPr>
-        <p:txBody>
-          <a:bodyPr wrap="square" rtlCol="0">
-            <a:spAutoFit/>
-          </a:bodyPr>
-          <a:p>
-            <a:r>
-              <a:rPr lang="zh-CN" altLang="en-US" sz="2400"/>
-              <a:t>详见</a:t>
-            </a:r>
-            <a:r>
-              <a:rPr lang="en-US" altLang="zh-CN" sz="2400"/>
-              <a:t>:</a:t>
-            </a:r>
-            <a:r>
-              <a:rPr lang="en-US" altLang="zh-CN" sz="2400">
-                <a:hlinkClick r:id="rId2" action="ppaction://hlinkfile"/>
-              </a:rPr>
-              <a:t>PRD2017-G2-</a:t>
-            </a:r>
-            <a:r>
-              <a:rPr lang="zh-CN" altLang="en-US" sz="2400">
-                <a:hlinkClick r:id="rId2" action="ppaction://hlinkfile"/>
-              </a:rPr>
-              <a:t>需求变更影响分析</a:t>
-            </a:r>
-            <a:endParaRPr lang="en-US" altLang="zh-CN" sz="2400"/>
-          </a:p>
-        </p:txBody>
-      </p:sp>
-      <p:pic>
-        <p:nvPicPr>
-          <p:cNvPr id="6" name="图片 5"/>
-          <p:cNvPicPr>
-            <a:picLocks noChangeAspect="1"/>
-          </p:cNvPicPr>
-          <p:nvPr/>
-        </p:nvPicPr>
-        <p:blipFill>
-          <a:blip r:embed="rId3"/>
-          <a:stretch>
-            <a:fillRect/>
-          </a:stretch>
-        </p:blipFill>
-        <p:spPr>
-          <a:xfrm>
-            <a:off x="789940" y="1648460"/>
-            <a:ext cx="6317615" cy="3818255"/>
-          </a:xfrm>
-          <a:prstGeom prst="rect">
-            <a:avLst/>
-          </a:prstGeom>
-        </p:spPr>
-      </p:pic>
-      <p:sp>
-        <p:nvSpPr>
-          <p:cNvPr id="7" name="文本框 6"/>
-          <p:cNvSpPr txBox="1"/>
-          <p:nvPr/>
-        </p:nvSpPr>
-        <p:spPr>
-          <a:xfrm>
-            <a:off x="806450" y="1163955"/>
-            <a:ext cx="2002790" cy="368300"/>
-          </a:xfrm>
-          <a:prstGeom prst="rect">
-            <a:avLst/>
-          </a:prstGeom>
-          <a:noFill/>
-        </p:spPr>
-        <p:txBody>
-          <a:bodyPr wrap="square" rtlCol="0">
-            <a:spAutoFit/>
-          </a:bodyPr>
-          <a:p>
-            <a:r>
-              <a:rPr lang="zh-CN" altLang="en-US"/>
-              <a:t>影响工作量分析</a:t>
-            </a:r>
-            <a:endParaRPr lang="zh-CN" altLang="en-US"/>
-          </a:p>
-        </p:txBody>
-      </p:sp>
-      <p:sp>
-        <p:nvSpPr>
-          <p:cNvPr id="100" name="文本框 99"/>
-          <p:cNvSpPr txBox="1"/>
-          <p:nvPr/>
-        </p:nvSpPr>
-        <p:spPr>
-          <a:xfrm>
-            <a:off x="7423150" y="2773045"/>
-            <a:ext cx="4053205" cy="1568450"/>
-          </a:xfrm>
-          <a:prstGeom prst="rect">
-            <a:avLst/>
-          </a:prstGeom>
-          <a:noFill/>
-          <a:ln w="9525">
-            <a:noFill/>
-          </a:ln>
-        </p:spPr>
-        <p:txBody>
-          <a:bodyPr wrap="square">
-            <a:spAutoFit/>
-          </a:bodyPr>
-          <a:p>
-            <a:pPr indent="0"/>
-            <a:r>
-              <a:rPr lang="zh-CN" altLang="en-US" sz="2400" b="0">
-                <a:latin typeface="宋体" panose="02010600030101010101" pitchFamily="2" charset="-122"/>
-                <a:ea typeface="宋体" panose="02010600030101010101" pitchFamily="2" charset="-122"/>
-                <a:cs typeface="宋体" panose="02010600030101010101" pitchFamily="2" charset="-122"/>
-              </a:rPr>
-              <a:t>原计划中需求变更的工作量为</a:t>
-            </a:r>
-            <a:r>
-              <a:rPr lang="en-US" altLang="zh-CN" sz="2400" b="0">
-                <a:latin typeface="宋体" panose="02010600030101010101" pitchFamily="2" charset="-122"/>
-                <a:ea typeface="宋体" panose="02010600030101010101" pitchFamily="2" charset="-122"/>
-                <a:cs typeface="宋体" panose="02010600030101010101" pitchFamily="2" charset="-122"/>
-              </a:rPr>
-              <a:t>10</a:t>
-            </a:r>
-            <a:r>
-              <a:rPr lang="zh-CN" altLang="en-US" sz="2400" b="0">
-                <a:latin typeface="宋体" panose="02010600030101010101" pitchFamily="2" charset="-122"/>
-                <a:ea typeface="宋体" panose="02010600030101010101" pitchFamily="2" charset="-122"/>
-                <a:cs typeface="宋体" panose="02010600030101010101" pitchFamily="2" charset="-122"/>
-              </a:rPr>
-              <a:t>小时，此变更影响的工作量为</a:t>
-            </a:r>
-            <a:r>
-              <a:rPr lang="en-US" altLang="zh-CN" sz="2400" b="0">
-                <a:latin typeface="Calibri" panose="020F0502020204030204" charset="0"/>
-                <a:cs typeface="Calibri" panose="020F0502020204030204" charset="0"/>
-              </a:rPr>
-              <a:t>8</a:t>
-            </a:r>
-            <a:r>
-              <a:rPr lang="zh-CN" altLang="en-US" sz="2400" b="0">
-                <a:latin typeface="宋体" panose="02010600030101010101" pitchFamily="2" charset="-122"/>
-                <a:ea typeface="宋体" panose="02010600030101010101" pitchFamily="2" charset="-122"/>
-                <a:cs typeface="宋体" panose="02010600030101010101" pitchFamily="2" charset="-122"/>
-              </a:rPr>
-              <a:t>小时，未超出我们预计的时间，所以接受变更。</a:t>
-            </a:r>
-            <a:endParaRPr lang="zh-CN" altLang="en-US" sz="2400" b="0">
-              <a:latin typeface="宋体" panose="02010600030101010101" pitchFamily="2" charset="-122"/>
-              <a:ea typeface="宋体" panose="02010600030101010101" pitchFamily="2" charset="-122"/>
-              <a:cs typeface="宋体" panose="02010600030101010101" pitchFamily="2" charset="-122"/>
-            </a:endParaRPr>
-          </a:p>
-        </p:txBody>
-      </p:sp>
     </p:spTree>
   </p:cSld>
   <p:clrMapOvr>
@@ -7921,6 +7847,496 @@
           <a:chExt cx="0" cy="0"/>
         </a:xfrm>
       </p:grpSpPr>
+      <p:sp>
+        <p:nvSpPr>
+          <p:cNvPr id="15" name="矩形 14"/>
+          <p:cNvSpPr/>
+          <p:nvPr/>
+        </p:nvSpPr>
+        <p:spPr>
+          <a:xfrm>
+            <a:off x="572770" y="162878"/>
+            <a:ext cx="2470150" cy="398780"/>
+          </a:xfrm>
+          <a:prstGeom prst="rect">
+            <a:avLst/>
+          </a:prstGeom>
+        </p:spPr>
+        <p:txBody>
+          <a:bodyPr wrap="square" anchor="ctr">
+            <a:spAutoFit/>
+          </a:bodyPr>
+          <a:lstStyle/>
+          <a:p>
+            <a:pPr marL="0" marR="0" lvl="0" indent="0" defTabSz="914400" eaLnBrk="1" fontAlgn="auto" latinLnBrk="0" hangingPunct="1">
+              <a:lnSpc>
+                <a:spcPct val="100000"/>
+              </a:lnSpc>
+              <a:spcBef>
+                <a:spcPts val="0"/>
+              </a:spcBef>
+              <a:spcAft>
+                <a:spcPts val="0"/>
+              </a:spcAft>
+              <a:buClrTx/>
+              <a:buSzTx/>
+              <a:buFontTx/>
+              <a:buNone/>
+              <a:defRPr/>
+            </a:pPr>
+            <a:r>
+              <a:rPr lang="zh-CN" altLang="en-US" sz="2000" kern="0" noProof="0" dirty="0">
+                <a:ln>
+                  <a:noFill/>
+                </a:ln>
+                <a:effectLst/>
+                <a:uLnTx/>
+                <a:uFillTx/>
+                <a:latin typeface="微软雅黑" panose="020B0503020204020204" pitchFamily="34" charset="-122"/>
+                <a:ea typeface="微软雅黑" panose="020B0503020204020204" pitchFamily="34" charset="-122"/>
+                <a:cs typeface="微软雅黑" panose="020B0503020204020204" pitchFamily="34" charset="-122"/>
+                <a:sym typeface="+mn-ea"/>
+              </a:rPr>
+              <a:t>需求变更影响</a:t>
+            </a:r>
+            <a:endParaRPr lang="zh-CN" altLang="en-US" sz="2000" kern="0" noProof="0" dirty="0">
+              <a:ln>
+                <a:noFill/>
+              </a:ln>
+              <a:effectLst/>
+              <a:uLnTx/>
+              <a:uFillTx/>
+              <a:latin typeface="微软雅黑" panose="020B0503020204020204" pitchFamily="34" charset="-122"/>
+              <a:ea typeface="微软雅黑" panose="020B0503020204020204" pitchFamily="34" charset="-122"/>
+              <a:cs typeface="微软雅黑" panose="020B0503020204020204" pitchFamily="34" charset="-122"/>
+              <a:sym typeface="+mn-ea"/>
+            </a:endParaRPr>
+          </a:p>
+        </p:txBody>
+      </p:sp>
+      <p:sp>
+        <p:nvSpPr>
+          <p:cNvPr id="13" name="矩形 12"/>
+          <p:cNvSpPr/>
+          <p:nvPr/>
+        </p:nvSpPr>
+        <p:spPr>
+          <a:xfrm>
+            <a:off x="169495" y="168076"/>
+            <a:ext cx="374850" cy="386556"/>
+          </a:xfrm>
+          <a:prstGeom prst="rect">
+            <a:avLst/>
+          </a:prstGeom>
+          <a:solidFill>
+            <a:schemeClr val="accent2"/>
+          </a:solidFill>
+          <a:ln>
+            <a:noFill/>
+          </a:ln>
+        </p:spPr>
+        <p:style>
+          <a:lnRef idx="2">
+            <a:schemeClr val="accent1">
+              <a:shade val="50000"/>
+            </a:schemeClr>
+          </a:lnRef>
+          <a:fillRef idx="1">
+            <a:schemeClr val="accent1"/>
+          </a:fillRef>
+          <a:effectRef idx="0">
+            <a:schemeClr val="accent1"/>
+          </a:effectRef>
+          <a:fontRef idx="minor">
+            <a:schemeClr val="lt1"/>
+          </a:fontRef>
+        </p:style>
+        <p:txBody>
+          <a:bodyPr rot="0" spcFirstLastPara="0" vertOverflow="overflow" horzOverflow="overflow" vert="horz" wrap="square" lIns="91440" tIns="45720" rIns="91440" bIns="45720" numCol="1" spcCol="0" rtlCol="0" fromWordArt="0" anchor="ctr" anchorCtr="0" forceAA="0" compatLnSpc="1">
+            <a:noAutofit/>
+          </a:bodyPr>
+          <a:lstStyle/>
+          <a:p>
+            <a:pPr algn="ctr"/>
+            <a:endParaRPr lang="zh-CN" altLang="en-US">
+              <a:solidFill>
+                <a:schemeClr val="tx1"/>
+              </a:solidFill>
+            </a:endParaRPr>
+          </a:p>
+        </p:txBody>
+      </p:sp>
+      <p:sp>
+        <p:nvSpPr>
+          <p:cNvPr id="14" name="矩形 13"/>
+          <p:cNvSpPr/>
+          <p:nvPr/>
+        </p:nvSpPr>
+        <p:spPr>
+          <a:xfrm>
+            <a:off x="-76200" y="161964"/>
+            <a:ext cx="866241" cy="398780"/>
+          </a:xfrm>
+          <a:prstGeom prst="rect">
+            <a:avLst/>
+          </a:prstGeom>
+        </p:spPr>
+        <p:txBody>
+          <a:bodyPr wrap="square" anchor="ctr">
+            <a:spAutoFit/>
+          </a:bodyPr>
+          <a:lstStyle/>
+          <a:p>
+            <a:pPr marL="0" marR="0" lvl="0" indent="0" algn="ctr" defTabSz="914400" eaLnBrk="1" fontAlgn="auto" latinLnBrk="0" hangingPunct="1">
+              <a:lnSpc>
+                <a:spcPct val="100000"/>
+              </a:lnSpc>
+              <a:spcBef>
+                <a:spcPts val="0"/>
+              </a:spcBef>
+              <a:spcAft>
+                <a:spcPts val="0"/>
+              </a:spcAft>
+              <a:buClrTx/>
+              <a:buSzTx/>
+              <a:buFontTx/>
+              <a:buNone/>
+              <a:defRPr/>
+            </a:pPr>
+            <a:r>
+              <a:rPr kumimoji="0" lang="en-US" altLang="zh-CN" sz="2000" b="0" i="0" u="none" strike="noStrike" kern="0" cap="none" spc="0" normalizeH="0" baseline="0" noProof="0" dirty="0" smtClean="0">
+                <a:ln>
+                  <a:noFill/>
+                </a:ln>
+                <a:solidFill>
+                  <a:schemeClr val="bg1"/>
+                </a:solidFill>
+                <a:effectLst/>
+                <a:uLnTx/>
+                <a:uFillTx/>
+                <a:latin typeface="微软雅黑" panose="020B0503020204020204" pitchFamily="34" charset="-122"/>
+                <a:ea typeface="微软雅黑" panose="020B0503020204020204" pitchFamily="34" charset="-122"/>
+                <a:cs typeface="微软雅黑" panose="020B0503020204020204" pitchFamily="34" charset="-122"/>
+              </a:rPr>
+              <a:t>06</a:t>
+            </a:r>
+            <a:endParaRPr kumimoji="0" lang="en-US" altLang="zh-CN" sz="2000" b="0" i="0" u="none" strike="noStrike" kern="0" cap="none" spc="0" normalizeH="0" baseline="0" noProof="0" dirty="0">
+              <a:ln>
+                <a:noFill/>
+              </a:ln>
+              <a:solidFill>
+                <a:schemeClr val="bg1"/>
+              </a:solidFill>
+              <a:effectLst/>
+              <a:uLnTx/>
+              <a:uFillTx/>
+              <a:latin typeface="微软雅黑" panose="020B0503020204020204" pitchFamily="34" charset="-122"/>
+              <a:ea typeface="微软雅黑" panose="020B0503020204020204" pitchFamily="34" charset="-122"/>
+              <a:cs typeface="微软雅黑" panose="020B0503020204020204" pitchFamily="34" charset="-122"/>
+            </a:endParaRPr>
+          </a:p>
+        </p:txBody>
+      </p:sp>
+      <p:cxnSp>
+        <p:nvCxnSpPr>
+          <p:cNvPr id="17" name="直接连接符 16"/>
+          <p:cNvCxnSpPr/>
+          <p:nvPr/>
+        </p:nvCxnSpPr>
+        <p:spPr>
+          <a:xfrm>
+            <a:off x="3801745" y="363259"/>
+            <a:ext cx="8496300" cy="0"/>
+          </a:xfrm>
+          <a:prstGeom prst="line">
+            <a:avLst/>
+          </a:prstGeom>
+          <a:ln>
+            <a:solidFill>
+              <a:schemeClr val="tx1"/>
+            </a:solidFill>
+          </a:ln>
+        </p:spPr>
+        <p:style>
+          <a:lnRef idx="1">
+            <a:schemeClr val="accent1"/>
+          </a:lnRef>
+          <a:fillRef idx="0">
+            <a:schemeClr val="accent1"/>
+          </a:fillRef>
+          <a:effectRef idx="0">
+            <a:schemeClr val="accent1"/>
+          </a:effectRef>
+          <a:fontRef idx="minor">
+            <a:schemeClr val="tx1"/>
+          </a:fontRef>
+        </p:style>
+      </p:cxnSp>
+      <p:cxnSp>
+        <p:nvCxnSpPr>
+          <p:cNvPr id="19" name="直接连接符 18"/>
+          <p:cNvCxnSpPr/>
+          <p:nvPr/>
+        </p:nvCxnSpPr>
+        <p:spPr>
+          <a:xfrm>
+            <a:off x="1775245" y="245877"/>
+            <a:ext cx="1021" cy="230955"/>
+          </a:xfrm>
+          <a:prstGeom prst="line">
+            <a:avLst/>
+          </a:prstGeom>
+          <a:ln w="12700" cap="rnd">
+            <a:solidFill>
+              <a:schemeClr val="tx1">
+                <a:alpha val="49000"/>
+              </a:schemeClr>
+            </a:solidFill>
+            <a:round/>
+            <a:tailEnd type="none" w="sm" len="sm"/>
+          </a:ln>
+        </p:spPr>
+        <p:style>
+          <a:lnRef idx="1">
+            <a:schemeClr val="accent1"/>
+          </a:lnRef>
+          <a:fillRef idx="0">
+            <a:schemeClr val="accent1"/>
+          </a:fillRef>
+          <a:effectRef idx="0">
+            <a:schemeClr val="accent1"/>
+          </a:effectRef>
+          <a:fontRef idx="minor">
+            <a:schemeClr val="tx1"/>
+          </a:fontRef>
+        </p:style>
+      </p:cxnSp>
+      <p:pic>
+        <p:nvPicPr>
+          <p:cNvPr id="3" name="图片 2" descr="小组logo"/>
+          <p:cNvPicPr>
+            <a:picLocks noChangeAspect="1"/>
+          </p:cNvPicPr>
+          <p:nvPr/>
+        </p:nvPicPr>
+        <p:blipFill>
+          <a:blip r:embed="rId1"/>
+          <a:stretch>
+            <a:fillRect/>
+          </a:stretch>
+        </p:blipFill>
+        <p:spPr>
+          <a:xfrm>
+            <a:off x="10318750" y="-190500"/>
+            <a:ext cx="2104390" cy="2104390"/>
+          </a:xfrm>
+          <a:prstGeom prst="rect">
+            <a:avLst/>
+          </a:prstGeom>
+        </p:spPr>
+      </p:pic>
+      <p:sp>
+        <p:nvSpPr>
+          <p:cNvPr id="4" name="文本框 3"/>
+          <p:cNvSpPr txBox="1"/>
+          <p:nvPr/>
+        </p:nvSpPr>
+        <p:spPr>
+          <a:xfrm>
+            <a:off x="2932430" y="5924550"/>
+            <a:ext cx="5409565" cy="460375"/>
+          </a:xfrm>
+          <a:prstGeom prst="rect">
+            <a:avLst/>
+          </a:prstGeom>
+          <a:noFill/>
+        </p:spPr>
+        <p:txBody>
+          <a:bodyPr wrap="square" rtlCol="0">
+            <a:spAutoFit/>
+          </a:bodyPr>
+          <a:p>
+            <a:r>
+              <a:rPr lang="zh-CN" altLang="en-US" sz="2400"/>
+              <a:t>详见</a:t>
+            </a:r>
+            <a:r>
+              <a:rPr lang="en-US" altLang="zh-CN" sz="2400"/>
+              <a:t>:</a:t>
+            </a:r>
+            <a:r>
+              <a:rPr lang="en-US" altLang="zh-CN" sz="2400">
+                <a:hlinkClick r:id="rId2" action="ppaction://hlinkfile"/>
+              </a:rPr>
+              <a:t>PRD2017-G2-</a:t>
+            </a:r>
+            <a:r>
+              <a:rPr lang="zh-CN" altLang="en-US" sz="2400">
+                <a:hlinkClick r:id="rId2" action="ppaction://hlinkfile"/>
+              </a:rPr>
+              <a:t>需求变更影响分析</a:t>
+            </a:r>
+            <a:endParaRPr lang="en-US" altLang="zh-CN" sz="2400"/>
+          </a:p>
+        </p:txBody>
+      </p:sp>
+      <p:pic>
+        <p:nvPicPr>
+          <p:cNvPr id="6" name="图片 5"/>
+          <p:cNvPicPr>
+            <a:picLocks noChangeAspect="1"/>
+          </p:cNvPicPr>
+          <p:nvPr/>
+        </p:nvPicPr>
+        <p:blipFill>
+          <a:blip r:embed="rId3"/>
+          <a:stretch>
+            <a:fillRect/>
+          </a:stretch>
+        </p:blipFill>
+        <p:spPr>
+          <a:xfrm>
+            <a:off x="789940" y="1648460"/>
+            <a:ext cx="6317615" cy="3818255"/>
+          </a:xfrm>
+          <a:prstGeom prst="rect">
+            <a:avLst/>
+          </a:prstGeom>
+        </p:spPr>
+      </p:pic>
+      <p:sp>
+        <p:nvSpPr>
+          <p:cNvPr id="7" name="文本框 6"/>
+          <p:cNvSpPr txBox="1"/>
+          <p:nvPr/>
+        </p:nvSpPr>
+        <p:spPr>
+          <a:xfrm>
+            <a:off x="806450" y="1163955"/>
+            <a:ext cx="2002790" cy="368300"/>
+          </a:xfrm>
+          <a:prstGeom prst="rect">
+            <a:avLst/>
+          </a:prstGeom>
+          <a:noFill/>
+        </p:spPr>
+        <p:txBody>
+          <a:bodyPr wrap="square" rtlCol="0">
+            <a:spAutoFit/>
+          </a:bodyPr>
+          <a:p>
+            <a:r>
+              <a:rPr lang="zh-CN" altLang="en-US"/>
+              <a:t>影响工作量分析</a:t>
+            </a:r>
+            <a:endParaRPr lang="zh-CN" altLang="en-US"/>
+          </a:p>
+        </p:txBody>
+      </p:sp>
+      <p:sp>
+        <p:nvSpPr>
+          <p:cNvPr id="100" name="文本框 99"/>
+          <p:cNvSpPr txBox="1"/>
+          <p:nvPr/>
+        </p:nvSpPr>
+        <p:spPr>
+          <a:xfrm>
+            <a:off x="7423150" y="2773045"/>
+            <a:ext cx="4053205" cy="1568450"/>
+          </a:xfrm>
+          <a:prstGeom prst="rect">
+            <a:avLst/>
+          </a:prstGeom>
+          <a:noFill/>
+          <a:ln w="9525">
+            <a:noFill/>
+          </a:ln>
+        </p:spPr>
+        <p:txBody>
+          <a:bodyPr wrap="square">
+            <a:spAutoFit/>
+          </a:bodyPr>
+          <a:p>
+            <a:pPr indent="0"/>
+            <a:r>
+              <a:rPr lang="zh-CN" altLang="en-US" sz="2400" b="0">
+                <a:latin typeface="宋体" panose="02010600030101010101" pitchFamily="2" charset="-122"/>
+                <a:ea typeface="宋体" panose="02010600030101010101" pitchFamily="2" charset="-122"/>
+                <a:cs typeface="宋体" panose="02010600030101010101" pitchFamily="2" charset="-122"/>
+              </a:rPr>
+              <a:t>原计划中需求变更的工作量为</a:t>
+            </a:r>
+            <a:r>
+              <a:rPr lang="en-US" altLang="zh-CN" sz="2400" b="0">
+                <a:latin typeface="宋体" panose="02010600030101010101" pitchFamily="2" charset="-122"/>
+                <a:ea typeface="宋体" panose="02010600030101010101" pitchFamily="2" charset="-122"/>
+                <a:cs typeface="宋体" panose="02010600030101010101" pitchFamily="2" charset="-122"/>
+              </a:rPr>
+              <a:t>10</a:t>
+            </a:r>
+            <a:r>
+              <a:rPr lang="zh-CN" altLang="en-US" sz="2400" b="0">
+                <a:latin typeface="宋体" panose="02010600030101010101" pitchFamily="2" charset="-122"/>
+                <a:ea typeface="宋体" panose="02010600030101010101" pitchFamily="2" charset="-122"/>
+                <a:cs typeface="宋体" panose="02010600030101010101" pitchFamily="2" charset="-122"/>
+              </a:rPr>
+              <a:t>小时，此变更影响的工作量为</a:t>
+            </a:r>
+            <a:r>
+              <a:rPr lang="en-US" altLang="zh-CN" sz="2400" b="0">
+                <a:latin typeface="Calibri" panose="020F0502020204030204" charset="0"/>
+                <a:cs typeface="Calibri" panose="020F0502020204030204" charset="0"/>
+              </a:rPr>
+              <a:t>8</a:t>
+            </a:r>
+            <a:r>
+              <a:rPr lang="zh-CN" altLang="en-US" sz="2400" b="0">
+                <a:latin typeface="宋体" panose="02010600030101010101" pitchFamily="2" charset="-122"/>
+                <a:ea typeface="宋体" panose="02010600030101010101" pitchFamily="2" charset="-122"/>
+                <a:cs typeface="宋体" panose="02010600030101010101" pitchFamily="2" charset="-122"/>
+              </a:rPr>
+              <a:t>小时，未超出我们预计的时间，所以接受变更。</a:t>
+            </a:r>
+            <a:endParaRPr lang="zh-CN" altLang="en-US" sz="2400" b="0">
+              <a:latin typeface="宋体" panose="02010600030101010101" pitchFamily="2" charset="-122"/>
+              <a:ea typeface="宋体" panose="02010600030101010101" pitchFamily="2" charset="-122"/>
+              <a:cs typeface="宋体" panose="02010600030101010101" pitchFamily="2" charset="-122"/>
+            </a:endParaRPr>
+          </a:p>
+        </p:txBody>
+      </p:sp>
+    </p:spTree>
+  </p:cSld>
+  <p:clrMapOvr>
+    <a:masterClrMapping/>
+  </p:clrMapOvr>
+  <p:timing>
+    <p:tnLst>
+      <p:par>
+        <p:cTn id="1" dur="indefinite" restart="never" nodeType="tmRoot"/>
+      </p:par>
+    </p:tnLst>
+  </p:timing>
+</p:sld>
+</file>
+
+<file path=ppt/slides/slide21.xml><?xml version="1.0" encoding="utf-8"?>
+<p:sld xmlns:a="http://schemas.openxmlformats.org/drawingml/2006/main" xmlns:r="http://schemas.openxmlformats.org/officeDocument/2006/relationships" xmlns:p="http://schemas.openxmlformats.org/presentationml/2006/main">
+  <p:cSld>
+    <p:spTree>
+      <p:nvGrpSpPr>
+        <p:cNvPr id="1" name=""/>
+        <p:cNvGrpSpPr/>
+        <p:nvPr/>
+      </p:nvGrpSpPr>
+      <p:grpSpPr>
+        <a:xfrm>
+          <a:off x="0" y="0"/>
+          <a:ext cx="0" cy="0"/>
+          <a:chOff x="0" y="0"/>
+          <a:chExt cx="0" cy="0"/>
+        </a:xfrm>
+      </p:grpSpPr>
       <p:grpSp>
         <p:nvGrpSpPr>
           <p:cNvPr id="5" name="组合 4"/>
@@ -8293,7 +8709,7 @@
 </p:sld>
 </file>
 
-<file path=ppt/slides/slide21.xml><?xml version="1.0" encoding="utf-8"?>
+<file path=ppt/slides/slide22.xml><?xml version="1.0" encoding="utf-8"?>
 <p:sld xmlns:a="http://schemas.openxmlformats.org/drawingml/2006/main" xmlns:r="http://schemas.openxmlformats.org/officeDocument/2006/relationships" xmlns:p="http://schemas.openxmlformats.org/presentationml/2006/main">
   <p:cSld>
     <p:spTree>
@@ -8633,7 +9049,7 @@
 </p:sld>
 </file>
 
-<file path=ppt/slides/slide22.xml><?xml version="1.0" encoding="utf-8"?>
+<file path=ppt/slides/slide23.xml><?xml version="1.0" encoding="utf-8"?>
 <p:sld xmlns:a="http://schemas.openxmlformats.org/drawingml/2006/main" xmlns:r="http://schemas.openxmlformats.org/officeDocument/2006/relationships" xmlns:p="http://schemas.openxmlformats.org/presentationml/2006/main">
   <p:cSld>
     <p:spTree>
@@ -9036,6 +9452,30 @@
           </a:p>
         </p:txBody>
       </p:sp>
+      <p:pic>
+        <p:nvPicPr>
+          <p:cNvPr id="7" name="图片 6"/>
+          <p:cNvPicPr>
+            <a:picLocks noChangeAspect="1"/>
+          </p:cNvPicPr>
+          <p:nvPr/>
+        </p:nvPicPr>
+        <p:blipFill>
+          <a:blip r:embed="rId2"/>
+          <a:stretch>
+            <a:fillRect/>
+          </a:stretch>
+        </p:blipFill>
+        <p:spPr>
+          <a:xfrm>
+            <a:off x="8508365" y="3787140"/>
+            <a:ext cx="3105150" cy="2630170"/>
+          </a:xfrm>
+          <a:prstGeom prst="rect">
+            <a:avLst/>
+          </a:prstGeom>
+        </p:spPr>
+      </p:pic>
     </p:spTree>
   </p:cSld>
   <p:clrMapOvr>
@@ -9051,7 +9491,7 @@
 </p:sld>
 </file>
 
-<file path=ppt/slides/slide23.xml><?xml version="1.0" encoding="utf-8"?>
+<file path=ppt/slides/slide24.xml><?xml version="1.0" encoding="utf-8"?>
 <p:sld xmlns:a="http://schemas.openxmlformats.org/drawingml/2006/main" xmlns:r="http://schemas.openxmlformats.org/officeDocument/2006/relationships" xmlns:p="http://schemas.openxmlformats.org/presentationml/2006/main">
   <p:cSld>
     <p:spTree>
@@ -9413,7 +9853,7 @@
 </p:sld>
 </file>
 
-<file path=ppt/slides/slide24.xml><?xml version="1.0" encoding="utf-8"?>
+<file path=ppt/slides/slide25.xml><?xml version="1.0" encoding="utf-8"?>
 <p:sld xmlns:a="http://schemas.openxmlformats.org/drawingml/2006/main" xmlns:r="http://schemas.openxmlformats.org/officeDocument/2006/relationships" xmlns:p="http://schemas.openxmlformats.org/presentationml/2006/main">
   <p:cSld>
     <p:spTree>
@@ -10606,7 +11046,7 @@
 </p:sld>
 </file>
 
-<file path=ppt/slides/slide25.xml><?xml version="1.0" encoding="utf-8"?>
+<file path=ppt/slides/slide26.xml><?xml version="1.0" encoding="utf-8"?>
 <p:sld xmlns:a="http://schemas.openxmlformats.org/drawingml/2006/main" xmlns:r="http://schemas.openxmlformats.org/officeDocument/2006/relationships" xmlns:p="http://schemas.openxmlformats.org/presentationml/2006/main">
   <p:cSld>
     <p:spTree>
@@ -11992,7 +12432,7 @@
 </p:sld>
 </file>
 
-<file path=ppt/slides/slide26.xml><?xml version="1.0" encoding="utf-8"?>
+<file path=ppt/slides/slide27.xml><?xml version="1.0" encoding="utf-8"?>
 <p:sld xmlns:a="http://schemas.openxmlformats.org/drawingml/2006/main" xmlns:r="http://schemas.openxmlformats.org/officeDocument/2006/relationships" xmlns:p="http://schemas.openxmlformats.org/presentationml/2006/main">
   <p:cSld>
     <p:spTree>
@@ -13076,7 +13516,7 @@
 </p:sld>
 </file>
 
-<file path=ppt/slides/slide27.xml><?xml version="1.0" encoding="utf-8"?>
+<file path=ppt/slides/slide28.xml><?xml version="1.0" encoding="utf-8"?>
 <p:sld xmlns:a="http://schemas.openxmlformats.org/drawingml/2006/main" xmlns:r="http://schemas.openxmlformats.org/officeDocument/2006/relationships" xmlns:p="http://schemas.openxmlformats.org/presentationml/2006/main">
   <p:cSld>
     <p:spTree>
@@ -14254,11 +14694,38 @@
           </a:prstGeom>
         </p:spPr>
       </p:pic>
+      <p:pic>
+        <p:nvPicPr>
+          <p:cNvPr id="6" name="图片 5"/>
+          <p:cNvPicPr>
+            <a:picLocks noChangeAspect="1"/>
+          </p:cNvPicPr>
+          <p:nvPr/>
+        </p:nvPicPr>
+        <p:blipFill>
+          <a:blip r:embed="rId5"/>
+          <a:stretch>
+            <a:fillRect/>
+          </a:stretch>
+        </p:blipFill>
+        <p:spPr>
+          <a:xfrm>
+            <a:off x="669290" y="1158875"/>
+            <a:ext cx="10203815" cy="5045075"/>
+          </a:xfrm>
+          <a:prstGeom prst="rect">
+            <a:avLst/>
+          </a:prstGeom>
+        </p:spPr>
+      </p:pic>
     </p:spTree>
   </p:cSld>
   <p:clrMapOvr>
     <a:masterClrMapping/>
   </p:clrMapOvr>
+  <p:transition>
+    <p:fade/>
+  </p:transition>
   <p:timing>
     <p:tnLst>
       <p:par>
@@ -14470,6 +14937,59 @@
                                         <p:strVal val="hidden"/>
                                       </p:to>
                                     </p:set>
+                                  </p:childTnLst>
+                                </p:cTn>
+                              </p:par>
+                            </p:childTnLst>
+                          </p:cTn>
+                        </p:par>
+                      </p:childTnLst>
+                    </p:cTn>
+                  </p:par>
+                  <p:par>
+                    <p:cTn id="23" fill="hold">
+                      <p:stCondLst>
+                        <p:cond delay="indefinite"/>
+                      </p:stCondLst>
+                      <p:childTnLst>
+                        <p:par>
+                          <p:cTn id="24" fill="hold">
+                            <p:stCondLst>
+                              <p:cond delay="0"/>
+                            </p:stCondLst>
+                            <p:childTnLst>
+                              <p:par>
+                                <p:cTn id="25" presetID="3" presetClass="entr" presetSubtype="10" fill="hold" nodeType="clickEffect">
+                                  <p:stCondLst>
+                                    <p:cond delay="0"/>
+                                  </p:stCondLst>
+                                  <p:childTnLst>
+                                    <p:set>
+                                      <p:cBhvr>
+                                        <p:cTn id="26" dur="1" fill="hold">
+                                          <p:stCondLst>
+                                            <p:cond delay="0"/>
+                                          </p:stCondLst>
+                                        </p:cTn>
+                                        <p:tgtEl>
+                                          <p:spTgt spid="6"/>
+                                        </p:tgtEl>
+                                        <p:attrNameLst>
+                                          <p:attrName>style.visibility</p:attrName>
+                                        </p:attrNameLst>
+                                      </p:cBhvr>
+                                      <p:to>
+                                        <p:strVal val="visible"/>
+                                      </p:to>
+                                    </p:set>
+                                    <p:animEffect transition="in" filter="blinds(horizontal)">
+                                      <p:cBhvr>
+                                        <p:cTn id="27" dur="500"/>
+                                        <p:tgtEl>
+                                          <p:spTgt spid="6"/>
+                                        </p:tgtEl>
+                                      </p:cBhvr>
+                                    </p:animEffect>
                                   </p:childTnLst>
                                 </p:cTn>
                               </p:par>
